--- a/Kalman Filter/Kalman Filters_Slide.pptx
+++ b/Kalman Filter/Kalman Filters_Slide.pptx
@@ -5,7 +5,7 @@
     <p:sldMasterId id="2147483660" r:id="rId1"/>
   </p:sldMasterIdLst>
   <p:handoutMasterIdLst>
-    <p:handoutMasterId r:id="rId32"/>
+    <p:handoutMasterId r:id="rId33"/>
   </p:handoutMasterIdLst>
   <p:sldIdLst>
     <p:sldId id="502" r:id="rId2"/>
@@ -38,6 +38,7 @@
     <p:sldId id="522" r:id="rId29"/>
     <p:sldId id="523" r:id="rId30"/>
     <p:sldId id="524" r:id="rId31"/>
+    <p:sldId id="528" r:id="rId32"/>
   </p:sldIdLst>
   <p:sldSz cx="12192000" cy="6858000"/>
   <p:notesSz cx="6858000" cy="9144000"/>
@@ -15546,6 +15547,519 @@
     <p:extLst>
       <p:ext uri="{BB962C8B-B14F-4D97-AF65-F5344CB8AC3E}">
         <p14:creationId xmlns:p14="http://schemas.microsoft.com/office/powerpoint/2010/main" val="2013530272"/>
+      </p:ext>
+    </p:extLst>
+  </p:cSld>
+  <p:clrMapOvr>
+    <a:masterClrMapping/>
+  </p:clrMapOvr>
+</p:sld>
+</file>
+
+<file path=ppt/slides/slide31.xml><?xml version="1.0" encoding="utf-8"?>
+<p:sld xmlns:a="http://schemas.openxmlformats.org/drawingml/2006/main" xmlns:r="http://schemas.openxmlformats.org/officeDocument/2006/relationships" xmlns:p="http://schemas.openxmlformats.org/presentationml/2006/main">
+  <p:cSld>
+    <p:spTree>
+      <p:nvGrpSpPr>
+        <p:cNvPr id="1" name=""/>
+        <p:cNvGrpSpPr/>
+        <p:nvPr/>
+      </p:nvGrpSpPr>
+      <p:grpSpPr>
+        <a:xfrm>
+          <a:off x="0" y="0"/>
+          <a:ext cx="0" cy="0"/>
+          <a:chOff x="0" y="0"/>
+          <a:chExt cx="0" cy="0"/>
+        </a:xfrm>
+      </p:grpSpPr>
+      <p:sp>
+        <p:nvSpPr>
+          <p:cNvPr id="2" name="灯片编号占位符 1">
+            <a:extLst>
+              <a:ext uri="{FF2B5EF4-FFF2-40B4-BE49-F238E27FC236}">
+                <a16:creationId xmlns:a16="http://schemas.microsoft.com/office/drawing/2014/main" id="{DA2BF8FB-6B2C-560B-C4A0-144BF053CB9D}"/>
+              </a:ext>
+            </a:extLst>
+          </p:cNvPr>
+          <p:cNvSpPr>
+            <a:spLocks noGrp="1"/>
+          </p:cNvSpPr>
+          <p:nvPr>
+            <p:ph type="sldNum" sz="quarter" idx="12"/>
+          </p:nvPr>
+        </p:nvSpPr>
+        <p:spPr/>
+        <p:txBody>
+          <a:bodyPr/>
+          <a:lstStyle/>
+          <a:p>
+            <a:fld id="{565CE74E-AB26-4998-AD42-012C4C1AD076}" type="slidenum">
+              <a:rPr lang="zh-CN" altLang="en-US" smtClean="0"/>
+              <a:t>31</a:t>
+            </a:fld>
+            <a:endParaRPr lang="zh-CN" altLang="en-US"/>
+          </a:p>
+        </p:txBody>
+      </p:sp>
+      <p:sp>
+        <p:nvSpPr>
+          <p:cNvPr id="3" name="矩形 2">
+            <a:extLst>
+              <a:ext uri="{FF2B5EF4-FFF2-40B4-BE49-F238E27FC236}">
+                <a16:creationId xmlns:a16="http://schemas.microsoft.com/office/drawing/2014/main" id="{FC952209-A012-C1C8-9CEC-D6AB774D39E3}"/>
+              </a:ext>
+            </a:extLst>
+          </p:cNvPr>
+          <p:cNvSpPr/>
+          <p:nvPr/>
+        </p:nvSpPr>
+        <p:spPr>
+          <a:xfrm>
+            <a:off x="1" y="-2"/>
+            <a:ext cx="220551" cy="6858002"/>
+          </a:xfrm>
+          <a:prstGeom prst="rect">
+            <a:avLst/>
+          </a:prstGeom>
+          <a:gradFill>
+            <a:gsLst>
+              <a:gs pos="100000">
+                <a:srgbClr val="1C2F43"/>
+              </a:gs>
+              <a:gs pos="0">
+                <a:srgbClr val="46706E"/>
+              </a:gs>
+            </a:gsLst>
+            <a:lin ang="5400000" scaled="1"/>
+          </a:gradFill>
+          <a:ln>
+            <a:noFill/>
+          </a:ln>
+        </p:spPr>
+        <p:style>
+          <a:lnRef idx="2">
+            <a:schemeClr val="accent1">
+              <a:shade val="50000"/>
+            </a:schemeClr>
+          </a:lnRef>
+          <a:fillRef idx="1">
+            <a:schemeClr val="accent1"/>
+          </a:fillRef>
+          <a:effectRef idx="0">
+            <a:schemeClr val="accent1"/>
+          </a:effectRef>
+          <a:fontRef idx="minor">
+            <a:schemeClr val="lt1"/>
+          </a:fontRef>
+        </p:style>
+        <p:txBody>
+          <a:bodyPr rtlCol="0" anchor="ctr"/>
+          <a:lstStyle/>
+          <a:p>
+            <a:pPr marL="0" marR="0" lvl="0" indent="0" algn="ctr" defTabSz="914400" rtl="0" eaLnBrk="1" fontAlgn="auto" latinLnBrk="0" hangingPunct="1">
+              <a:lnSpc>
+                <a:spcPct val="100000"/>
+              </a:lnSpc>
+              <a:spcBef>
+                <a:spcPts val="0"/>
+              </a:spcBef>
+              <a:spcAft>
+                <a:spcPts val="0"/>
+              </a:spcAft>
+              <a:buClrTx/>
+              <a:buSzTx/>
+              <a:buFontTx/>
+              <a:buNone/>
+              <a:tabLst/>
+              <a:defRPr/>
+            </a:pPr>
+            <a:endParaRPr kumimoji="0" lang="zh-CN" altLang="en-US" sz="1800" b="0" i="0" u="none" strike="noStrike" kern="1200" cap="none" spc="0" normalizeH="0" baseline="0" noProof="0">
+              <a:ln>
+                <a:noFill/>
+              </a:ln>
+              <a:solidFill>
+                <a:prstClr val="white"/>
+              </a:solidFill>
+              <a:effectLst/>
+              <a:uLnTx/>
+              <a:uFillTx/>
+              <a:latin typeface="Calibri"/>
+              <a:ea typeface="微软雅黑" panose="020B0503020204020204" pitchFamily="34" charset="-122"/>
+              <a:cs typeface="+mn-cs"/>
+            </a:endParaRPr>
+          </a:p>
+        </p:txBody>
+      </p:sp>
+      <p:pic>
+        <p:nvPicPr>
+          <p:cNvPr id="4" name="图片 3">
+            <a:extLst>
+              <a:ext uri="{FF2B5EF4-FFF2-40B4-BE49-F238E27FC236}">
+                <a16:creationId xmlns:a16="http://schemas.microsoft.com/office/drawing/2014/main" id="{52F6BA3C-4E7F-B5FB-0705-F22DC0CB06D7}"/>
+              </a:ext>
+            </a:extLst>
+          </p:cNvPr>
+          <p:cNvPicPr>
+            <a:picLocks noChangeAspect="1"/>
+          </p:cNvPicPr>
+          <p:nvPr/>
+        </p:nvPicPr>
+        <p:blipFill>
+          <a:blip r:embed="rId2"/>
+          <a:stretch>
+            <a:fillRect/>
+          </a:stretch>
+        </p:blipFill>
+        <p:spPr>
+          <a:xfrm>
+            <a:off x="11265327" y="-2"/>
+            <a:ext cx="926672" cy="926672"/>
+          </a:xfrm>
+          <a:prstGeom prst="rect">
+            <a:avLst/>
+          </a:prstGeom>
+        </p:spPr>
+      </p:pic>
+      <p:pic>
+        <p:nvPicPr>
+          <p:cNvPr id="7" name="图片 6">
+            <a:extLst>
+              <a:ext uri="{FF2B5EF4-FFF2-40B4-BE49-F238E27FC236}">
+                <a16:creationId xmlns:a16="http://schemas.microsoft.com/office/drawing/2014/main" id="{2386AB5B-DEFA-3E86-238F-417388F3CE80}"/>
+              </a:ext>
+            </a:extLst>
+          </p:cNvPr>
+          <p:cNvPicPr>
+            <a:picLocks noChangeAspect="1"/>
+          </p:cNvPicPr>
+          <p:nvPr/>
+        </p:nvPicPr>
+        <p:blipFill>
+          <a:blip r:embed="rId3"/>
+          <a:stretch>
+            <a:fillRect/>
+          </a:stretch>
+        </p:blipFill>
+        <p:spPr>
+          <a:xfrm>
+            <a:off x="485347" y="243859"/>
+            <a:ext cx="219475" cy="219475"/>
+          </a:xfrm>
+          <a:prstGeom prst="rect">
+            <a:avLst/>
+          </a:prstGeom>
+        </p:spPr>
+      </p:pic>
+      <p:sp>
+        <p:nvSpPr>
+          <p:cNvPr id="9" name="文本框 8">
+            <a:extLst>
+              <a:ext uri="{FF2B5EF4-FFF2-40B4-BE49-F238E27FC236}">
+                <a16:creationId xmlns:a16="http://schemas.microsoft.com/office/drawing/2014/main" id="{8CE9196C-B4E8-07DD-ADAA-F3AE6D97CFA1}"/>
+              </a:ext>
+            </a:extLst>
+          </p:cNvPr>
+          <p:cNvSpPr txBox="1"/>
+          <p:nvPr/>
+        </p:nvSpPr>
+        <p:spPr>
+          <a:xfrm>
+            <a:off x="886018" y="153541"/>
+            <a:ext cx="6096000" cy="400110"/>
+          </a:xfrm>
+          <a:prstGeom prst="rect">
+            <a:avLst/>
+          </a:prstGeom>
+          <a:noFill/>
+        </p:spPr>
+        <p:txBody>
+          <a:bodyPr wrap="square">
+            <a:spAutoFit/>
+          </a:bodyPr>
+          <a:lstStyle/>
+          <a:p>
+            <a:pPr marL="0" marR="0" lvl="0" indent="0" algn="l" defTabSz="914400" rtl="0" eaLnBrk="1" fontAlgn="auto" latinLnBrk="0" hangingPunct="1">
+              <a:lnSpc>
+                <a:spcPct val="100000"/>
+              </a:lnSpc>
+              <a:spcBef>
+                <a:spcPts val="0"/>
+              </a:spcBef>
+              <a:spcAft>
+                <a:spcPts val="0"/>
+              </a:spcAft>
+              <a:buClrTx/>
+              <a:buSzTx/>
+              <a:buFontTx/>
+              <a:buNone/>
+              <a:tabLst/>
+              <a:defRPr/>
+            </a:pPr>
+            <a:r>
+              <a:rPr lang="en-US" altLang="zh-CN" sz="2000" b="1" dirty="0">
+                <a:solidFill>
+                  <a:prstClr val="black"/>
+                </a:solidFill>
+                <a:latin typeface="Times New Roman" panose="02020603050405020304" pitchFamily="18" charset="0"/>
+                <a:ea typeface="微软雅黑" panose="020B0503020204020204" pitchFamily="34" charset="-122"/>
+                <a:cs typeface="Times New Roman" panose="02020603050405020304" pitchFamily="18" charset="0"/>
+              </a:rPr>
+              <a:t>Reference</a:t>
+            </a:r>
+            <a:endParaRPr kumimoji="0" lang="zh-CN" altLang="en-US" sz="2000" b="1" i="0" u="none" strike="noStrike" kern="1200" cap="none" spc="0" normalizeH="0" baseline="0" noProof="0" dirty="0">
+              <a:ln>
+                <a:noFill/>
+              </a:ln>
+              <a:solidFill>
+                <a:prstClr val="black"/>
+              </a:solidFill>
+              <a:effectLst/>
+              <a:uLnTx/>
+              <a:uFillTx/>
+              <a:latin typeface="Times New Roman" panose="02020603050405020304" pitchFamily="18" charset="0"/>
+              <a:ea typeface="微软雅黑" panose="020B0503020204020204" pitchFamily="34" charset="-122"/>
+              <a:cs typeface="Times New Roman" panose="02020603050405020304" pitchFamily="18" charset="0"/>
+            </a:endParaRPr>
+          </a:p>
+        </p:txBody>
+      </p:sp>
+      <p:sp>
+        <p:nvSpPr>
+          <p:cNvPr id="11" name="文本框 10">
+            <a:extLst>
+              <a:ext uri="{FF2B5EF4-FFF2-40B4-BE49-F238E27FC236}">
+                <a16:creationId xmlns:a16="http://schemas.microsoft.com/office/drawing/2014/main" id="{166C8F8B-3FC3-15A9-4FAD-8E4B84D5755F}"/>
+              </a:ext>
+            </a:extLst>
+          </p:cNvPr>
+          <p:cNvSpPr txBox="1"/>
+          <p:nvPr/>
+        </p:nvSpPr>
+        <p:spPr>
+          <a:xfrm>
+            <a:off x="934279" y="5133590"/>
+            <a:ext cx="7277321" cy="646331"/>
+          </a:xfrm>
+          <a:prstGeom prst="rect">
+            <a:avLst/>
+          </a:prstGeom>
+          <a:noFill/>
+        </p:spPr>
+        <p:txBody>
+          <a:bodyPr wrap="square">
+            <a:spAutoFit/>
+          </a:bodyPr>
+          <a:lstStyle/>
+          <a:p>
+            <a:pPr marL="285750" indent="-285750">
+              <a:buFont typeface="Arial" panose="020B0604020202020204" pitchFamily="34" charset="0"/>
+              <a:buChar char="•"/>
+            </a:pPr>
+            <a:r>
+              <a:rPr lang="en-US" altLang="zh-CN" dirty="0">
+                <a:effectLst/>
+              </a:rPr>
+              <a:t>STC Lecture series an introduction to the Kalman filter. (n.d.). </a:t>
+            </a:r>
+            <a:r>
+              <a:rPr lang="en-US" altLang="zh-CN" dirty="0">
+                <a:effectLst/>
+                <a:hlinkClick r:id="rId4"/>
+              </a:rPr>
+              <a:t>https://www.cs.unc.edu/~welch/media/pdf/kalmanIntroSlides.pdf </a:t>
+            </a:r>
+            <a:endParaRPr lang="en-US" altLang="zh-CN" dirty="0">
+              <a:effectLst/>
+            </a:endParaRPr>
+          </a:p>
+        </p:txBody>
+      </p:sp>
+      <p:sp>
+        <p:nvSpPr>
+          <p:cNvPr id="13" name="文本框 12">
+            <a:hlinkClick r:id="rId5"/>
+            <a:extLst>
+              <a:ext uri="{FF2B5EF4-FFF2-40B4-BE49-F238E27FC236}">
+                <a16:creationId xmlns:a16="http://schemas.microsoft.com/office/drawing/2014/main" id="{632CD6DA-8B86-8131-E3BD-DFAB8578564D}"/>
+              </a:ext>
+            </a:extLst>
+          </p:cNvPr>
+          <p:cNvSpPr txBox="1"/>
+          <p:nvPr/>
+        </p:nvSpPr>
+        <p:spPr>
+          <a:xfrm>
+            <a:off x="886017" y="897692"/>
+            <a:ext cx="7091791" cy="646331"/>
+          </a:xfrm>
+          <a:prstGeom prst="rect">
+            <a:avLst/>
+          </a:prstGeom>
+          <a:noFill/>
+        </p:spPr>
+        <p:txBody>
+          <a:bodyPr wrap="square">
+            <a:spAutoFit/>
+          </a:bodyPr>
+          <a:lstStyle/>
+          <a:p>
+            <a:pPr marL="285750" indent="-285750">
+              <a:buFont typeface="Arial" panose="020B0604020202020204" pitchFamily="34" charset="0"/>
+              <a:buChar char="•"/>
+            </a:pPr>
+            <a:r>
+              <a:rPr lang="en-US" altLang="zh-CN" dirty="0">
+                <a:effectLst/>
+              </a:rPr>
+              <a:t>Babb, T. (n.d.). How a Kalman filter works, in pictures. </a:t>
+            </a:r>
+            <a:r>
+              <a:rPr lang="en-US" altLang="zh-CN" i="1" dirty="0" err="1">
+                <a:effectLst/>
+              </a:rPr>
+              <a:t>Bzarg</a:t>
+            </a:r>
+            <a:r>
+              <a:rPr lang="en-US" altLang="zh-CN" dirty="0">
+                <a:effectLst/>
+              </a:rPr>
+              <a:t>. </a:t>
+            </a:r>
+            <a:r>
+              <a:rPr lang="en-US" altLang="zh-CN" dirty="0">
+                <a:effectLst/>
+                <a:hlinkClick r:id="rId5"/>
+              </a:rPr>
+              <a:t>https://www.bzarg.com/p/how-a-kalman-filter-works-in-pictures/ </a:t>
+            </a:r>
+            <a:endParaRPr lang="en-US" altLang="zh-CN" dirty="0">
+              <a:effectLst/>
+            </a:endParaRPr>
+          </a:p>
+        </p:txBody>
+      </p:sp>
+      <p:sp>
+        <p:nvSpPr>
+          <p:cNvPr id="15" name="文本框 14">
+            <a:extLst>
+              <a:ext uri="{FF2B5EF4-FFF2-40B4-BE49-F238E27FC236}">
+                <a16:creationId xmlns:a16="http://schemas.microsoft.com/office/drawing/2014/main" id="{9DFC8385-A7CC-983E-4A17-A4F0292001DD}"/>
+              </a:ext>
+            </a:extLst>
+          </p:cNvPr>
+          <p:cNvSpPr txBox="1"/>
+          <p:nvPr/>
+        </p:nvSpPr>
+        <p:spPr>
+          <a:xfrm>
+            <a:off x="934279" y="1998056"/>
+            <a:ext cx="7277321" cy="1754326"/>
+          </a:xfrm>
+          <a:prstGeom prst="rect">
+            <a:avLst/>
+          </a:prstGeom>
+          <a:noFill/>
+        </p:spPr>
+        <p:txBody>
+          <a:bodyPr wrap="square">
+            <a:spAutoFit/>
+          </a:bodyPr>
+          <a:lstStyle/>
+          <a:p>
+            <a:pPr marL="285750" indent="-285750">
+              <a:buFont typeface="Arial" panose="020B0604020202020204" pitchFamily="34" charset="0"/>
+              <a:buChar char="•"/>
+            </a:pPr>
+            <a:r>
+              <a:rPr lang="en-US" altLang="zh-CN" dirty="0"/>
+              <a:t>“State Estimation and Localization for Self-Driving Cars” launched by the University of Toronto on Coursera. </a:t>
+            </a:r>
+            <a:r>
+              <a:rPr lang="en-US" altLang="zh-CN" dirty="0">
+                <a:hlinkClick r:id="rId6"/>
+              </a:rPr>
+              <a:t>https://www.coursera.org/learn/state-estimation-localization-self-driving-cars/home/week/2</a:t>
+            </a:r>
+            <a:endParaRPr lang="en-US" altLang="zh-CN" dirty="0"/>
+          </a:p>
+          <a:p>
+            <a:pPr marL="285750" indent="-285750">
+              <a:buFont typeface="Arial" panose="020B0604020202020204" pitchFamily="34" charset="0"/>
+              <a:buChar char="•"/>
+            </a:pPr>
+            <a:endParaRPr lang="en-US" altLang="zh-CN" dirty="0"/>
+          </a:p>
+          <a:p>
+            <a:pPr marL="285750" indent="-285750">
+              <a:buFont typeface="Arial" panose="020B0604020202020204" pitchFamily="34" charset="0"/>
+              <a:buChar char="•"/>
+            </a:pPr>
+            <a:endParaRPr lang="en-US" altLang="zh-CN" dirty="0"/>
+          </a:p>
+        </p:txBody>
+      </p:sp>
+      <p:sp>
+        <p:nvSpPr>
+          <p:cNvPr id="17" name="文本框 16">
+            <a:extLst>
+              <a:ext uri="{FF2B5EF4-FFF2-40B4-BE49-F238E27FC236}">
+                <a16:creationId xmlns:a16="http://schemas.microsoft.com/office/drawing/2014/main" id="{752AD643-CF10-103E-AF4B-8267A35731BC}"/>
+              </a:ext>
+            </a:extLst>
+          </p:cNvPr>
+          <p:cNvSpPr txBox="1"/>
+          <p:nvPr/>
+        </p:nvSpPr>
+        <p:spPr>
+          <a:xfrm>
+            <a:off x="934279" y="3532382"/>
+            <a:ext cx="6539947" cy="1200329"/>
+          </a:xfrm>
+          <a:prstGeom prst="rect">
+            <a:avLst/>
+          </a:prstGeom>
+          <a:noFill/>
+        </p:spPr>
+        <p:txBody>
+          <a:bodyPr wrap="square">
+            <a:spAutoFit/>
+          </a:bodyPr>
+          <a:lstStyle/>
+          <a:p>
+            <a:pPr marL="285750" indent="-285750">
+              <a:buFont typeface="Arial" panose="020B0604020202020204" pitchFamily="34" charset="0"/>
+              <a:buChar char="•"/>
+            </a:pPr>
+            <a:r>
+              <a:rPr lang="en-US" altLang="zh-CN" i="1" dirty="0">
+                <a:effectLst/>
+              </a:rPr>
+              <a:t>Understanding Kalman filters, part 3: Optimal State Estimator</a:t>
+            </a:r>
+            <a:r>
+              <a:rPr lang="en-US" altLang="zh-CN" dirty="0">
+                <a:effectLst/>
+              </a:rPr>
+              <a:t>. MATLAB. (n.d.). </a:t>
+            </a:r>
+            <a:r>
+              <a:rPr lang="en-US" altLang="zh-CN" dirty="0">
+                <a:effectLst/>
+                <a:hlinkClick r:id="rId7"/>
+              </a:rPr>
+              <a:t>https://ww2.mathworks.cn/videos/understanding-kalman-filters-part-3-optimal-state-estimator--1490710645421.html </a:t>
+            </a:r>
+            <a:endParaRPr lang="en-US" altLang="zh-CN" dirty="0">
+              <a:effectLst/>
+            </a:endParaRPr>
+          </a:p>
+        </p:txBody>
+      </p:sp>
+    </p:spTree>
+    <p:extLst>
+      <p:ext uri="{BB962C8B-B14F-4D97-AF65-F5344CB8AC3E}">
+        <p14:creationId xmlns:p14="http://schemas.microsoft.com/office/powerpoint/2010/main" val="444701339"/>
       </p:ext>
     </p:extLst>
   </p:cSld>

--- a/Kalman Filter/Kalman Filters_Slide.pptx
+++ b/Kalman Filter/Kalman Filters_Slide.pptx
@@ -4,8 +4,11 @@
   <p:sldMasterIdLst>
     <p:sldMasterId id="2147483660" r:id="rId1"/>
   </p:sldMasterIdLst>
+  <p:notesMasterIdLst>
+    <p:notesMasterId r:id="rId33"/>
+  </p:notesMasterIdLst>
   <p:handoutMasterIdLst>
-    <p:handoutMasterId r:id="rId33"/>
+    <p:handoutMasterId r:id="rId34"/>
   </p:handoutMasterIdLst>
   <p:sldIdLst>
     <p:sldId id="502" r:id="rId2"/>
@@ -253,7 +256,7 @@
           <a:p>
             <a:fld id="{9231DB76-5993-4784-9EAB-D9A89B457C93}" type="datetimeFigureOut">
               <a:rPr lang="zh-CN" altLang="en-US" smtClean="0"/>
-              <a:t>2024-03-23</a:t>
+              <a:t>2024-03-29</a:t>
             </a:fld>
             <a:endParaRPr lang="zh-CN" altLang="en-US"/>
           </a:p>
@@ -362,6 +365,493 @@
     </p:ext>
   </p:extLst>
 </p:handoutMaster>
+</file>
+
+<file path=ppt/ink/ink1.xml><?xml version="1.0" encoding="utf-8"?>
+<inkml:ink xmlns:inkml="http://www.w3.org/2003/InkML">
+  <inkml:definitions>
+    <inkml:context xml:id="ctx0">
+      <inkml:inkSource xml:id="inkSrc0">
+        <inkml:traceFormat>
+          <inkml:channel name="X" type="integer" min="-2.14748E9" max="2.14748E9" units="cm"/>
+          <inkml:channel name="Y" type="integer" min="-2.14748E9" max="2.14748E9" units="cm"/>
+          <inkml:channel name="F" type="integer" max="32767" units="dev"/>
+        </inkml:traceFormat>
+        <inkml:channelProperties>
+          <inkml:channelProperty channel="X" name="resolution" value="1000" units="1/cm"/>
+          <inkml:channelProperty channel="Y" name="resolution" value="1000" units="1/cm"/>
+          <inkml:channelProperty channel="F" name="resolution" value="0" units="1/dev"/>
+        </inkml:channelProperties>
+      </inkml:inkSource>
+      <inkml:timestamp xml:id="ts0" timeString="2024-03-29T16:18:55.283"/>
+    </inkml:context>
+    <inkml:brush xml:id="br0">
+      <inkml:brushProperty name="width" value="0.05" units="cm"/>
+      <inkml:brushProperty name="height" value="0.05" units="cm"/>
+    </inkml:brush>
+  </inkml:definitions>
+  <inkml:trace contextRef="#ctx0" brushRef="#br0">0 57 24575,'519'9'0,"22"0"0,50-20 0,-148 14 0,195 6 0,-414-10 0,1291 0 0,-1297 11 0,-26-1 0,969-7 0,-588-4 0,-182 3 0,448-2 0,-459-8 0,227-1 0,-342 1 0,-28 0 0,514 9 0,-361 1 0,-226-11 0,-12 0 0,-113 10 0,6 1 0,-1-2 0,1-2 0,-1-3 0,48-10 0,-77 12-455,-1 2 0,28-3 0,-25 5-6371</inkml:trace>
+</inkml:ink>
+</file>
+
+<file path=ppt/ink/ink2.xml><?xml version="1.0" encoding="utf-8"?>
+<inkml:ink xmlns:inkml="http://www.w3.org/2003/InkML">
+  <inkml:definitions>
+    <inkml:context xml:id="ctx0">
+      <inkml:inkSource xml:id="inkSrc0">
+        <inkml:traceFormat>
+          <inkml:channel name="X" type="integer" min="-2.14748E9" max="2.14748E9" units="cm"/>
+          <inkml:channel name="Y" type="integer" min="-2.14748E9" max="2.14748E9" units="cm"/>
+          <inkml:channel name="F" type="integer" max="32767" units="dev"/>
+        </inkml:traceFormat>
+        <inkml:channelProperties>
+          <inkml:channelProperty channel="X" name="resolution" value="1000" units="1/cm"/>
+          <inkml:channelProperty channel="Y" name="resolution" value="1000" units="1/cm"/>
+          <inkml:channelProperty channel="F" name="resolution" value="0" units="1/dev"/>
+        </inkml:channelProperties>
+      </inkml:inkSource>
+      <inkml:timestamp xml:id="ts0" timeString="2024-03-29T16:19:29.815"/>
+    </inkml:context>
+    <inkml:brush xml:id="br0">
+      <inkml:brushProperty name="width" value="0.05" units="cm"/>
+      <inkml:brushProperty name="height" value="0.05" units="cm"/>
+    </inkml:brush>
+  </inkml:definitions>
+  <inkml:trace contextRef="#ctx0" brushRef="#br0">1 39 24575,'0'-1'0,"1"0"0,-1 0 0,1 0 0,-1 0 0,1 0 0,0 0 0,0 0 0,-1 0 0,1 0 0,0 0 0,0 0 0,0 0 0,0 1 0,0-1 0,0 0 0,0 1 0,0-1 0,0 1 0,0-1 0,0 1 0,1-1 0,-1 1 0,1-1 0,30-7 0,24 1 0,1 2 0,112 6 0,-70 1 0,-34-2 0,0 4 0,0 2 0,-1 4 0,100 26 0,-42-4 0,206 28 0,127-18 0,540-27 0,-648-18 0,656 15 0,-454 0 0,-215-5 0,1077-12 0,-888-35 0,-1 1 0,412 19 0,1010 20 0,-1225-34 0,-655 24 0,-42 6 0,0 0 0,36 0 0,386 5-1365,-426-1-5461</inkml:trace>
+</inkml:ink>
+</file>
+
+<file path=ppt/notesMasters/notesMaster1.xml><?xml version="1.0" encoding="utf-8"?>
+<p:notesMaster xmlns:a="http://schemas.openxmlformats.org/drawingml/2006/main" xmlns:r="http://schemas.openxmlformats.org/officeDocument/2006/relationships" xmlns:p="http://schemas.openxmlformats.org/presentationml/2006/main">
+  <p:cSld>
+    <p:bg>
+      <p:bgRef idx="1001">
+        <a:schemeClr val="bg1"/>
+      </p:bgRef>
+    </p:bg>
+    <p:spTree>
+      <p:nvGrpSpPr>
+        <p:cNvPr id="1" name=""/>
+        <p:cNvGrpSpPr/>
+        <p:nvPr/>
+      </p:nvGrpSpPr>
+      <p:grpSpPr>
+        <a:xfrm>
+          <a:off x="0" y="0"/>
+          <a:ext cx="0" cy="0"/>
+          <a:chOff x="0" y="0"/>
+          <a:chExt cx="0" cy="0"/>
+        </a:xfrm>
+      </p:grpSpPr>
+      <p:sp>
+        <p:nvSpPr>
+          <p:cNvPr id="2" name="页眉占位符 1"/>
+          <p:cNvSpPr>
+            <a:spLocks noGrp="1"/>
+          </p:cNvSpPr>
+          <p:nvPr>
+            <p:ph type="hdr" sz="quarter"/>
+          </p:nvPr>
+        </p:nvSpPr>
+        <p:spPr>
+          <a:xfrm>
+            <a:off x="0" y="0"/>
+            <a:ext cx="2971800" cy="458788"/>
+          </a:xfrm>
+          <a:prstGeom prst="rect">
+            <a:avLst/>
+          </a:prstGeom>
+        </p:spPr>
+        <p:txBody>
+          <a:bodyPr vert="horz" lIns="91440" tIns="45720" rIns="91440" bIns="45720" rtlCol="0"/>
+          <a:lstStyle>
+            <a:lvl1pPr algn="l">
+              <a:defRPr sz="1200"/>
+            </a:lvl1pPr>
+          </a:lstStyle>
+          <a:p>
+            <a:endParaRPr lang="zh-CN" altLang="en-US"/>
+          </a:p>
+        </p:txBody>
+      </p:sp>
+      <p:sp>
+        <p:nvSpPr>
+          <p:cNvPr id="3" name="日期占位符 2"/>
+          <p:cNvSpPr>
+            <a:spLocks noGrp="1"/>
+          </p:cNvSpPr>
+          <p:nvPr>
+            <p:ph type="dt" idx="1"/>
+          </p:nvPr>
+        </p:nvSpPr>
+        <p:spPr>
+          <a:xfrm>
+            <a:off x="3884613" y="0"/>
+            <a:ext cx="2971800" cy="458788"/>
+          </a:xfrm>
+          <a:prstGeom prst="rect">
+            <a:avLst/>
+          </a:prstGeom>
+        </p:spPr>
+        <p:txBody>
+          <a:bodyPr vert="horz" lIns="91440" tIns="45720" rIns="91440" bIns="45720" rtlCol="0"/>
+          <a:lstStyle>
+            <a:lvl1pPr algn="r">
+              <a:defRPr sz="1200"/>
+            </a:lvl1pPr>
+          </a:lstStyle>
+          <a:p>
+            <a:fld id="{F45E9ACB-C599-466B-BA40-E77CAABA49E4}" type="datetimeFigureOut">
+              <a:rPr lang="zh-CN" altLang="en-US" smtClean="0"/>
+              <a:t>2024-03-30</a:t>
+            </a:fld>
+            <a:endParaRPr lang="zh-CN" altLang="en-US"/>
+          </a:p>
+        </p:txBody>
+      </p:sp>
+      <p:sp>
+        <p:nvSpPr>
+          <p:cNvPr id="4" name="幻灯片图像占位符 3"/>
+          <p:cNvSpPr>
+            <a:spLocks noGrp="1" noRot="1" noChangeAspect="1"/>
+          </p:cNvSpPr>
+          <p:nvPr>
+            <p:ph type="sldImg" idx="2"/>
+          </p:nvPr>
+        </p:nvSpPr>
+        <p:spPr>
+          <a:xfrm>
+            <a:off x="685800" y="1143000"/>
+            <a:ext cx="5486400" cy="3086100"/>
+          </a:xfrm>
+          <a:prstGeom prst="rect">
+            <a:avLst/>
+          </a:prstGeom>
+          <a:noFill/>
+          <a:ln w="12700">
+            <a:solidFill>
+              <a:prstClr val="black"/>
+            </a:solidFill>
+          </a:ln>
+        </p:spPr>
+        <p:txBody>
+          <a:bodyPr vert="horz" lIns="91440" tIns="45720" rIns="91440" bIns="45720" rtlCol="0" anchor="ctr"/>
+          <a:lstStyle/>
+          <a:p>
+            <a:endParaRPr lang="zh-CN" altLang="en-US"/>
+          </a:p>
+        </p:txBody>
+      </p:sp>
+      <p:sp>
+        <p:nvSpPr>
+          <p:cNvPr id="5" name="备注占位符 4"/>
+          <p:cNvSpPr>
+            <a:spLocks noGrp="1"/>
+          </p:cNvSpPr>
+          <p:nvPr>
+            <p:ph type="body" sz="quarter" idx="3"/>
+          </p:nvPr>
+        </p:nvSpPr>
+        <p:spPr>
+          <a:xfrm>
+            <a:off x="685800" y="4400550"/>
+            <a:ext cx="5486400" cy="3600450"/>
+          </a:xfrm>
+          <a:prstGeom prst="rect">
+            <a:avLst/>
+          </a:prstGeom>
+        </p:spPr>
+        <p:txBody>
+          <a:bodyPr vert="horz" lIns="91440" tIns="45720" rIns="91440" bIns="45720" rtlCol="0"/>
+          <a:lstStyle/>
+          <a:p>
+            <a:pPr lvl="0"/>
+            <a:r>
+              <a:rPr lang="zh-CN" altLang="en-US"/>
+              <a:t>单击此处编辑母版文本样式</a:t>
+            </a:r>
+          </a:p>
+          <a:p>
+            <a:pPr lvl="1"/>
+            <a:r>
+              <a:rPr lang="zh-CN" altLang="en-US"/>
+              <a:t>二级</a:t>
+            </a:r>
+          </a:p>
+          <a:p>
+            <a:pPr lvl="2"/>
+            <a:r>
+              <a:rPr lang="zh-CN" altLang="en-US"/>
+              <a:t>三级</a:t>
+            </a:r>
+          </a:p>
+          <a:p>
+            <a:pPr lvl="3"/>
+            <a:r>
+              <a:rPr lang="zh-CN" altLang="en-US"/>
+              <a:t>四级</a:t>
+            </a:r>
+          </a:p>
+          <a:p>
+            <a:pPr lvl="4"/>
+            <a:r>
+              <a:rPr lang="zh-CN" altLang="en-US"/>
+              <a:t>五级</a:t>
+            </a:r>
+          </a:p>
+        </p:txBody>
+      </p:sp>
+      <p:sp>
+        <p:nvSpPr>
+          <p:cNvPr id="6" name="页脚占位符 5"/>
+          <p:cNvSpPr>
+            <a:spLocks noGrp="1"/>
+          </p:cNvSpPr>
+          <p:nvPr>
+            <p:ph type="ftr" sz="quarter" idx="4"/>
+          </p:nvPr>
+        </p:nvSpPr>
+        <p:spPr>
+          <a:xfrm>
+            <a:off x="0" y="8685213"/>
+            <a:ext cx="2971800" cy="458787"/>
+          </a:xfrm>
+          <a:prstGeom prst="rect">
+            <a:avLst/>
+          </a:prstGeom>
+        </p:spPr>
+        <p:txBody>
+          <a:bodyPr vert="horz" lIns="91440" tIns="45720" rIns="91440" bIns="45720" rtlCol="0" anchor="b"/>
+          <a:lstStyle>
+            <a:lvl1pPr algn="l">
+              <a:defRPr sz="1200"/>
+            </a:lvl1pPr>
+          </a:lstStyle>
+          <a:p>
+            <a:endParaRPr lang="zh-CN" altLang="en-US"/>
+          </a:p>
+        </p:txBody>
+      </p:sp>
+      <p:sp>
+        <p:nvSpPr>
+          <p:cNvPr id="7" name="灯片编号占位符 6"/>
+          <p:cNvSpPr>
+            <a:spLocks noGrp="1"/>
+          </p:cNvSpPr>
+          <p:nvPr>
+            <p:ph type="sldNum" sz="quarter" idx="5"/>
+          </p:nvPr>
+        </p:nvSpPr>
+        <p:spPr>
+          <a:xfrm>
+            <a:off x="3884613" y="8685213"/>
+            <a:ext cx="2971800" cy="458787"/>
+          </a:xfrm>
+          <a:prstGeom prst="rect">
+            <a:avLst/>
+          </a:prstGeom>
+        </p:spPr>
+        <p:txBody>
+          <a:bodyPr vert="horz" lIns="91440" tIns="45720" rIns="91440" bIns="45720" rtlCol="0" anchor="b"/>
+          <a:lstStyle>
+            <a:lvl1pPr algn="r">
+              <a:defRPr sz="1200"/>
+            </a:lvl1pPr>
+          </a:lstStyle>
+          <a:p>
+            <a:fld id="{EA426BA6-99AC-40DA-AFEE-D6019D8F02B5}" type="slidenum">
+              <a:rPr lang="zh-CN" altLang="en-US" smtClean="0"/>
+              <a:t>‹#›</a:t>
+            </a:fld>
+            <a:endParaRPr lang="zh-CN" altLang="en-US"/>
+          </a:p>
+        </p:txBody>
+      </p:sp>
+    </p:spTree>
+    <p:extLst>
+      <p:ext uri="{BB962C8B-B14F-4D97-AF65-F5344CB8AC3E}">
+        <p14:creationId xmlns:p14="http://schemas.microsoft.com/office/powerpoint/2010/main" val="900563112"/>
+      </p:ext>
+    </p:extLst>
+  </p:cSld>
+  <p:clrMap bg1="lt1" tx1="dk1" bg2="lt2" tx2="dk2" accent1="accent1" accent2="accent2" accent3="accent3" accent4="accent4" accent5="accent5" accent6="accent6" hlink="hlink" folHlink="folHlink"/>
+  <p:notesStyle>
+    <a:lvl1pPr marL="0" algn="l" defTabSz="914400" rtl="0" eaLnBrk="1" latinLnBrk="0" hangingPunct="1">
+      <a:defRPr sz="1200" kern="1200">
+        <a:solidFill>
+          <a:schemeClr val="tx1"/>
+        </a:solidFill>
+        <a:latin typeface="+mn-lt"/>
+        <a:ea typeface="+mn-ea"/>
+        <a:cs typeface="+mn-cs"/>
+      </a:defRPr>
+    </a:lvl1pPr>
+    <a:lvl2pPr marL="457200" algn="l" defTabSz="914400" rtl="0" eaLnBrk="1" latinLnBrk="0" hangingPunct="1">
+      <a:defRPr sz="1200" kern="1200">
+        <a:solidFill>
+          <a:schemeClr val="tx1"/>
+        </a:solidFill>
+        <a:latin typeface="+mn-lt"/>
+        <a:ea typeface="+mn-ea"/>
+        <a:cs typeface="+mn-cs"/>
+      </a:defRPr>
+    </a:lvl2pPr>
+    <a:lvl3pPr marL="914400" algn="l" defTabSz="914400" rtl="0" eaLnBrk="1" latinLnBrk="0" hangingPunct="1">
+      <a:defRPr sz="1200" kern="1200">
+        <a:solidFill>
+          <a:schemeClr val="tx1"/>
+        </a:solidFill>
+        <a:latin typeface="+mn-lt"/>
+        <a:ea typeface="+mn-ea"/>
+        <a:cs typeface="+mn-cs"/>
+      </a:defRPr>
+    </a:lvl3pPr>
+    <a:lvl4pPr marL="1371600" algn="l" defTabSz="914400" rtl="0" eaLnBrk="1" latinLnBrk="0" hangingPunct="1">
+      <a:defRPr sz="1200" kern="1200">
+        <a:solidFill>
+          <a:schemeClr val="tx1"/>
+        </a:solidFill>
+        <a:latin typeface="+mn-lt"/>
+        <a:ea typeface="+mn-ea"/>
+        <a:cs typeface="+mn-cs"/>
+      </a:defRPr>
+    </a:lvl4pPr>
+    <a:lvl5pPr marL="1828800" algn="l" defTabSz="914400" rtl="0" eaLnBrk="1" latinLnBrk="0" hangingPunct="1">
+      <a:defRPr sz="1200" kern="1200">
+        <a:solidFill>
+          <a:schemeClr val="tx1"/>
+        </a:solidFill>
+        <a:latin typeface="+mn-lt"/>
+        <a:ea typeface="+mn-ea"/>
+        <a:cs typeface="+mn-cs"/>
+      </a:defRPr>
+    </a:lvl5pPr>
+    <a:lvl6pPr marL="2286000" algn="l" defTabSz="914400" rtl="0" eaLnBrk="1" latinLnBrk="0" hangingPunct="1">
+      <a:defRPr sz="1200" kern="1200">
+        <a:solidFill>
+          <a:schemeClr val="tx1"/>
+        </a:solidFill>
+        <a:latin typeface="+mn-lt"/>
+        <a:ea typeface="+mn-ea"/>
+        <a:cs typeface="+mn-cs"/>
+      </a:defRPr>
+    </a:lvl6pPr>
+    <a:lvl7pPr marL="2743200" algn="l" defTabSz="914400" rtl="0" eaLnBrk="1" latinLnBrk="0" hangingPunct="1">
+      <a:defRPr sz="1200" kern="1200">
+        <a:solidFill>
+          <a:schemeClr val="tx1"/>
+        </a:solidFill>
+        <a:latin typeface="+mn-lt"/>
+        <a:ea typeface="+mn-ea"/>
+        <a:cs typeface="+mn-cs"/>
+      </a:defRPr>
+    </a:lvl7pPr>
+    <a:lvl8pPr marL="3200400" algn="l" defTabSz="914400" rtl="0" eaLnBrk="1" latinLnBrk="0" hangingPunct="1">
+      <a:defRPr sz="1200" kern="1200">
+        <a:solidFill>
+          <a:schemeClr val="tx1"/>
+        </a:solidFill>
+        <a:latin typeface="+mn-lt"/>
+        <a:ea typeface="+mn-ea"/>
+        <a:cs typeface="+mn-cs"/>
+      </a:defRPr>
+    </a:lvl8pPr>
+    <a:lvl9pPr marL="3657600" algn="l" defTabSz="914400" rtl="0" eaLnBrk="1" latinLnBrk="0" hangingPunct="1">
+      <a:defRPr sz="1200" kern="1200">
+        <a:solidFill>
+          <a:schemeClr val="tx1"/>
+        </a:solidFill>
+        <a:latin typeface="+mn-lt"/>
+        <a:ea typeface="+mn-ea"/>
+        <a:cs typeface="+mn-cs"/>
+      </a:defRPr>
+    </a:lvl9pPr>
+  </p:notesStyle>
+</p:notesMaster>
+</file>
+
+<file path=ppt/notesSlides/notesSlide1.xml><?xml version="1.0" encoding="utf-8"?>
+<p:notes xmlns:a="http://schemas.openxmlformats.org/drawingml/2006/main" xmlns:r="http://schemas.openxmlformats.org/officeDocument/2006/relationships" xmlns:p="http://schemas.openxmlformats.org/presentationml/2006/main">
+  <p:cSld>
+    <p:spTree>
+      <p:nvGrpSpPr>
+        <p:cNvPr id="1" name=""/>
+        <p:cNvGrpSpPr/>
+        <p:nvPr/>
+      </p:nvGrpSpPr>
+      <p:grpSpPr>
+        <a:xfrm>
+          <a:off x="0" y="0"/>
+          <a:ext cx="0" cy="0"/>
+          <a:chOff x="0" y="0"/>
+          <a:chExt cx="0" cy="0"/>
+        </a:xfrm>
+      </p:grpSpPr>
+      <p:sp>
+        <p:nvSpPr>
+          <p:cNvPr id="2" name="幻灯片图像占位符 1"/>
+          <p:cNvSpPr>
+            <a:spLocks noGrp="1" noRot="1" noChangeAspect="1"/>
+          </p:cNvSpPr>
+          <p:nvPr>
+            <p:ph type="sldImg"/>
+          </p:nvPr>
+        </p:nvSpPr>
+        <p:spPr/>
+      </p:sp>
+      <p:sp>
+        <p:nvSpPr>
+          <p:cNvPr id="3" name="备注占位符 2"/>
+          <p:cNvSpPr>
+            <a:spLocks noGrp="1"/>
+          </p:cNvSpPr>
+          <p:nvPr>
+            <p:ph type="body" idx="1"/>
+          </p:nvPr>
+        </p:nvSpPr>
+        <p:spPr/>
+        <p:txBody>
+          <a:bodyPr/>
+          <a:lstStyle/>
+          <a:p>
+            <a:endParaRPr lang="zh-CN" altLang="en-US" dirty="0"/>
+          </a:p>
+        </p:txBody>
+      </p:sp>
+      <p:sp>
+        <p:nvSpPr>
+          <p:cNvPr id="4" name="灯片编号占位符 3"/>
+          <p:cNvSpPr>
+            <a:spLocks noGrp="1"/>
+          </p:cNvSpPr>
+          <p:nvPr>
+            <p:ph type="sldNum" sz="quarter" idx="5"/>
+          </p:nvPr>
+        </p:nvSpPr>
+        <p:spPr/>
+        <p:txBody>
+          <a:bodyPr/>
+          <a:lstStyle/>
+          <a:p>
+            <a:fld id="{EA426BA6-99AC-40DA-AFEE-D6019D8F02B5}" type="slidenum">
+              <a:rPr lang="zh-CN" altLang="en-US" smtClean="0"/>
+              <a:t>25</a:t>
+            </a:fld>
+            <a:endParaRPr lang="zh-CN" altLang="en-US"/>
+          </a:p>
+        </p:txBody>
+      </p:sp>
+    </p:spTree>
+    <p:extLst>
+      <p:ext uri="{BB962C8B-B14F-4D97-AF65-F5344CB8AC3E}">
+        <p14:creationId xmlns:p14="http://schemas.microsoft.com/office/powerpoint/2010/main" val="3927079587"/>
+      </p:ext>
+    </p:extLst>
+  </p:cSld>
+  <p:clrMapOvr>
+    <a:masterClrMapping/>
+  </p:clrMapOvr>
+</p:notes>
 </file>
 
 <file path=ppt/slideLayouts/slideLayout1.xml><?xml version="1.0" encoding="utf-8"?>
@@ -493,7 +983,7 @@
           <a:p>
             <a:fld id="{D997B5FA-0921-464F-AAE1-844C04324D75}" type="datetimeFigureOut">
               <a:rPr lang="zh-CN" altLang="en-US" smtClean="0"/>
-              <a:t>2024-03-23</a:t>
+              <a:t>2024-03-29</a:t>
             </a:fld>
             <a:endParaRPr lang="zh-CN" altLang="en-US"/>
           </a:p>
@@ -662,7 +1152,7 @@
           <a:p>
             <a:fld id="{D997B5FA-0921-464F-AAE1-844C04324D75}" type="datetimeFigureOut">
               <a:rPr lang="zh-CN" altLang="en-US" smtClean="0"/>
-              <a:t>2024-03-23</a:t>
+              <a:t>2024-03-29</a:t>
             </a:fld>
             <a:endParaRPr lang="zh-CN" altLang="en-US"/>
           </a:p>
@@ -841,7 +1331,7 @@
           <a:p>
             <a:fld id="{D997B5FA-0921-464F-AAE1-844C04324D75}" type="datetimeFigureOut">
               <a:rPr lang="zh-CN" altLang="en-US" smtClean="0"/>
-              <a:t>2024-03-23</a:t>
+              <a:t>2024-03-29</a:t>
             </a:fld>
             <a:endParaRPr lang="zh-CN" altLang="en-US"/>
           </a:p>
@@ -1067,7 +1557,7 @@
           <a:p>
             <a:fld id="{D997B5FA-0921-464F-AAE1-844C04324D75}" type="datetimeFigureOut">
               <a:rPr lang="zh-CN" altLang="en-US" smtClean="0"/>
-              <a:t>2024-03-23</a:t>
+              <a:t>2024-03-29</a:t>
             </a:fld>
             <a:endParaRPr lang="zh-CN" altLang="en-US"/>
           </a:p>
@@ -1313,7 +1803,7 @@
           <a:p>
             <a:fld id="{D997B5FA-0921-464F-AAE1-844C04324D75}" type="datetimeFigureOut">
               <a:rPr lang="zh-CN" altLang="en-US" smtClean="0"/>
-              <a:t>2024-03-23</a:t>
+              <a:t>2024-03-29</a:t>
             </a:fld>
             <a:endParaRPr lang="zh-CN" altLang="en-US"/>
           </a:p>
@@ -1543,7 +2033,7 @@
           <a:p>
             <a:fld id="{D997B5FA-0921-464F-AAE1-844C04324D75}" type="datetimeFigureOut">
               <a:rPr lang="zh-CN" altLang="en-US" smtClean="0"/>
-              <a:t>2024-03-23</a:t>
+              <a:t>2024-03-29</a:t>
             </a:fld>
             <a:endParaRPr lang="zh-CN" altLang="en-US"/>
           </a:p>
@@ -1908,7 +2398,7 @@
           <a:p>
             <a:fld id="{D997B5FA-0921-464F-AAE1-844C04324D75}" type="datetimeFigureOut">
               <a:rPr lang="zh-CN" altLang="en-US" smtClean="0"/>
-              <a:t>2024-03-23</a:t>
+              <a:t>2024-03-29</a:t>
             </a:fld>
             <a:endParaRPr lang="zh-CN" altLang="en-US"/>
           </a:p>
@@ -2026,7 +2516,7 @@
           <a:p>
             <a:fld id="{D997B5FA-0921-464F-AAE1-844C04324D75}" type="datetimeFigureOut">
               <a:rPr lang="zh-CN" altLang="en-US" smtClean="0"/>
-              <a:t>2024-03-23</a:t>
+              <a:t>2024-03-29</a:t>
             </a:fld>
             <a:endParaRPr lang="zh-CN" altLang="en-US"/>
           </a:p>
@@ -2122,7 +2612,7 @@
           <a:p>
             <a:fld id="{D997B5FA-0921-464F-AAE1-844C04324D75}" type="datetimeFigureOut">
               <a:rPr lang="zh-CN" altLang="en-US" smtClean="0"/>
-              <a:t>2024-03-23</a:t>
+              <a:t>2024-03-29</a:t>
             </a:fld>
             <a:endParaRPr lang="zh-CN" altLang="en-US"/>
           </a:p>
@@ -2398,7 +2888,7 @@
           <a:p>
             <a:fld id="{D997B5FA-0921-464F-AAE1-844C04324D75}" type="datetimeFigureOut">
               <a:rPr lang="zh-CN" altLang="en-US" smtClean="0"/>
-              <a:t>2024-03-23</a:t>
+              <a:t>2024-03-29</a:t>
             </a:fld>
             <a:endParaRPr lang="zh-CN" altLang="en-US"/>
           </a:p>
@@ -2651,7 +3141,7 @@
           <a:p>
             <a:fld id="{D997B5FA-0921-464F-AAE1-844C04324D75}" type="datetimeFigureOut">
               <a:rPr lang="zh-CN" altLang="en-US" smtClean="0"/>
-              <a:t>2024-03-23</a:t>
+              <a:t>2024-03-29</a:t>
             </a:fld>
             <a:endParaRPr lang="zh-CN" altLang="en-US"/>
           </a:p>
@@ -2874,7 +3364,7 @@
           <a:p>
             <a:fld id="{D997B5FA-0921-464F-AAE1-844C04324D75}" type="datetimeFigureOut">
               <a:rPr lang="zh-CN" altLang="en-US" smtClean="0"/>
-              <a:t>2024-03-23</a:t>
+              <a:t>2024-03-29</a:t>
             </a:fld>
             <a:endParaRPr lang="zh-CN" altLang="en-US"/>
           </a:p>
@@ -6319,7 +6809,7 @@
               <a:rPr lang="zh-CN" altLang="en-US" smtClean="0"/>
               <a:t>16</a:t>
             </a:fld>
-            <a:endParaRPr lang="zh-CN" altLang="en-US"/>
+            <a:endParaRPr lang="zh-CN" altLang="en-US" dirty="0"/>
           </a:p>
         </p:txBody>
       </p:sp>
@@ -11980,36 +12470,6 @@
       </p:sp>
       <p:pic>
         <p:nvPicPr>
-          <p:cNvPr id="4" name="图片 3">
-            <a:extLst>
-              <a:ext uri="{FF2B5EF4-FFF2-40B4-BE49-F238E27FC236}">
-                <a16:creationId xmlns:a16="http://schemas.microsoft.com/office/drawing/2014/main" id="{94DD53A8-CF31-39B1-93A9-DCE1D613117E}"/>
-              </a:ext>
-            </a:extLst>
-          </p:cNvPr>
-          <p:cNvPicPr>
-            <a:picLocks noChangeAspect="1"/>
-          </p:cNvPicPr>
-          <p:nvPr/>
-        </p:nvPicPr>
-        <p:blipFill>
-          <a:blip r:embed="rId2"/>
-          <a:stretch>
-            <a:fillRect/>
-          </a:stretch>
-        </p:blipFill>
-        <p:spPr>
-          <a:xfrm>
-            <a:off x="5712790" y="1693021"/>
-            <a:ext cx="5391427" cy="3206915"/>
-          </a:xfrm>
-          <a:prstGeom prst="rect">
-            <a:avLst/>
-          </a:prstGeom>
-        </p:spPr>
-      </p:pic>
-      <p:pic>
-        <p:nvPicPr>
           <p:cNvPr id="6" name="图片 5">
             <a:extLst>
               <a:ext uri="{FF2B5EF4-FFF2-40B4-BE49-F238E27FC236}">
@@ -12252,7 +12712,7 @@
         </p:blipFill>
         <p:spPr>
           <a:xfrm>
-            <a:off x="928517" y="3269413"/>
+            <a:off x="6924261" y="2501902"/>
             <a:ext cx="4076307" cy="1630523"/>
           </a:xfrm>
           <a:prstGeom prst="rect">
@@ -12282,7 +12742,7 @@
         </p:blipFill>
         <p:spPr>
           <a:xfrm>
-            <a:off x="928517" y="1868052"/>
+            <a:off x="2032884" y="2588688"/>
             <a:ext cx="2991403" cy="1163790"/>
           </a:xfrm>
           <a:prstGeom prst="rect">
@@ -12290,6 +12750,520 @@
           </a:prstGeom>
         </p:spPr>
       </p:pic>
+      <p:sp>
+        <p:nvSpPr>
+          <p:cNvPr id="3" name="矩形 2">
+            <a:extLst>
+              <a:ext uri="{FF2B5EF4-FFF2-40B4-BE49-F238E27FC236}">
+                <a16:creationId xmlns:a16="http://schemas.microsoft.com/office/drawing/2014/main" id="{7498947C-95A9-E6FB-ECBA-CD2594EAC76B}"/>
+              </a:ext>
+            </a:extLst>
+          </p:cNvPr>
+          <p:cNvSpPr/>
+          <p:nvPr/>
+        </p:nvSpPr>
+        <p:spPr>
+          <a:xfrm>
+            <a:off x="1546369" y="1563757"/>
+            <a:ext cx="4076307" cy="3061252"/>
+          </a:xfrm>
+          <a:prstGeom prst="rect">
+            <a:avLst/>
+          </a:prstGeom>
+          <a:noFill/>
+          <a:ln>
+            <a:solidFill>
+              <a:srgbClr val="000000"/>
+            </a:solidFill>
+          </a:ln>
+        </p:spPr>
+        <p:style>
+          <a:lnRef idx="2">
+            <a:schemeClr val="accent1">
+              <a:shade val="15000"/>
+            </a:schemeClr>
+          </a:lnRef>
+          <a:fillRef idx="1">
+            <a:schemeClr val="accent1"/>
+          </a:fillRef>
+          <a:effectRef idx="0">
+            <a:schemeClr val="accent1"/>
+          </a:effectRef>
+          <a:fontRef idx="minor">
+            <a:schemeClr val="lt1"/>
+          </a:fontRef>
+        </p:style>
+        <p:txBody>
+          <a:bodyPr rtlCol="0" anchor="ctr"/>
+          <a:lstStyle/>
+          <a:p>
+            <a:pPr algn="ctr"/>
+            <a:endParaRPr lang="zh-CN" altLang="en-US"/>
+          </a:p>
+        </p:txBody>
+      </p:sp>
+      <p:pic>
+        <p:nvPicPr>
+          <p:cNvPr id="5" name="图片 4">
+            <a:extLst>
+              <a:ext uri="{FF2B5EF4-FFF2-40B4-BE49-F238E27FC236}">
+                <a16:creationId xmlns:a16="http://schemas.microsoft.com/office/drawing/2014/main" id="{9A4C10EF-EFAE-8076-BE4C-99647DDCEA75}"/>
+              </a:ext>
+            </a:extLst>
+          </p:cNvPr>
+          <p:cNvPicPr>
+            <a:picLocks noChangeAspect="1"/>
+          </p:cNvPicPr>
+          <p:nvPr/>
+        </p:nvPicPr>
+        <p:blipFill>
+          <a:blip r:embed="rId7"/>
+          <a:stretch>
+            <a:fillRect/>
+          </a:stretch>
+        </p:blipFill>
+        <p:spPr>
+          <a:xfrm>
+            <a:off x="6811200" y="1563757"/>
+            <a:ext cx="4255450" cy="3072650"/>
+          </a:xfrm>
+          <a:prstGeom prst="rect">
+            <a:avLst/>
+          </a:prstGeom>
+        </p:spPr>
+      </p:pic>
+      <mc:AlternateContent xmlns:mc="http://schemas.openxmlformats.org/markup-compatibility/2006">
+        <mc:Choice xmlns:p14="http://schemas.microsoft.com/office/powerpoint/2010/main" Requires="p14">
+          <p:contentPart p14:bwMode="auto" r:id="rId8">
+            <p14:nvContentPartPr>
+              <p14:cNvPr id="22" name="墨迹 21">
+                <a:extLst>
+                  <a:ext uri="{FF2B5EF4-FFF2-40B4-BE49-F238E27FC236}">
+                    <a16:creationId xmlns:a16="http://schemas.microsoft.com/office/drawing/2014/main" id="{0302E788-6626-0344-EC60-E393FAE79B41}"/>
+                  </a:ext>
+                </a:extLst>
+              </p14:cNvPr>
+              <p14:cNvContentPartPr/>
+              <p14:nvPr/>
+            </p14:nvContentPartPr>
+            <p14:xfrm>
+              <a:off x="1563730" y="2278878"/>
+              <a:ext cx="4027680" cy="34200"/>
+            </p14:xfrm>
+          </p:contentPart>
+        </mc:Choice>
+        <mc:Fallback>
+          <p:pic>
+            <p:nvPicPr>
+              <p:cNvPr id="22" name="墨迹 21">
+                <a:extLst>
+                  <a:ext uri="{FF2B5EF4-FFF2-40B4-BE49-F238E27FC236}">
+                    <a16:creationId xmlns:a16="http://schemas.microsoft.com/office/drawing/2014/main" id="{0302E788-6626-0344-EC60-E393FAE79B41}"/>
+                  </a:ext>
+                </a:extLst>
+              </p:cNvPr>
+              <p:cNvPicPr/>
+              <p:nvPr/>
+            </p:nvPicPr>
+            <p:blipFill>
+              <a:blip r:embed="rId9"/>
+              <a:stretch>
+                <a:fillRect/>
+              </a:stretch>
+            </p:blipFill>
+            <p:spPr>
+              <a:xfrm>
+                <a:off x="1554730" y="2270238"/>
+                <a:ext cx="4045320" cy="51840"/>
+              </a:xfrm>
+              <a:prstGeom prst="rect">
+                <a:avLst/>
+              </a:prstGeom>
+            </p:spPr>
+          </p:pic>
+        </mc:Fallback>
+      </mc:AlternateContent>
+      <mc:AlternateContent xmlns:mc="http://schemas.openxmlformats.org/markup-compatibility/2006">
+        <mc:Choice xmlns:p14="http://schemas.microsoft.com/office/powerpoint/2010/main" Requires="p14">
+          <p:contentPart p14:bwMode="auto" r:id="rId10">
+            <p14:nvContentPartPr>
+              <p14:cNvPr id="30" name="墨迹 29">
+                <a:extLst>
+                  <a:ext uri="{FF2B5EF4-FFF2-40B4-BE49-F238E27FC236}">
+                    <a16:creationId xmlns:a16="http://schemas.microsoft.com/office/drawing/2014/main" id="{333C0397-E351-2A34-A67C-FA80F00874EE}"/>
+                  </a:ext>
+                </a:extLst>
+              </p14:cNvPr>
+              <p14:cNvContentPartPr/>
+              <p14:nvPr/>
+            </p14:nvContentPartPr>
+            <p14:xfrm>
+              <a:off x="6864370" y="2231718"/>
+              <a:ext cx="4202280" cy="85320"/>
+            </p14:xfrm>
+          </p:contentPart>
+        </mc:Choice>
+        <mc:Fallback>
+          <p:pic>
+            <p:nvPicPr>
+              <p:cNvPr id="30" name="墨迹 29">
+                <a:extLst>
+                  <a:ext uri="{FF2B5EF4-FFF2-40B4-BE49-F238E27FC236}">
+                    <a16:creationId xmlns:a16="http://schemas.microsoft.com/office/drawing/2014/main" id="{333C0397-E351-2A34-A67C-FA80F00874EE}"/>
+                  </a:ext>
+                </a:extLst>
+              </p:cNvPr>
+              <p:cNvPicPr/>
+              <p:nvPr/>
+            </p:nvPicPr>
+            <p:blipFill>
+              <a:blip r:embed="rId11"/>
+              <a:stretch>
+                <a:fillRect/>
+              </a:stretch>
+            </p:blipFill>
+            <p:spPr>
+              <a:xfrm>
+                <a:off x="6855730" y="2222718"/>
+                <a:ext cx="4219920" cy="102960"/>
+              </a:xfrm>
+              <a:prstGeom prst="rect">
+                <a:avLst/>
+              </a:prstGeom>
+            </p:spPr>
+          </p:pic>
+        </mc:Fallback>
+      </mc:AlternateContent>
+      <p:sp>
+        <p:nvSpPr>
+          <p:cNvPr id="31" name="箭头: 下弧形 30">
+            <a:extLst>
+              <a:ext uri="{FF2B5EF4-FFF2-40B4-BE49-F238E27FC236}">
+                <a16:creationId xmlns:a16="http://schemas.microsoft.com/office/drawing/2014/main" id="{70F5C8C2-3451-6B0E-091E-F869BED7342B}"/>
+              </a:ext>
+            </a:extLst>
+          </p:cNvPr>
+          <p:cNvSpPr/>
+          <p:nvPr/>
+        </p:nvSpPr>
+        <p:spPr>
+          <a:xfrm flipH="1">
+            <a:off x="4651512" y="4772746"/>
+            <a:ext cx="3087757" cy="978408"/>
+          </a:xfrm>
+          <a:prstGeom prst="curvedUpArrow">
+            <a:avLst/>
+          </a:prstGeom>
+        </p:spPr>
+        <p:style>
+          <a:lnRef idx="2">
+            <a:schemeClr val="accent1">
+              <a:shade val="15000"/>
+            </a:schemeClr>
+          </a:lnRef>
+          <a:fillRef idx="1">
+            <a:schemeClr val="accent1"/>
+          </a:fillRef>
+          <a:effectRef idx="0">
+            <a:schemeClr val="accent1"/>
+          </a:effectRef>
+          <a:fontRef idx="minor">
+            <a:schemeClr val="lt1"/>
+          </a:fontRef>
+        </p:style>
+        <p:txBody>
+          <a:bodyPr rtlCol="0" anchor="ctr"/>
+          <a:lstStyle/>
+          <a:p>
+            <a:pPr algn="ctr"/>
+            <a:endParaRPr lang="zh-CN" altLang="en-US">
+              <a:solidFill>
+                <a:schemeClr val="tx1"/>
+              </a:solidFill>
+            </a:endParaRPr>
+          </a:p>
+        </p:txBody>
+      </p:sp>
+      <p:sp>
+        <p:nvSpPr>
+          <p:cNvPr id="32" name="箭头: 下弧形 31">
+            <a:extLst>
+              <a:ext uri="{FF2B5EF4-FFF2-40B4-BE49-F238E27FC236}">
+                <a16:creationId xmlns:a16="http://schemas.microsoft.com/office/drawing/2014/main" id="{23B623FF-4CD4-77E3-641C-6CBC9708C909}"/>
+              </a:ext>
+            </a:extLst>
+          </p:cNvPr>
+          <p:cNvSpPr/>
+          <p:nvPr/>
+        </p:nvSpPr>
+        <p:spPr>
+          <a:xfrm rot="10800000" flipH="1">
+            <a:off x="4717773" y="363337"/>
+            <a:ext cx="3087757" cy="995849"/>
+          </a:xfrm>
+          <a:prstGeom prst="curvedUpArrow">
+            <a:avLst/>
+          </a:prstGeom>
+        </p:spPr>
+        <p:style>
+          <a:lnRef idx="2">
+            <a:schemeClr val="accent1">
+              <a:shade val="15000"/>
+            </a:schemeClr>
+          </a:lnRef>
+          <a:fillRef idx="1">
+            <a:schemeClr val="accent1"/>
+          </a:fillRef>
+          <a:effectRef idx="0">
+            <a:schemeClr val="accent1"/>
+          </a:effectRef>
+          <a:fontRef idx="minor">
+            <a:schemeClr val="lt1"/>
+          </a:fontRef>
+        </p:style>
+        <p:txBody>
+          <a:bodyPr rtlCol="0" anchor="ctr"/>
+          <a:lstStyle/>
+          <a:p>
+            <a:pPr algn="ctr"/>
+            <a:endParaRPr lang="zh-CN" altLang="en-US">
+              <a:solidFill>
+                <a:schemeClr val="tx1"/>
+              </a:solidFill>
+            </a:endParaRPr>
+          </a:p>
+        </p:txBody>
+      </p:sp>
+      <p:sp>
+        <p:nvSpPr>
+          <p:cNvPr id="33" name="文本框 32">
+            <a:extLst>
+              <a:ext uri="{FF2B5EF4-FFF2-40B4-BE49-F238E27FC236}">
+                <a16:creationId xmlns:a16="http://schemas.microsoft.com/office/drawing/2014/main" id="{3F6EF990-32CB-24C9-71D3-3B8E13483C7D}"/>
+              </a:ext>
+            </a:extLst>
+          </p:cNvPr>
+          <p:cNvSpPr txBox="1"/>
+          <p:nvPr/>
+        </p:nvSpPr>
+        <p:spPr>
+          <a:xfrm>
+            <a:off x="2434229" y="1596919"/>
+            <a:ext cx="2257698" cy="646331"/>
+          </a:xfrm>
+          <a:prstGeom prst="rect">
+            <a:avLst/>
+          </a:prstGeom>
+          <a:noFill/>
+        </p:spPr>
+        <p:txBody>
+          <a:bodyPr wrap="square" rtlCol="0">
+            <a:spAutoFit/>
+          </a:bodyPr>
+          <a:lstStyle/>
+          <a:p>
+            <a:pPr algn="ctr"/>
+            <a:r>
+              <a:rPr lang="en-US" altLang="zh-CN" dirty="0"/>
+              <a:t>Time Update</a:t>
+            </a:r>
+          </a:p>
+          <a:p>
+            <a:pPr algn="ctr"/>
+            <a:r>
+              <a:rPr lang="en-US" altLang="zh-CN" dirty="0"/>
+              <a:t>(Predict)</a:t>
+            </a:r>
+            <a:endParaRPr lang="zh-CN" altLang="en-US" dirty="0"/>
+          </a:p>
+        </p:txBody>
+      </p:sp>
+      <p:sp>
+        <p:nvSpPr>
+          <p:cNvPr id="34" name="箭头: 下 33">
+            <a:extLst>
+              <a:ext uri="{FF2B5EF4-FFF2-40B4-BE49-F238E27FC236}">
+                <a16:creationId xmlns:a16="http://schemas.microsoft.com/office/drawing/2014/main" id="{F32F48D6-BD93-0B4C-6892-FD03B02E26C9}"/>
+              </a:ext>
+            </a:extLst>
+          </p:cNvPr>
+          <p:cNvSpPr/>
+          <p:nvPr/>
+        </p:nvSpPr>
+        <p:spPr>
+          <a:xfrm rot="10800000">
+            <a:off x="2932004" y="4829580"/>
+            <a:ext cx="484632" cy="978408"/>
+          </a:xfrm>
+          <a:prstGeom prst="downArrow">
+            <a:avLst/>
+          </a:prstGeom>
+        </p:spPr>
+        <p:style>
+          <a:lnRef idx="2">
+            <a:schemeClr val="accent1">
+              <a:shade val="15000"/>
+            </a:schemeClr>
+          </a:lnRef>
+          <a:fillRef idx="1">
+            <a:schemeClr val="accent1"/>
+          </a:fillRef>
+          <a:effectRef idx="0">
+            <a:schemeClr val="accent1"/>
+          </a:effectRef>
+          <a:fontRef idx="minor">
+            <a:schemeClr val="lt1"/>
+          </a:fontRef>
+        </p:style>
+        <p:txBody>
+          <a:bodyPr rtlCol="0" anchor="ctr"/>
+          <a:lstStyle/>
+          <a:p>
+            <a:pPr algn="ctr"/>
+            <a:endParaRPr lang="zh-CN" altLang="en-US"/>
+          </a:p>
+        </p:txBody>
+      </p:sp>
+      <p:sp>
+        <p:nvSpPr>
+          <p:cNvPr id="35" name="文本框 34">
+            <a:extLst>
+              <a:ext uri="{FF2B5EF4-FFF2-40B4-BE49-F238E27FC236}">
+                <a16:creationId xmlns:a16="http://schemas.microsoft.com/office/drawing/2014/main" id="{CD217FCC-D6A5-3261-BF09-6737B9963C9E}"/>
+              </a:ext>
+            </a:extLst>
+          </p:cNvPr>
+          <p:cNvSpPr txBox="1"/>
+          <p:nvPr/>
+        </p:nvSpPr>
+        <p:spPr>
+          <a:xfrm>
+            <a:off x="1842052" y="6016487"/>
+            <a:ext cx="2007705" cy="369332"/>
+          </a:xfrm>
+          <a:prstGeom prst="rect">
+            <a:avLst/>
+          </a:prstGeom>
+          <a:noFill/>
+        </p:spPr>
+        <p:txBody>
+          <a:bodyPr wrap="square" rtlCol="0">
+            <a:spAutoFit/>
+          </a:bodyPr>
+          <a:lstStyle/>
+          <a:p>
+            <a:r>
+              <a:rPr lang="en-US" altLang="zh-CN" dirty="0"/>
+              <a:t>Input               and          </a:t>
+            </a:r>
+            <a:endParaRPr lang="zh-CN" altLang="en-US" dirty="0"/>
+          </a:p>
+        </p:txBody>
+      </p:sp>
+      <p:pic>
+        <p:nvPicPr>
+          <p:cNvPr id="37" name="图片 36">
+            <a:extLst>
+              <a:ext uri="{FF2B5EF4-FFF2-40B4-BE49-F238E27FC236}">
+                <a16:creationId xmlns:a16="http://schemas.microsoft.com/office/drawing/2014/main" id="{9603324E-9EA4-4D70-30CF-F1A9D3AF22D4}"/>
+              </a:ext>
+            </a:extLst>
+          </p:cNvPr>
+          <p:cNvPicPr>
+            <a:picLocks noChangeAspect="1"/>
+          </p:cNvPicPr>
+          <p:nvPr/>
+        </p:nvPicPr>
+        <p:blipFill>
+          <a:blip r:embed="rId12"/>
+          <a:stretch>
+            <a:fillRect/>
+          </a:stretch>
+        </p:blipFill>
+        <p:spPr>
+          <a:xfrm>
+            <a:off x="3705460" y="6045956"/>
+            <a:ext cx="642480" cy="339863"/>
+          </a:xfrm>
+          <a:prstGeom prst="rect">
+            <a:avLst/>
+          </a:prstGeom>
+        </p:spPr>
+      </p:pic>
+      <p:pic>
+        <p:nvPicPr>
+          <p:cNvPr id="39" name="图片 38">
+            <a:extLst>
+              <a:ext uri="{FF2B5EF4-FFF2-40B4-BE49-F238E27FC236}">
+                <a16:creationId xmlns:a16="http://schemas.microsoft.com/office/drawing/2014/main" id="{76907663-81FC-F00D-8BE6-CF8212CD0D0B}"/>
+              </a:ext>
+            </a:extLst>
+          </p:cNvPr>
+          <p:cNvPicPr>
+            <a:picLocks noChangeAspect="1"/>
+          </p:cNvPicPr>
+          <p:nvPr/>
+        </p:nvPicPr>
+        <p:blipFill>
+          <a:blip r:embed="rId13"/>
+          <a:stretch>
+            <a:fillRect/>
+          </a:stretch>
+        </p:blipFill>
+        <p:spPr>
+          <a:xfrm>
+            <a:off x="2517487" y="6044214"/>
+            <a:ext cx="656833" cy="343345"/>
+          </a:xfrm>
+          <a:prstGeom prst="rect">
+            <a:avLst/>
+          </a:prstGeom>
+        </p:spPr>
+      </p:pic>
+      <p:sp>
+        <p:nvSpPr>
+          <p:cNvPr id="40" name="文本框 39">
+            <a:extLst>
+              <a:ext uri="{FF2B5EF4-FFF2-40B4-BE49-F238E27FC236}">
+                <a16:creationId xmlns:a16="http://schemas.microsoft.com/office/drawing/2014/main" id="{4BBFBD5E-22FC-0C88-FAC1-74348F156B88}"/>
+              </a:ext>
+            </a:extLst>
+          </p:cNvPr>
+          <p:cNvSpPr txBox="1"/>
+          <p:nvPr/>
+        </p:nvSpPr>
+        <p:spPr>
+          <a:xfrm>
+            <a:off x="7857727" y="1585387"/>
+            <a:ext cx="2533733" cy="646331"/>
+          </a:xfrm>
+          <a:prstGeom prst="rect">
+            <a:avLst/>
+          </a:prstGeom>
+          <a:noFill/>
+        </p:spPr>
+        <p:txBody>
+          <a:bodyPr wrap="square" rtlCol="0">
+            <a:spAutoFit/>
+          </a:bodyPr>
+          <a:lstStyle/>
+          <a:p>
+            <a:pPr algn="ctr"/>
+            <a:r>
+              <a:rPr lang="en-US" altLang="zh-CN" dirty="0"/>
+              <a:t>Measurement Update</a:t>
+            </a:r>
+          </a:p>
+          <a:p>
+            <a:pPr algn="ctr"/>
+            <a:r>
+              <a:rPr lang="en-US" altLang="zh-CN" dirty="0"/>
+              <a:t>(Correct)</a:t>
+            </a:r>
+            <a:endParaRPr lang="zh-CN" altLang="en-US" dirty="0"/>
+          </a:p>
+        </p:txBody>
+      </p:sp>
     </p:spTree>
     <p:extLst>
       <p:ext uri="{BB962C8B-B14F-4D97-AF65-F5344CB8AC3E}">
@@ -15262,6 +16236,40 @@
           </a:prstGeom>
         </p:spPr>
       </p:pic>
+      <p:sp>
+        <p:nvSpPr>
+          <p:cNvPr id="2" name="灯片编号占位符 1">
+            <a:extLst>
+              <a:ext uri="{FF2B5EF4-FFF2-40B4-BE49-F238E27FC236}">
+                <a16:creationId xmlns:a16="http://schemas.microsoft.com/office/drawing/2014/main" id="{F1AC9F72-FD9C-1DE2-B7A3-41C6E4996E9A}"/>
+              </a:ext>
+            </a:extLst>
+          </p:cNvPr>
+          <p:cNvSpPr>
+            <a:spLocks noGrp="1"/>
+          </p:cNvSpPr>
+          <p:nvPr>
+            <p:ph type="sldNum" sz="quarter" idx="12"/>
+          </p:nvPr>
+        </p:nvSpPr>
+        <p:spPr>
+          <a:xfrm>
+            <a:off x="8610600" y="6356350"/>
+            <a:ext cx="2743200" cy="365125"/>
+          </a:xfrm>
+        </p:spPr>
+        <p:txBody>
+          <a:bodyPr/>
+          <a:lstStyle/>
+          <a:p>
+            <a:fld id="{565CE74E-AB26-4998-AD42-012C4C1AD076}" type="slidenum">
+              <a:rPr lang="zh-CN" altLang="en-US" smtClean="0"/>
+              <a:t>3</a:t>
+            </a:fld>
+            <a:endParaRPr lang="zh-CN" altLang="en-US" dirty="0"/>
+          </a:p>
+        </p:txBody>
+      </p:sp>
     </p:spTree>
     <p:extLst>
       <p:ext uri="{BB962C8B-B14F-4D97-AF65-F5344CB8AC3E}">
@@ -15454,7 +16462,7 @@
         </p:nvSpPr>
         <p:spPr>
           <a:xfrm>
-            <a:off x="1082654" y="717658"/>
+            <a:off x="943375" y="4629594"/>
             <a:ext cx="6096000" cy="1229632"/>
           </a:xfrm>
           <a:prstGeom prst="rect">
@@ -15538,6 +16546,184 @@
               <a:uFillTx/>
               <a:latin typeface="Times New Roman" panose="02020603050405020304" pitchFamily="18" charset="0"/>
               <a:ea typeface="微软雅黑" panose="020B0503020204020204" pitchFamily="34" charset="-122"/>
+              <a:cs typeface="Times New Roman" panose="02020603050405020304" pitchFamily="18" charset="0"/>
+            </a:endParaRPr>
+          </a:p>
+        </p:txBody>
+      </p:sp>
+      <p:pic>
+        <p:nvPicPr>
+          <p:cNvPr id="3" name="图片 2">
+            <a:extLst>
+              <a:ext uri="{FF2B5EF4-FFF2-40B4-BE49-F238E27FC236}">
+                <a16:creationId xmlns:a16="http://schemas.microsoft.com/office/drawing/2014/main" id="{D4B29E20-8C65-51AD-0C3F-B6EF03168E74}"/>
+              </a:ext>
+            </a:extLst>
+          </p:cNvPr>
+          <p:cNvPicPr>
+            <a:picLocks noChangeAspect="1"/>
+          </p:cNvPicPr>
+          <p:nvPr/>
+        </p:nvPicPr>
+        <p:blipFill>
+          <a:blip r:embed="rId3"/>
+          <a:stretch>
+            <a:fillRect/>
+          </a:stretch>
+        </p:blipFill>
+        <p:spPr>
+          <a:xfrm>
+            <a:off x="1315474" y="1263865"/>
+            <a:ext cx="461791" cy="341096"/>
+          </a:xfrm>
+          <a:prstGeom prst="rect">
+            <a:avLst/>
+          </a:prstGeom>
+        </p:spPr>
+      </p:pic>
+      <p:pic>
+        <p:nvPicPr>
+          <p:cNvPr id="6" name="图片 5">
+            <a:extLst>
+              <a:ext uri="{FF2B5EF4-FFF2-40B4-BE49-F238E27FC236}">
+                <a16:creationId xmlns:a16="http://schemas.microsoft.com/office/drawing/2014/main" id="{F7D9EE6C-108C-9E7A-028B-E8AF19725F36}"/>
+              </a:ext>
+            </a:extLst>
+          </p:cNvPr>
+          <p:cNvPicPr>
+            <a:picLocks noChangeAspect="1"/>
+          </p:cNvPicPr>
+          <p:nvPr/>
+        </p:nvPicPr>
+        <p:blipFill>
+          <a:blip r:embed="rId4"/>
+          <a:stretch>
+            <a:fillRect/>
+          </a:stretch>
+        </p:blipFill>
+        <p:spPr>
+          <a:xfrm>
+            <a:off x="2179787" y="1263865"/>
+            <a:ext cx="524124" cy="341096"/>
+          </a:xfrm>
+          <a:prstGeom prst="rect">
+            <a:avLst/>
+          </a:prstGeom>
+        </p:spPr>
+      </p:pic>
+      <p:pic>
+        <p:nvPicPr>
+          <p:cNvPr id="8" name="图片 7">
+            <a:extLst>
+              <a:ext uri="{FF2B5EF4-FFF2-40B4-BE49-F238E27FC236}">
+                <a16:creationId xmlns:a16="http://schemas.microsoft.com/office/drawing/2014/main" id="{766325A1-0C59-CF97-2592-B9FC4E485085}"/>
+              </a:ext>
+            </a:extLst>
+          </p:cNvPr>
+          <p:cNvPicPr>
+            <a:picLocks noChangeAspect="1"/>
+          </p:cNvPicPr>
+          <p:nvPr/>
+        </p:nvPicPr>
+        <p:blipFill>
+          <a:blip r:embed="rId5"/>
+          <a:stretch>
+            <a:fillRect/>
+          </a:stretch>
+        </p:blipFill>
+        <p:spPr>
+          <a:xfrm>
+            <a:off x="1315474" y="2662962"/>
+            <a:ext cx="5430473" cy="460323"/>
+          </a:xfrm>
+          <a:prstGeom prst="rect">
+            <a:avLst/>
+          </a:prstGeom>
+        </p:spPr>
+      </p:pic>
+      <p:sp>
+        <p:nvSpPr>
+          <p:cNvPr id="9" name="文本框 8">
+            <a:extLst>
+              <a:ext uri="{FF2B5EF4-FFF2-40B4-BE49-F238E27FC236}">
+                <a16:creationId xmlns:a16="http://schemas.microsoft.com/office/drawing/2014/main" id="{9C028844-4CEC-6CCC-6E74-7E9328ABCA9A}"/>
+              </a:ext>
+            </a:extLst>
+          </p:cNvPr>
+          <p:cNvSpPr txBox="1"/>
+          <p:nvPr/>
+        </p:nvSpPr>
+        <p:spPr>
+          <a:xfrm>
+            <a:off x="2987769" y="1281795"/>
+            <a:ext cx="5380606" cy="646331"/>
+          </a:xfrm>
+          <a:prstGeom prst="rect">
+            <a:avLst/>
+          </a:prstGeom>
+          <a:noFill/>
+        </p:spPr>
+        <p:txBody>
+          <a:bodyPr wrap="square" rtlCol="0">
+            <a:spAutoFit/>
+          </a:bodyPr>
+          <a:lstStyle/>
+          <a:p>
+            <a:r>
+              <a:rPr lang="en-US" altLang="zh-CN" dirty="0">
+                <a:latin typeface="Times New Roman" panose="02020603050405020304" pitchFamily="18" charset="0"/>
+                <a:cs typeface="Times New Roman" panose="02020603050405020304" pitchFamily="18" charset="0"/>
+              </a:rPr>
+              <a:t>is Jacobian Matrices. </a:t>
+            </a:r>
+          </a:p>
+          <a:p>
+            <a:r>
+              <a:rPr lang="en-US" altLang="zh-CN" dirty="0"/>
+              <a:t> </a:t>
+            </a:r>
+            <a:endParaRPr lang="zh-CN" altLang="en-US" dirty="0"/>
+          </a:p>
+        </p:txBody>
+      </p:sp>
+      <p:sp>
+        <p:nvSpPr>
+          <p:cNvPr id="11" name="文本框 10">
+            <a:extLst>
+              <a:ext uri="{FF2B5EF4-FFF2-40B4-BE49-F238E27FC236}">
+                <a16:creationId xmlns:a16="http://schemas.microsoft.com/office/drawing/2014/main" id="{B5CBE76A-1EF5-DD70-72A4-B1CC637D9706}"/>
+              </a:ext>
+            </a:extLst>
+          </p:cNvPr>
+          <p:cNvSpPr txBox="1"/>
+          <p:nvPr/>
+        </p:nvSpPr>
+        <p:spPr>
+          <a:xfrm>
+            <a:off x="744549" y="2110878"/>
+            <a:ext cx="6094990" cy="369332"/>
+          </a:xfrm>
+          <a:prstGeom prst="rect">
+            <a:avLst/>
+          </a:prstGeom>
+          <a:noFill/>
+        </p:spPr>
+        <p:txBody>
+          <a:bodyPr wrap="square">
+            <a:spAutoFit/>
+          </a:bodyPr>
+          <a:lstStyle/>
+          <a:p>
+            <a:pPr lvl="1"/>
+            <a:r>
+              <a:rPr lang="en-US" altLang="zh-CN" dirty="0">
+                <a:latin typeface="Times New Roman" panose="02020603050405020304" pitchFamily="18" charset="0"/>
+                <a:cs typeface="Times New Roman" panose="02020603050405020304" pitchFamily="18" charset="0"/>
+              </a:rPr>
+              <a:t>So the Kalman gain will change a little:</a:t>
+            </a:r>
+            <a:endParaRPr lang="zh-CN" altLang="en-US" dirty="0">
+              <a:latin typeface="Times New Roman" panose="02020603050405020304" pitchFamily="18" charset="0"/>
               <a:cs typeface="Times New Roman" panose="02020603050405020304" pitchFamily="18" charset="0"/>
             </a:endParaRPr>
           </a:p>
@@ -16111,7 +17297,7 @@
               <a:rPr lang="zh-CN" altLang="en-US" smtClean="0"/>
               <a:t>4</a:t>
             </a:fld>
-            <a:endParaRPr lang="zh-CN" altLang="en-US"/>
+            <a:endParaRPr lang="zh-CN" altLang="en-US" dirty="0"/>
           </a:p>
         </p:txBody>
       </p:sp>
@@ -19972,4 +21158,299 @@
     </a:ext>
   </a:extLst>
 </a:theme>
+</file>
+
+<file path=ppt/theme/theme3.xml><?xml version="1.0" encoding="utf-8"?>
+<a:theme xmlns:a="http://schemas.openxmlformats.org/drawingml/2006/main" name="Office 主题​​">
+  <a:themeElements>
+    <a:clrScheme name="Office">
+      <a:dk1>
+        <a:sysClr val="windowText" lastClr="000000"/>
+      </a:dk1>
+      <a:lt1>
+        <a:sysClr val="window" lastClr="FFFFFF"/>
+      </a:lt1>
+      <a:dk2>
+        <a:srgbClr val="44546A"/>
+      </a:dk2>
+      <a:lt2>
+        <a:srgbClr val="E7E6E6"/>
+      </a:lt2>
+      <a:accent1>
+        <a:srgbClr val="4472C4"/>
+      </a:accent1>
+      <a:accent2>
+        <a:srgbClr val="ED7D31"/>
+      </a:accent2>
+      <a:accent3>
+        <a:srgbClr val="A5A5A5"/>
+      </a:accent3>
+      <a:accent4>
+        <a:srgbClr val="FFC000"/>
+      </a:accent4>
+      <a:accent5>
+        <a:srgbClr val="5B9BD5"/>
+      </a:accent5>
+      <a:accent6>
+        <a:srgbClr val="70AD47"/>
+      </a:accent6>
+      <a:hlink>
+        <a:srgbClr val="0563C1"/>
+      </a:hlink>
+      <a:folHlink>
+        <a:srgbClr val="954F72"/>
+      </a:folHlink>
+    </a:clrScheme>
+    <a:fontScheme name="Office">
+      <a:majorFont>
+        <a:latin typeface="等线 Light" panose="020F0302020204030204"/>
+        <a:ea typeface=""/>
+        <a:cs typeface=""/>
+        <a:font script="Jpan" typeface="游ゴシック Light"/>
+        <a:font script="Hang" typeface="맑은 고딕"/>
+        <a:font script="Hans" typeface="等线 Light"/>
+        <a:font script="Hant" typeface="新細明體"/>
+        <a:font script="Arab" typeface="Times New Roman"/>
+        <a:font script="Hebr" typeface="Times New Roman"/>
+        <a:font script="Thai" typeface="Angsana New"/>
+        <a:font script="Ethi" typeface="Nyala"/>
+        <a:font script="Beng" typeface="Vrinda"/>
+        <a:font script="Gujr" typeface="Shruti"/>
+        <a:font script="Khmr" typeface="MoolBoran"/>
+        <a:font script="Knda" typeface="Tunga"/>
+        <a:font script="Guru" typeface="Raavi"/>
+        <a:font script="Cans" typeface="Euphemia"/>
+        <a:font script="Cher" typeface="Plantagenet Cherokee"/>
+        <a:font script="Yiii" typeface="Microsoft Yi Baiti"/>
+        <a:font script="Tibt" typeface="Microsoft Himalaya"/>
+        <a:font script="Thaa" typeface="MV Boli"/>
+        <a:font script="Deva" typeface="Mangal"/>
+        <a:font script="Telu" typeface="Gautami"/>
+        <a:font script="Taml" typeface="Latha"/>
+        <a:font script="Syrc" typeface="Estrangelo Edessa"/>
+        <a:font script="Orya" typeface="Kalinga"/>
+        <a:font script="Mlym" typeface="Kartika"/>
+        <a:font script="Laoo" typeface="DokChampa"/>
+        <a:font script="Sinh" typeface="Iskoola Pota"/>
+        <a:font script="Mong" typeface="Mongolian Baiti"/>
+        <a:font script="Viet" typeface="Times New Roman"/>
+        <a:font script="Uigh" typeface="Microsoft Uighur"/>
+        <a:font script="Geor" typeface="Sylfaen"/>
+        <a:font script="Armn" typeface="Arial"/>
+        <a:font script="Bugi" typeface="Leelawadee UI"/>
+        <a:font script="Bopo" typeface="Microsoft JhengHei"/>
+        <a:font script="Java" typeface="Javanese Text"/>
+        <a:font script="Lisu" typeface="Segoe UI"/>
+        <a:font script="Mymr" typeface="Myanmar Text"/>
+        <a:font script="Nkoo" typeface="Ebrima"/>
+        <a:font script="Olck" typeface="Nirmala UI"/>
+        <a:font script="Osma" typeface="Ebrima"/>
+        <a:font script="Phag" typeface="Phagspa"/>
+        <a:font script="Syrn" typeface="Estrangelo Edessa"/>
+        <a:font script="Syrj" typeface="Estrangelo Edessa"/>
+        <a:font script="Syre" typeface="Estrangelo Edessa"/>
+        <a:font script="Sora" typeface="Nirmala UI"/>
+        <a:font script="Tale" typeface="Microsoft Tai Le"/>
+        <a:font script="Talu" typeface="Microsoft New Tai Lue"/>
+        <a:font script="Tfng" typeface="Ebrima"/>
+      </a:majorFont>
+      <a:minorFont>
+        <a:latin typeface="等线" panose="020F0502020204030204"/>
+        <a:ea typeface=""/>
+        <a:cs typeface=""/>
+        <a:font script="Jpan" typeface="游ゴシック"/>
+        <a:font script="Hang" typeface="맑은 고딕"/>
+        <a:font script="Hans" typeface="等线"/>
+        <a:font script="Hant" typeface="新細明體"/>
+        <a:font script="Arab" typeface="Arial"/>
+        <a:font script="Hebr" typeface="Arial"/>
+        <a:font script="Thai" typeface="Cordia New"/>
+        <a:font script="Ethi" typeface="Nyala"/>
+        <a:font script="Beng" typeface="Vrinda"/>
+        <a:font script="Gujr" typeface="Shruti"/>
+        <a:font script="Khmr" typeface="DaunPenh"/>
+        <a:font script="Knda" typeface="Tunga"/>
+        <a:font script="Guru" typeface="Raavi"/>
+        <a:font script="Cans" typeface="Euphemia"/>
+        <a:font script="Cher" typeface="Plantagenet Cherokee"/>
+        <a:font script="Yiii" typeface="Microsoft Yi Baiti"/>
+        <a:font script="Tibt" typeface="Microsoft Himalaya"/>
+        <a:font script="Thaa" typeface="MV Boli"/>
+        <a:font script="Deva" typeface="Mangal"/>
+        <a:font script="Telu" typeface="Gautami"/>
+        <a:font script="Taml" typeface="Latha"/>
+        <a:font script="Syrc" typeface="Estrangelo Edessa"/>
+        <a:font script="Orya" typeface="Kalinga"/>
+        <a:font script="Mlym" typeface="Kartika"/>
+        <a:font script="Laoo" typeface="DokChampa"/>
+        <a:font script="Sinh" typeface="Iskoola Pota"/>
+        <a:font script="Mong" typeface="Mongolian Baiti"/>
+        <a:font script="Viet" typeface="Arial"/>
+        <a:font script="Uigh" typeface="Microsoft Uighur"/>
+        <a:font script="Geor" typeface="Sylfaen"/>
+        <a:font script="Armn" typeface="Arial"/>
+        <a:font script="Bugi" typeface="Leelawadee UI"/>
+        <a:font script="Bopo" typeface="Microsoft JhengHei"/>
+        <a:font script="Java" typeface="Javanese Text"/>
+        <a:font script="Lisu" typeface="Segoe UI"/>
+        <a:font script="Mymr" typeface="Myanmar Text"/>
+        <a:font script="Nkoo" typeface="Ebrima"/>
+        <a:font script="Olck" typeface="Nirmala UI"/>
+        <a:font script="Osma" typeface="Ebrima"/>
+        <a:font script="Phag" typeface="Phagspa"/>
+        <a:font script="Syrn" typeface="Estrangelo Edessa"/>
+        <a:font script="Syrj" typeface="Estrangelo Edessa"/>
+        <a:font script="Syre" typeface="Estrangelo Edessa"/>
+        <a:font script="Sora" typeface="Nirmala UI"/>
+        <a:font script="Tale" typeface="Microsoft Tai Le"/>
+        <a:font script="Talu" typeface="Microsoft New Tai Lue"/>
+        <a:font script="Tfng" typeface="Ebrima"/>
+      </a:minorFont>
+    </a:fontScheme>
+    <a:fmtScheme name="Office">
+      <a:fillStyleLst>
+        <a:solidFill>
+          <a:schemeClr val="phClr"/>
+        </a:solidFill>
+        <a:gradFill rotWithShape="1">
+          <a:gsLst>
+            <a:gs pos="0">
+              <a:schemeClr val="phClr">
+                <a:lumMod val="110000"/>
+                <a:satMod val="105000"/>
+                <a:tint val="67000"/>
+              </a:schemeClr>
+            </a:gs>
+            <a:gs pos="50000">
+              <a:schemeClr val="phClr">
+                <a:lumMod val="105000"/>
+                <a:satMod val="103000"/>
+                <a:tint val="73000"/>
+              </a:schemeClr>
+            </a:gs>
+            <a:gs pos="100000">
+              <a:schemeClr val="phClr">
+                <a:lumMod val="105000"/>
+                <a:satMod val="109000"/>
+                <a:tint val="81000"/>
+              </a:schemeClr>
+            </a:gs>
+          </a:gsLst>
+          <a:lin ang="5400000" scaled="0"/>
+        </a:gradFill>
+        <a:gradFill rotWithShape="1">
+          <a:gsLst>
+            <a:gs pos="0">
+              <a:schemeClr val="phClr">
+                <a:satMod val="103000"/>
+                <a:lumMod val="102000"/>
+                <a:tint val="94000"/>
+              </a:schemeClr>
+            </a:gs>
+            <a:gs pos="50000">
+              <a:schemeClr val="phClr">
+                <a:satMod val="110000"/>
+                <a:lumMod val="100000"/>
+                <a:shade val="100000"/>
+              </a:schemeClr>
+            </a:gs>
+            <a:gs pos="100000">
+              <a:schemeClr val="phClr">
+                <a:lumMod val="99000"/>
+                <a:satMod val="120000"/>
+                <a:shade val="78000"/>
+              </a:schemeClr>
+            </a:gs>
+          </a:gsLst>
+          <a:lin ang="5400000" scaled="0"/>
+        </a:gradFill>
+      </a:fillStyleLst>
+      <a:lnStyleLst>
+        <a:ln w="6350" cap="flat" cmpd="sng" algn="ctr">
+          <a:solidFill>
+            <a:schemeClr val="phClr"/>
+          </a:solidFill>
+          <a:prstDash val="solid"/>
+          <a:miter lim="800000"/>
+        </a:ln>
+        <a:ln w="12700" cap="flat" cmpd="sng" algn="ctr">
+          <a:solidFill>
+            <a:schemeClr val="phClr"/>
+          </a:solidFill>
+          <a:prstDash val="solid"/>
+          <a:miter lim="800000"/>
+        </a:ln>
+        <a:ln w="19050" cap="flat" cmpd="sng" algn="ctr">
+          <a:solidFill>
+            <a:schemeClr val="phClr"/>
+          </a:solidFill>
+          <a:prstDash val="solid"/>
+          <a:miter lim="800000"/>
+        </a:ln>
+      </a:lnStyleLst>
+      <a:effectStyleLst>
+        <a:effectStyle>
+          <a:effectLst/>
+        </a:effectStyle>
+        <a:effectStyle>
+          <a:effectLst/>
+        </a:effectStyle>
+        <a:effectStyle>
+          <a:effectLst>
+            <a:outerShdw blurRad="57150" dist="19050" dir="5400000" algn="ctr" rotWithShape="0">
+              <a:srgbClr val="000000">
+                <a:alpha val="63000"/>
+              </a:srgbClr>
+            </a:outerShdw>
+          </a:effectLst>
+        </a:effectStyle>
+      </a:effectStyleLst>
+      <a:bgFillStyleLst>
+        <a:solidFill>
+          <a:schemeClr val="phClr"/>
+        </a:solidFill>
+        <a:solidFill>
+          <a:schemeClr val="phClr">
+            <a:tint val="95000"/>
+            <a:satMod val="170000"/>
+          </a:schemeClr>
+        </a:solidFill>
+        <a:gradFill rotWithShape="1">
+          <a:gsLst>
+            <a:gs pos="0">
+              <a:schemeClr val="phClr">
+                <a:tint val="93000"/>
+                <a:satMod val="150000"/>
+                <a:shade val="98000"/>
+                <a:lumMod val="102000"/>
+              </a:schemeClr>
+            </a:gs>
+            <a:gs pos="50000">
+              <a:schemeClr val="phClr">
+                <a:tint val="98000"/>
+                <a:satMod val="130000"/>
+                <a:shade val="90000"/>
+                <a:lumMod val="103000"/>
+              </a:schemeClr>
+            </a:gs>
+            <a:gs pos="100000">
+              <a:schemeClr val="phClr">
+                <a:shade val="63000"/>
+                <a:satMod val="120000"/>
+              </a:schemeClr>
+            </a:gs>
+          </a:gsLst>
+          <a:lin ang="5400000" scaled="0"/>
+        </a:gradFill>
+      </a:bgFillStyleLst>
+    </a:fmtScheme>
+  </a:themeElements>
+  <a:objectDefaults/>
+  <a:extraClrSchemeLst/>
+  <a:extLst>
+    <a:ext uri="{05A4C25C-085E-4340-85A3-A5531E510DB2}">
+      <thm15:themeFamily xmlns:thm15="http://schemas.microsoft.com/office/thememl/2012/main" name="Office Theme" id="{62F939B6-93AF-4DB8-9C6B-D6C7DFDC589F}" vid="{4A3C46E8-61CC-4603-A589-7422A47A8E4A}"/>
+    </a:ext>
+  </a:extLst>
+</a:theme>
 </file>
--- a/Kalman Filter/Kalman Filters_Slide.pptx
+++ b/Kalman Filter/Kalman Filters_Slide.pptx
@@ -5,10 +5,10 @@
     <p:sldMasterId id="2147483660" r:id="rId1"/>
   </p:sldMasterIdLst>
   <p:notesMasterIdLst>
-    <p:notesMasterId r:id="rId33"/>
+    <p:notesMasterId r:id="rId39"/>
   </p:notesMasterIdLst>
   <p:handoutMasterIdLst>
-    <p:handoutMasterId r:id="rId34"/>
+    <p:handoutMasterId r:id="rId40"/>
   </p:handoutMasterIdLst>
   <p:sldIdLst>
     <p:sldId id="502" r:id="rId2"/>
@@ -41,7 +41,13 @@
     <p:sldId id="522" r:id="rId29"/>
     <p:sldId id="523" r:id="rId30"/>
     <p:sldId id="524" r:id="rId31"/>
-    <p:sldId id="528" r:id="rId32"/>
+    <p:sldId id="531" r:id="rId32"/>
+    <p:sldId id="532" r:id="rId33"/>
+    <p:sldId id="529" r:id="rId34"/>
+    <p:sldId id="533" r:id="rId35"/>
+    <p:sldId id="530" r:id="rId36"/>
+    <p:sldId id="534" r:id="rId37"/>
+    <p:sldId id="528" r:id="rId38"/>
   </p:sldIdLst>
   <p:sldSz cx="12192000" cy="6858000"/>
   <p:notesSz cx="6858000" cy="9144000"/>
@@ -143,7 +149,7 @@
   <p:extLst>
     <p:ext uri="{EFAFB233-063F-42B5-8137-9DF3F51BA10A}">
       <p15:sldGuideLst xmlns:p15="http://schemas.microsoft.com/office/powerpoint/2012/main">
-        <p15:guide id="1" orient="horz" pos="2160" userDrawn="1">
+        <p15:guide id="1" orient="horz" pos="3543" userDrawn="1">
           <p15:clr>
             <a:srgbClr val="A4A3A4"/>
           </p15:clr>
@@ -256,7 +262,7 @@
           <a:p>
             <a:fld id="{9231DB76-5993-4784-9EAB-D9A89B457C93}" type="datetimeFigureOut">
               <a:rPr lang="zh-CN" altLang="en-US" smtClean="0"/>
-              <a:t>2024-03-29</a:t>
+              <a:t>2024-04-01</a:t>
             </a:fld>
             <a:endParaRPr lang="zh-CN" altLang="en-US"/>
           </a:p>
@@ -503,7 +509,7 @@
           <a:p>
             <a:fld id="{F45E9ACB-C599-466B-BA40-E77CAABA49E4}" type="datetimeFigureOut">
               <a:rPr lang="zh-CN" altLang="en-US" smtClean="0"/>
-              <a:t>2024-03-30</a:t>
+              <a:t>2024-04-01</a:t>
             </a:fld>
             <a:endParaRPr lang="zh-CN" altLang="en-US"/>
           </a:p>
@@ -983,7 +989,7 @@
           <a:p>
             <a:fld id="{D997B5FA-0921-464F-AAE1-844C04324D75}" type="datetimeFigureOut">
               <a:rPr lang="zh-CN" altLang="en-US" smtClean="0"/>
-              <a:t>2024-03-29</a:t>
+              <a:t>2024-04-01</a:t>
             </a:fld>
             <a:endParaRPr lang="zh-CN" altLang="en-US"/>
           </a:p>
@@ -1152,7 +1158,7 @@
           <a:p>
             <a:fld id="{D997B5FA-0921-464F-AAE1-844C04324D75}" type="datetimeFigureOut">
               <a:rPr lang="zh-CN" altLang="en-US" smtClean="0"/>
-              <a:t>2024-03-29</a:t>
+              <a:t>2024-04-01</a:t>
             </a:fld>
             <a:endParaRPr lang="zh-CN" altLang="en-US"/>
           </a:p>
@@ -1331,7 +1337,7 @@
           <a:p>
             <a:fld id="{D997B5FA-0921-464F-AAE1-844C04324D75}" type="datetimeFigureOut">
               <a:rPr lang="zh-CN" altLang="en-US" smtClean="0"/>
-              <a:t>2024-03-29</a:t>
+              <a:t>2024-04-01</a:t>
             </a:fld>
             <a:endParaRPr lang="zh-CN" altLang="en-US"/>
           </a:p>
@@ -1557,7 +1563,7 @@
           <a:p>
             <a:fld id="{D997B5FA-0921-464F-AAE1-844C04324D75}" type="datetimeFigureOut">
               <a:rPr lang="zh-CN" altLang="en-US" smtClean="0"/>
-              <a:t>2024-03-29</a:t>
+              <a:t>2024-04-01</a:t>
             </a:fld>
             <a:endParaRPr lang="zh-CN" altLang="en-US"/>
           </a:p>
@@ -1803,7 +1809,7 @@
           <a:p>
             <a:fld id="{D997B5FA-0921-464F-AAE1-844C04324D75}" type="datetimeFigureOut">
               <a:rPr lang="zh-CN" altLang="en-US" smtClean="0"/>
-              <a:t>2024-03-29</a:t>
+              <a:t>2024-04-01</a:t>
             </a:fld>
             <a:endParaRPr lang="zh-CN" altLang="en-US"/>
           </a:p>
@@ -2033,7 +2039,7 @@
           <a:p>
             <a:fld id="{D997B5FA-0921-464F-AAE1-844C04324D75}" type="datetimeFigureOut">
               <a:rPr lang="zh-CN" altLang="en-US" smtClean="0"/>
-              <a:t>2024-03-29</a:t>
+              <a:t>2024-04-01</a:t>
             </a:fld>
             <a:endParaRPr lang="zh-CN" altLang="en-US"/>
           </a:p>
@@ -2398,7 +2404,7 @@
           <a:p>
             <a:fld id="{D997B5FA-0921-464F-AAE1-844C04324D75}" type="datetimeFigureOut">
               <a:rPr lang="zh-CN" altLang="en-US" smtClean="0"/>
-              <a:t>2024-03-29</a:t>
+              <a:t>2024-04-01</a:t>
             </a:fld>
             <a:endParaRPr lang="zh-CN" altLang="en-US"/>
           </a:p>
@@ -2516,7 +2522,7 @@
           <a:p>
             <a:fld id="{D997B5FA-0921-464F-AAE1-844C04324D75}" type="datetimeFigureOut">
               <a:rPr lang="zh-CN" altLang="en-US" smtClean="0"/>
-              <a:t>2024-03-29</a:t>
+              <a:t>2024-04-01</a:t>
             </a:fld>
             <a:endParaRPr lang="zh-CN" altLang="en-US"/>
           </a:p>
@@ -2612,7 +2618,7 @@
           <a:p>
             <a:fld id="{D997B5FA-0921-464F-AAE1-844C04324D75}" type="datetimeFigureOut">
               <a:rPr lang="zh-CN" altLang="en-US" smtClean="0"/>
-              <a:t>2024-03-29</a:t>
+              <a:t>2024-04-01</a:t>
             </a:fld>
             <a:endParaRPr lang="zh-CN" altLang="en-US"/>
           </a:p>
@@ -2888,7 +2894,7 @@
           <a:p>
             <a:fld id="{D997B5FA-0921-464F-AAE1-844C04324D75}" type="datetimeFigureOut">
               <a:rPr lang="zh-CN" altLang="en-US" smtClean="0"/>
-              <a:t>2024-03-29</a:t>
+              <a:t>2024-04-01</a:t>
             </a:fld>
             <a:endParaRPr lang="zh-CN" altLang="en-US"/>
           </a:p>
@@ -3141,7 +3147,7 @@
           <a:p>
             <a:fld id="{D997B5FA-0921-464F-AAE1-844C04324D75}" type="datetimeFigureOut">
               <a:rPr lang="zh-CN" altLang="en-US" smtClean="0"/>
-              <a:t>2024-03-29</a:t>
+              <a:t>2024-04-01</a:t>
             </a:fld>
             <a:endParaRPr lang="zh-CN" altLang="en-US"/>
           </a:p>
@@ -3364,7 +3370,7 @@
           <a:p>
             <a:fld id="{D997B5FA-0921-464F-AAE1-844C04324D75}" type="datetimeFigureOut">
               <a:rPr lang="zh-CN" altLang="en-US" smtClean="0"/>
-              <a:t>2024-03-29</a:t>
+              <a:t>2024-04-01</a:t>
             </a:fld>
             <a:endParaRPr lang="zh-CN" altLang="en-US"/>
           </a:p>
@@ -12832,8 +12838,8 @@
           </a:prstGeom>
         </p:spPr>
       </p:pic>
-      <mc:AlternateContent xmlns:mc="http://schemas.openxmlformats.org/markup-compatibility/2006">
-        <mc:Choice xmlns:p14="http://schemas.microsoft.com/office/powerpoint/2010/main" Requires="p14">
+      <mc:AlternateContent xmlns:mc="http://schemas.openxmlformats.org/markup-compatibility/2006" xmlns:p14="http://schemas.microsoft.com/office/powerpoint/2010/main">
+        <mc:Choice Requires="p14">
           <p:contentPart p14:bwMode="auto" r:id="rId8">
             <p14:nvContentPartPr>
               <p14:cNvPr id="22" name="墨迹 21">
@@ -12852,7 +12858,7 @@
             </p14:xfrm>
           </p:contentPart>
         </mc:Choice>
-        <mc:Fallback>
+        <mc:Fallback xmlns="">
           <p:pic>
             <p:nvPicPr>
               <p:cNvPr id="22" name="墨迹 21">
@@ -12883,8 +12889,8 @@
           </p:pic>
         </mc:Fallback>
       </mc:AlternateContent>
-      <mc:AlternateContent xmlns:mc="http://schemas.openxmlformats.org/markup-compatibility/2006">
-        <mc:Choice xmlns:p14="http://schemas.microsoft.com/office/powerpoint/2010/main" Requires="p14">
+      <mc:AlternateContent xmlns:mc="http://schemas.openxmlformats.org/markup-compatibility/2006" xmlns:p14="http://schemas.microsoft.com/office/powerpoint/2010/main">
+        <mc:Choice Requires="p14">
           <p:contentPart p14:bwMode="auto" r:id="rId10">
             <p14:nvContentPartPr>
               <p14:cNvPr id="30" name="墨迹 29">
@@ -12903,7 +12909,7 @@
             </p14:xfrm>
           </p:contentPart>
         </mc:Choice>
-        <mc:Fallback>
+        <mc:Fallback xmlns="">
           <p:pic>
             <p:nvPicPr>
               <p:cNvPr id="30" name="墨迹 29">
@@ -16764,7 +16770,7 @@
           <p:cNvPr id="2" name="灯片编号占位符 1">
             <a:extLst>
               <a:ext uri="{FF2B5EF4-FFF2-40B4-BE49-F238E27FC236}">
-                <a16:creationId xmlns:a16="http://schemas.microsoft.com/office/drawing/2014/main" id="{DA2BF8FB-6B2C-560B-C4A0-144BF053CB9D}"/>
+                <a16:creationId xmlns:a16="http://schemas.microsoft.com/office/drawing/2014/main" id="{4945A284-91E4-11AF-F7A8-ED4A6907BE10}"/>
               </a:ext>
             </a:extLst>
           </p:cNvPr>
@@ -16783,6 +16789,2955 @@
             <a:fld id="{565CE74E-AB26-4998-AD42-012C4C1AD076}" type="slidenum">
               <a:rPr lang="zh-CN" altLang="en-US" smtClean="0"/>
               <a:t>31</a:t>
+            </a:fld>
+            <a:endParaRPr lang="zh-CN" altLang="en-US"/>
+          </a:p>
+        </p:txBody>
+      </p:sp>
+      <p:sp>
+        <p:nvSpPr>
+          <p:cNvPr id="3" name="矩形 2">
+            <a:extLst>
+              <a:ext uri="{FF2B5EF4-FFF2-40B4-BE49-F238E27FC236}">
+                <a16:creationId xmlns:a16="http://schemas.microsoft.com/office/drawing/2014/main" id="{880020DD-B6E5-A998-7839-FF822E78D3AA}"/>
+              </a:ext>
+            </a:extLst>
+          </p:cNvPr>
+          <p:cNvSpPr/>
+          <p:nvPr/>
+        </p:nvSpPr>
+        <p:spPr>
+          <a:xfrm>
+            <a:off x="1" y="-2"/>
+            <a:ext cx="220551" cy="6858002"/>
+          </a:xfrm>
+          <a:prstGeom prst="rect">
+            <a:avLst/>
+          </a:prstGeom>
+          <a:gradFill>
+            <a:gsLst>
+              <a:gs pos="100000">
+                <a:srgbClr val="1C2F43"/>
+              </a:gs>
+              <a:gs pos="0">
+                <a:srgbClr val="46706E"/>
+              </a:gs>
+            </a:gsLst>
+            <a:lin ang="5400000" scaled="1"/>
+          </a:gradFill>
+          <a:ln>
+            <a:noFill/>
+          </a:ln>
+        </p:spPr>
+        <p:style>
+          <a:lnRef idx="2">
+            <a:schemeClr val="accent1">
+              <a:shade val="50000"/>
+            </a:schemeClr>
+          </a:lnRef>
+          <a:fillRef idx="1">
+            <a:schemeClr val="accent1"/>
+          </a:fillRef>
+          <a:effectRef idx="0">
+            <a:schemeClr val="accent1"/>
+          </a:effectRef>
+          <a:fontRef idx="minor">
+            <a:schemeClr val="lt1"/>
+          </a:fontRef>
+        </p:style>
+        <p:txBody>
+          <a:bodyPr rtlCol="0" anchor="ctr"/>
+          <a:lstStyle/>
+          <a:p>
+            <a:pPr marL="0" marR="0" lvl="0" indent="0" algn="ctr" defTabSz="914400" rtl="0" eaLnBrk="1" fontAlgn="auto" latinLnBrk="0" hangingPunct="1">
+              <a:lnSpc>
+                <a:spcPct val="100000"/>
+              </a:lnSpc>
+              <a:spcBef>
+                <a:spcPts val="0"/>
+              </a:spcBef>
+              <a:spcAft>
+                <a:spcPts val="0"/>
+              </a:spcAft>
+              <a:buClrTx/>
+              <a:buSzTx/>
+              <a:buFontTx/>
+              <a:buNone/>
+              <a:tabLst/>
+              <a:defRPr/>
+            </a:pPr>
+            <a:endParaRPr kumimoji="0" lang="zh-CN" altLang="en-US" sz="1800" b="0" i="0" u="none" strike="noStrike" kern="1200" cap="none" spc="0" normalizeH="0" baseline="0" noProof="0">
+              <a:ln>
+                <a:noFill/>
+              </a:ln>
+              <a:solidFill>
+                <a:prstClr val="white"/>
+              </a:solidFill>
+              <a:effectLst/>
+              <a:uLnTx/>
+              <a:uFillTx/>
+              <a:latin typeface="Calibri"/>
+              <a:ea typeface="微软雅黑" panose="020B0503020204020204" pitchFamily="34" charset="-122"/>
+              <a:cs typeface="+mn-cs"/>
+            </a:endParaRPr>
+          </a:p>
+        </p:txBody>
+      </p:sp>
+      <p:pic>
+        <p:nvPicPr>
+          <p:cNvPr id="4" name="图片 3">
+            <a:extLst>
+              <a:ext uri="{FF2B5EF4-FFF2-40B4-BE49-F238E27FC236}">
+                <a16:creationId xmlns:a16="http://schemas.microsoft.com/office/drawing/2014/main" id="{D68BD983-7CE4-09FC-96A5-2722A8D55230}"/>
+              </a:ext>
+            </a:extLst>
+          </p:cNvPr>
+          <p:cNvPicPr>
+            <a:picLocks noChangeAspect="1"/>
+          </p:cNvPicPr>
+          <p:nvPr/>
+        </p:nvPicPr>
+        <p:blipFill>
+          <a:blip r:embed="rId2"/>
+          <a:stretch>
+            <a:fillRect/>
+          </a:stretch>
+        </p:blipFill>
+        <p:spPr>
+          <a:xfrm>
+            <a:off x="11265327" y="-2"/>
+            <a:ext cx="926672" cy="926672"/>
+          </a:xfrm>
+          <a:prstGeom prst="rect">
+            <a:avLst/>
+          </a:prstGeom>
+        </p:spPr>
+      </p:pic>
+      <p:pic>
+        <p:nvPicPr>
+          <p:cNvPr id="7" name="图片 6">
+            <a:extLst>
+              <a:ext uri="{FF2B5EF4-FFF2-40B4-BE49-F238E27FC236}">
+                <a16:creationId xmlns:a16="http://schemas.microsoft.com/office/drawing/2014/main" id="{602F1398-4C16-1D78-AEAB-D56D4F0629E2}"/>
+              </a:ext>
+            </a:extLst>
+          </p:cNvPr>
+          <p:cNvPicPr>
+            <a:picLocks noChangeAspect="1"/>
+          </p:cNvPicPr>
+          <p:nvPr/>
+        </p:nvPicPr>
+        <p:blipFill>
+          <a:blip r:embed="rId3"/>
+          <a:stretch>
+            <a:fillRect/>
+          </a:stretch>
+        </p:blipFill>
+        <p:spPr>
+          <a:xfrm>
+            <a:off x="485347" y="243859"/>
+            <a:ext cx="219475" cy="219475"/>
+          </a:xfrm>
+          <a:prstGeom prst="rect">
+            <a:avLst/>
+          </a:prstGeom>
+        </p:spPr>
+      </p:pic>
+      <p:sp>
+        <p:nvSpPr>
+          <p:cNvPr id="9" name="文本框 8">
+            <a:extLst>
+              <a:ext uri="{FF2B5EF4-FFF2-40B4-BE49-F238E27FC236}">
+                <a16:creationId xmlns:a16="http://schemas.microsoft.com/office/drawing/2014/main" id="{BC7D9FE3-A1B4-9980-2933-560ED9485326}"/>
+              </a:ext>
+            </a:extLst>
+          </p:cNvPr>
+          <p:cNvSpPr txBox="1"/>
+          <p:nvPr/>
+        </p:nvSpPr>
+        <p:spPr>
+          <a:xfrm>
+            <a:off x="868017" y="153541"/>
+            <a:ext cx="6096000" cy="400110"/>
+          </a:xfrm>
+          <a:prstGeom prst="rect">
+            <a:avLst/>
+          </a:prstGeom>
+          <a:noFill/>
+        </p:spPr>
+        <p:txBody>
+          <a:bodyPr wrap="square">
+            <a:spAutoFit/>
+          </a:bodyPr>
+          <a:lstStyle/>
+          <a:p>
+            <a:pPr marL="0" marR="0" lvl="0" indent="0" algn="l" defTabSz="914400" rtl="0" eaLnBrk="1" fontAlgn="auto" latinLnBrk="0" hangingPunct="1">
+              <a:lnSpc>
+                <a:spcPct val="100000"/>
+              </a:lnSpc>
+              <a:spcBef>
+                <a:spcPts val="0"/>
+              </a:spcBef>
+              <a:spcAft>
+                <a:spcPts val="0"/>
+              </a:spcAft>
+              <a:buClrTx/>
+              <a:buSzTx/>
+              <a:buFontTx/>
+              <a:buNone/>
+              <a:tabLst/>
+              <a:defRPr/>
+            </a:pPr>
+            <a:r>
+              <a:rPr kumimoji="0" lang="en-US" altLang="zh-CN" sz="2000" b="1" i="0" u="none" strike="noStrike" kern="1200" cap="none" spc="0" normalizeH="0" baseline="0" noProof="0" dirty="0">
+                <a:ln>
+                  <a:noFill/>
+                </a:ln>
+                <a:solidFill>
+                  <a:prstClr val="black"/>
+                </a:solidFill>
+                <a:effectLst/>
+                <a:uLnTx/>
+                <a:uFillTx/>
+                <a:latin typeface="Times New Roman" panose="02020603050405020304" pitchFamily="18" charset="0"/>
+                <a:ea typeface="微软雅黑" panose="020B0503020204020204" pitchFamily="34" charset="-122"/>
+                <a:cs typeface="Times New Roman" panose="02020603050405020304" pitchFamily="18" charset="0"/>
+              </a:rPr>
+              <a:t>Background of Project 1</a:t>
+            </a:r>
+            <a:endParaRPr kumimoji="0" lang="zh-CN" altLang="en-US" sz="2000" b="1" i="0" u="none" strike="noStrike" kern="1200" cap="none" spc="0" normalizeH="0" baseline="0" noProof="0" dirty="0">
+              <a:ln>
+                <a:noFill/>
+              </a:ln>
+              <a:solidFill>
+                <a:prstClr val="black"/>
+              </a:solidFill>
+              <a:effectLst/>
+              <a:uLnTx/>
+              <a:uFillTx/>
+              <a:latin typeface="Times New Roman" panose="02020603050405020304" pitchFamily="18" charset="0"/>
+              <a:ea typeface="微软雅黑" panose="020B0503020204020204" pitchFamily="34" charset="-122"/>
+              <a:cs typeface="Times New Roman" panose="02020603050405020304" pitchFamily="18" charset="0"/>
+            </a:endParaRPr>
+          </a:p>
+        </p:txBody>
+      </p:sp>
+      <p:pic>
+        <p:nvPicPr>
+          <p:cNvPr id="11" name="图片 10">
+            <a:extLst>
+              <a:ext uri="{FF2B5EF4-FFF2-40B4-BE49-F238E27FC236}">
+                <a16:creationId xmlns:a16="http://schemas.microsoft.com/office/drawing/2014/main" id="{F626C264-2182-4631-907A-51141118C955}"/>
+              </a:ext>
+            </a:extLst>
+          </p:cNvPr>
+          <p:cNvPicPr>
+            <a:picLocks noChangeAspect="1"/>
+          </p:cNvPicPr>
+          <p:nvPr/>
+        </p:nvPicPr>
+        <p:blipFill>
+          <a:blip r:embed="rId4"/>
+          <a:stretch>
+            <a:fillRect/>
+          </a:stretch>
+        </p:blipFill>
+        <p:spPr>
+          <a:xfrm>
+            <a:off x="4989233" y="3216279"/>
+            <a:ext cx="1878185" cy="1278309"/>
+          </a:xfrm>
+          <a:prstGeom prst="rect">
+            <a:avLst/>
+          </a:prstGeom>
+        </p:spPr>
+      </p:pic>
+      <p:pic>
+        <p:nvPicPr>
+          <p:cNvPr id="12" name="图片 11">
+            <a:extLst>
+              <a:ext uri="{FF2B5EF4-FFF2-40B4-BE49-F238E27FC236}">
+                <a16:creationId xmlns:a16="http://schemas.microsoft.com/office/drawing/2014/main" id="{8DC8CA41-FE55-A70B-CBB7-31B39195554C}"/>
+              </a:ext>
+            </a:extLst>
+          </p:cNvPr>
+          <p:cNvPicPr>
+            <a:picLocks noChangeAspect="1"/>
+          </p:cNvPicPr>
+          <p:nvPr/>
+        </p:nvPicPr>
+        <p:blipFill>
+          <a:blip r:embed="rId5"/>
+          <a:stretch>
+            <a:fillRect/>
+          </a:stretch>
+        </p:blipFill>
+        <p:spPr>
+          <a:xfrm>
+            <a:off x="780207" y="4164734"/>
+            <a:ext cx="652669" cy="979004"/>
+          </a:xfrm>
+          <a:prstGeom prst="rect">
+            <a:avLst/>
+          </a:prstGeom>
+        </p:spPr>
+      </p:pic>
+      <p:sp>
+        <p:nvSpPr>
+          <p:cNvPr id="14" name="文本框 13">
+            <a:extLst>
+              <a:ext uri="{FF2B5EF4-FFF2-40B4-BE49-F238E27FC236}">
+                <a16:creationId xmlns:a16="http://schemas.microsoft.com/office/drawing/2014/main" id="{A84DDD6F-F85E-D4A8-9CA8-919D1A9CEC9F}"/>
+              </a:ext>
+            </a:extLst>
+          </p:cNvPr>
+          <p:cNvSpPr txBox="1"/>
+          <p:nvPr/>
+        </p:nvSpPr>
+        <p:spPr>
+          <a:xfrm>
+            <a:off x="432338" y="3669549"/>
+            <a:ext cx="2880705" cy="369332"/>
+          </a:xfrm>
+          <a:prstGeom prst="rect">
+            <a:avLst/>
+          </a:prstGeom>
+          <a:noFill/>
+        </p:spPr>
+        <p:txBody>
+          <a:bodyPr wrap="square">
+            <a:spAutoFit/>
+          </a:bodyPr>
+          <a:lstStyle/>
+          <a:p>
+            <a:pPr marL="285750" indent="-285750">
+              <a:buFont typeface="Wingdings" panose="05000000000000000000" pitchFamily="2" charset="2"/>
+              <a:buChar char="Ø"/>
+            </a:pPr>
+            <a:r>
+              <a:rPr lang="en-US" altLang="zh-CN" dirty="0">
+                <a:latin typeface="Times New Roman" panose="02020603050405020304" pitchFamily="18" charset="0"/>
+                <a:cs typeface="Times New Roman" panose="02020603050405020304" pitchFamily="18" charset="0"/>
+              </a:rPr>
+              <a:t>Velocity Vector:</a:t>
+            </a:r>
+            <a:endParaRPr lang="zh-CN" altLang="en-US" dirty="0">
+              <a:latin typeface="Times New Roman" panose="02020603050405020304" pitchFamily="18" charset="0"/>
+              <a:cs typeface="Times New Roman" panose="02020603050405020304" pitchFamily="18" charset="0"/>
+            </a:endParaRPr>
+          </a:p>
+        </p:txBody>
+      </p:sp>
+      <p:pic>
+        <p:nvPicPr>
+          <p:cNvPr id="19" name="图片 18">
+            <a:extLst>
+              <a:ext uri="{FF2B5EF4-FFF2-40B4-BE49-F238E27FC236}">
+                <a16:creationId xmlns:a16="http://schemas.microsoft.com/office/drawing/2014/main" id="{302FC360-E37B-2FB7-E268-30A6F45AF409}"/>
+              </a:ext>
+            </a:extLst>
+          </p:cNvPr>
+          <p:cNvPicPr>
+            <a:picLocks noChangeAspect="1"/>
+          </p:cNvPicPr>
+          <p:nvPr/>
+        </p:nvPicPr>
+        <p:blipFill>
+          <a:blip r:embed="rId6"/>
+          <a:stretch>
+            <a:fillRect/>
+          </a:stretch>
+        </p:blipFill>
+        <p:spPr>
+          <a:xfrm>
+            <a:off x="4989233" y="5032135"/>
+            <a:ext cx="5393846" cy="1191974"/>
+          </a:xfrm>
+          <a:prstGeom prst="rect">
+            <a:avLst/>
+          </a:prstGeom>
+        </p:spPr>
+      </p:pic>
+      <p:sp>
+        <p:nvSpPr>
+          <p:cNvPr id="21" name="文本框 20">
+            <a:extLst>
+              <a:ext uri="{FF2B5EF4-FFF2-40B4-BE49-F238E27FC236}">
+                <a16:creationId xmlns:a16="http://schemas.microsoft.com/office/drawing/2014/main" id="{4F5BB13E-9C39-8676-4821-D4C2221ABBEA}"/>
+              </a:ext>
+            </a:extLst>
+          </p:cNvPr>
+          <p:cNvSpPr txBox="1"/>
+          <p:nvPr/>
+        </p:nvSpPr>
+        <p:spPr>
+          <a:xfrm>
+            <a:off x="432338" y="2570150"/>
+            <a:ext cx="6096000" cy="369332"/>
+          </a:xfrm>
+          <a:prstGeom prst="rect">
+            <a:avLst/>
+          </a:prstGeom>
+          <a:noFill/>
+        </p:spPr>
+        <p:txBody>
+          <a:bodyPr wrap="square">
+            <a:spAutoFit/>
+          </a:bodyPr>
+          <a:lstStyle/>
+          <a:p>
+            <a:pPr marL="285750" indent="-285750">
+              <a:buFont typeface="Wingdings" panose="05000000000000000000" pitchFamily="2" charset="2"/>
+              <a:buChar char="Ø"/>
+            </a:pPr>
+            <a:r>
+              <a:rPr lang="en-US" altLang="zh-CN" dirty="0">
+                <a:latin typeface="Times New Roman" panose="02020603050405020304" pitchFamily="18" charset="0"/>
+                <a:cs typeface="Times New Roman" panose="02020603050405020304" pitchFamily="18" charset="0"/>
+              </a:rPr>
+              <a:t>Time between status updates:</a:t>
+            </a:r>
+            <a:endParaRPr lang="zh-CN" altLang="en-US" dirty="0">
+              <a:latin typeface="Times New Roman" panose="02020603050405020304" pitchFamily="18" charset="0"/>
+              <a:cs typeface="Times New Roman" panose="02020603050405020304" pitchFamily="18" charset="0"/>
+            </a:endParaRPr>
+          </a:p>
+        </p:txBody>
+      </p:sp>
+      <p:pic>
+        <p:nvPicPr>
+          <p:cNvPr id="22" name="图片 21">
+            <a:extLst>
+              <a:ext uri="{FF2B5EF4-FFF2-40B4-BE49-F238E27FC236}">
+                <a16:creationId xmlns:a16="http://schemas.microsoft.com/office/drawing/2014/main" id="{5E126FAC-E7D7-221D-965F-DF77B2A2AC04}"/>
+              </a:ext>
+            </a:extLst>
+          </p:cNvPr>
+          <p:cNvPicPr>
+            <a:picLocks noChangeAspect="1"/>
+          </p:cNvPicPr>
+          <p:nvPr/>
+        </p:nvPicPr>
+        <p:blipFill>
+          <a:blip r:embed="rId7"/>
+          <a:stretch>
+            <a:fillRect/>
+          </a:stretch>
+        </p:blipFill>
+        <p:spPr>
+          <a:xfrm>
+            <a:off x="829236" y="3137988"/>
+            <a:ext cx="277306" cy="277306"/>
+          </a:xfrm>
+          <a:prstGeom prst="rect">
+            <a:avLst/>
+          </a:prstGeom>
+        </p:spPr>
+      </p:pic>
+      <p:sp>
+        <p:nvSpPr>
+          <p:cNvPr id="23" name="文本框 22">
+            <a:extLst>
+              <a:ext uri="{FF2B5EF4-FFF2-40B4-BE49-F238E27FC236}">
+                <a16:creationId xmlns:a16="http://schemas.microsoft.com/office/drawing/2014/main" id="{E9FE64CF-93A4-7D6B-378A-E4F8B47D0CF5}"/>
+              </a:ext>
+            </a:extLst>
+          </p:cNvPr>
+          <p:cNvSpPr txBox="1"/>
+          <p:nvPr/>
+        </p:nvSpPr>
+        <p:spPr>
+          <a:xfrm>
+            <a:off x="4491224" y="2539969"/>
+            <a:ext cx="2186608" cy="369332"/>
+          </a:xfrm>
+          <a:prstGeom prst="rect">
+            <a:avLst/>
+          </a:prstGeom>
+          <a:noFill/>
+        </p:spPr>
+        <p:txBody>
+          <a:bodyPr wrap="square">
+            <a:spAutoFit/>
+          </a:bodyPr>
+          <a:lstStyle/>
+          <a:p>
+            <a:pPr marL="285750" indent="-285750">
+              <a:buFont typeface="Wingdings" panose="05000000000000000000" pitchFamily="2" charset="2"/>
+              <a:buChar char="Ø"/>
+            </a:pPr>
+            <a:r>
+              <a:rPr lang="en-US" altLang="zh-CN" dirty="0">
+                <a:latin typeface="Times New Roman" panose="02020603050405020304" pitchFamily="18" charset="0"/>
+                <a:cs typeface="Times New Roman" panose="02020603050405020304" pitchFamily="18" charset="0"/>
+              </a:rPr>
+              <a:t>Rotation Matrix:</a:t>
+            </a:r>
+            <a:endParaRPr lang="zh-CN" altLang="en-US" dirty="0">
+              <a:latin typeface="Times New Roman" panose="02020603050405020304" pitchFamily="18" charset="0"/>
+              <a:cs typeface="Times New Roman" panose="02020603050405020304" pitchFamily="18" charset="0"/>
+            </a:endParaRPr>
+          </a:p>
+        </p:txBody>
+      </p:sp>
+      <p:pic>
+        <p:nvPicPr>
+          <p:cNvPr id="24" name="图片 23">
+            <a:extLst>
+              <a:ext uri="{FF2B5EF4-FFF2-40B4-BE49-F238E27FC236}">
+                <a16:creationId xmlns:a16="http://schemas.microsoft.com/office/drawing/2014/main" id="{84377951-77FA-E517-1041-2487FD6E9948}"/>
+              </a:ext>
+            </a:extLst>
+          </p:cNvPr>
+          <p:cNvPicPr>
+            <a:picLocks noChangeAspect="1"/>
+          </p:cNvPicPr>
+          <p:nvPr/>
+        </p:nvPicPr>
+        <p:blipFill>
+          <a:blip r:embed="rId8"/>
+          <a:stretch>
+            <a:fillRect/>
+          </a:stretch>
+        </p:blipFill>
+        <p:spPr>
+          <a:xfrm>
+            <a:off x="826849" y="5865081"/>
+            <a:ext cx="437338" cy="222505"/>
+          </a:xfrm>
+          <a:prstGeom prst="rect">
+            <a:avLst/>
+          </a:prstGeom>
+        </p:spPr>
+      </p:pic>
+      <p:sp>
+        <p:nvSpPr>
+          <p:cNvPr id="26" name="文本框 25">
+            <a:extLst>
+              <a:ext uri="{FF2B5EF4-FFF2-40B4-BE49-F238E27FC236}">
+                <a16:creationId xmlns:a16="http://schemas.microsoft.com/office/drawing/2014/main" id="{5C45D3DC-FB67-818A-194F-CD538B939668}"/>
+              </a:ext>
+            </a:extLst>
+          </p:cNvPr>
+          <p:cNvSpPr txBox="1"/>
+          <p:nvPr/>
+        </p:nvSpPr>
+        <p:spPr>
+          <a:xfrm>
+            <a:off x="485347" y="5369896"/>
+            <a:ext cx="1815547" cy="369332"/>
+          </a:xfrm>
+          <a:prstGeom prst="rect">
+            <a:avLst/>
+          </a:prstGeom>
+          <a:noFill/>
+        </p:spPr>
+        <p:txBody>
+          <a:bodyPr wrap="square">
+            <a:spAutoFit/>
+          </a:bodyPr>
+          <a:lstStyle/>
+          <a:p>
+            <a:pPr marL="285750" indent="-285750">
+              <a:buFont typeface="Wingdings" panose="05000000000000000000" pitchFamily="2" charset="2"/>
+              <a:buChar char="Ø"/>
+            </a:pPr>
+            <a:r>
+              <a:rPr lang="en-US" altLang="zh-CN" dirty="0">
+                <a:latin typeface="Times New Roman" panose="02020603050405020304" pitchFamily="18" charset="0"/>
+                <a:cs typeface="Times New Roman" panose="02020603050405020304" pitchFamily="18" charset="0"/>
+              </a:rPr>
+              <a:t>Noise:</a:t>
+            </a:r>
+            <a:endParaRPr lang="zh-CN" altLang="en-US" dirty="0">
+              <a:latin typeface="Times New Roman" panose="02020603050405020304" pitchFamily="18" charset="0"/>
+              <a:cs typeface="Times New Roman" panose="02020603050405020304" pitchFamily="18" charset="0"/>
+            </a:endParaRPr>
+          </a:p>
+        </p:txBody>
+      </p:sp>
+      <p:pic>
+        <p:nvPicPr>
+          <p:cNvPr id="27" name="图片 26">
+            <a:extLst>
+              <a:ext uri="{FF2B5EF4-FFF2-40B4-BE49-F238E27FC236}">
+                <a16:creationId xmlns:a16="http://schemas.microsoft.com/office/drawing/2014/main" id="{51880D54-5D13-60C7-FCF5-993C56885E7B}"/>
+              </a:ext>
+            </a:extLst>
+          </p:cNvPr>
+          <p:cNvPicPr>
+            <a:picLocks noChangeAspect="1"/>
+          </p:cNvPicPr>
+          <p:nvPr/>
+        </p:nvPicPr>
+        <p:blipFill>
+          <a:blip r:embed="rId9"/>
+          <a:stretch>
+            <a:fillRect/>
+          </a:stretch>
+        </p:blipFill>
+        <p:spPr>
+          <a:xfrm>
+            <a:off x="967889" y="906485"/>
+            <a:ext cx="8919601" cy="1278309"/>
+          </a:xfrm>
+          <a:prstGeom prst="rect">
+            <a:avLst/>
+          </a:prstGeom>
+        </p:spPr>
+      </p:pic>
+    </p:spTree>
+    <p:extLst>
+      <p:ext uri="{BB962C8B-B14F-4D97-AF65-F5344CB8AC3E}">
+        <p14:creationId xmlns:p14="http://schemas.microsoft.com/office/powerpoint/2010/main" val="4041867193"/>
+      </p:ext>
+    </p:extLst>
+  </p:cSld>
+  <p:clrMapOvr>
+    <a:masterClrMapping/>
+  </p:clrMapOvr>
+</p:sld>
+</file>
+
+<file path=ppt/slides/slide32.xml><?xml version="1.0" encoding="utf-8"?>
+<p:sld xmlns:a="http://schemas.openxmlformats.org/drawingml/2006/main" xmlns:r="http://schemas.openxmlformats.org/officeDocument/2006/relationships" xmlns:p="http://schemas.openxmlformats.org/presentationml/2006/main">
+  <p:cSld>
+    <p:spTree>
+      <p:nvGrpSpPr>
+        <p:cNvPr id="1" name=""/>
+        <p:cNvGrpSpPr/>
+        <p:nvPr/>
+      </p:nvGrpSpPr>
+      <p:grpSpPr>
+        <a:xfrm>
+          <a:off x="0" y="0"/>
+          <a:ext cx="0" cy="0"/>
+          <a:chOff x="0" y="0"/>
+          <a:chExt cx="0" cy="0"/>
+        </a:xfrm>
+      </p:grpSpPr>
+      <p:sp>
+        <p:nvSpPr>
+          <p:cNvPr id="2" name="灯片编号占位符 1">
+            <a:extLst>
+              <a:ext uri="{FF2B5EF4-FFF2-40B4-BE49-F238E27FC236}">
+                <a16:creationId xmlns:a16="http://schemas.microsoft.com/office/drawing/2014/main" id="{4945A284-91E4-11AF-F7A8-ED4A6907BE10}"/>
+              </a:ext>
+            </a:extLst>
+          </p:cNvPr>
+          <p:cNvSpPr>
+            <a:spLocks noGrp="1"/>
+          </p:cNvSpPr>
+          <p:nvPr>
+            <p:ph type="sldNum" sz="quarter" idx="12"/>
+          </p:nvPr>
+        </p:nvSpPr>
+        <p:spPr/>
+        <p:txBody>
+          <a:bodyPr/>
+          <a:lstStyle/>
+          <a:p>
+            <a:fld id="{565CE74E-AB26-4998-AD42-012C4C1AD076}" type="slidenum">
+              <a:rPr lang="zh-CN" altLang="en-US" smtClean="0"/>
+              <a:t>32</a:t>
+            </a:fld>
+            <a:endParaRPr lang="zh-CN" altLang="en-US"/>
+          </a:p>
+        </p:txBody>
+      </p:sp>
+      <p:sp>
+        <p:nvSpPr>
+          <p:cNvPr id="3" name="矩形 2">
+            <a:extLst>
+              <a:ext uri="{FF2B5EF4-FFF2-40B4-BE49-F238E27FC236}">
+                <a16:creationId xmlns:a16="http://schemas.microsoft.com/office/drawing/2014/main" id="{880020DD-B6E5-A998-7839-FF822E78D3AA}"/>
+              </a:ext>
+            </a:extLst>
+          </p:cNvPr>
+          <p:cNvSpPr/>
+          <p:nvPr/>
+        </p:nvSpPr>
+        <p:spPr>
+          <a:xfrm>
+            <a:off x="1" y="-2"/>
+            <a:ext cx="220551" cy="6858002"/>
+          </a:xfrm>
+          <a:prstGeom prst="rect">
+            <a:avLst/>
+          </a:prstGeom>
+          <a:gradFill>
+            <a:gsLst>
+              <a:gs pos="100000">
+                <a:srgbClr val="1C2F43"/>
+              </a:gs>
+              <a:gs pos="0">
+                <a:srgbClr val="46706E"/>
+              </a:gs>
+            </a:gsLst>
+            <a:lin ang="5400000" scaled="1"/>
+          </a:gradFill>
+          <a:ln>
+            <a:noFill/>
+          </a:ln>
+        </p:spPr>
+        <p:style>
+          <a:lnRef idx="2">
+            <a:schemeClr val="accent1">
+              <a:shade val="50000"/>
+            </a:schemeClr>
+          </a:lnRef>
+          <a:fillRef idx="1">
+            <a:schemeClr val="accent1"/>
+          </a:fillRef>
+          <a:effectRef idx="0">
+            <a:schemeClr val="accent1"/>
+          </a:effectRef>
+          <a:fontRef idx="minor">
+            <a:schemeClr val="lt1"/>
+          </a:fontRef>
+        </p:style>
+        <p:txBody>
+          <a:bodyPr rtlCol="0" anchor="ctr"/>
+          <a:lstStyle/>
+          <a:p>
+            <a:pPr marL="0" marR="0" lvl="0" indent="0" algn="ctr" defTabSz="914400" rtl="0" eaLnBrk="1" fontAlgn="auto" latinLnBrk="0" hangingPunct="1">
+              <a:lnSpc>
+                <a:spcPct val="100000"/>
+              </a:lnSpc>
+              <a:spcBef>
+                <a:spcPts val="0"/>
+              </a:spcBef>
+              <a:spcAft>
+                <a:spcPts val="0"/>
+              </a:spcAft>
+              <a:buClrTx/>
+              <a:buSzTx/>
+              <a:buFontTx/>
+              <a:buNone/>
+              <a:tabLst/>
+              <a:defRPr/>
+            </a:pPr>
+            <a:endParaRPr kumimoji="0" lang="zh-CN" altLang="en-US" sz="1800" b="0" i="0" u="none" strike="noStrike" kern="1200" cap="none" spc="0" normalizeH="0" baseline="0" noProof="0">
+              <a:ln>
+                <a:noFill/>
+              </a:ln>
+              <a:solidFill>
+                <a:prstClr val="white"/>
+              </a:solidFill>
+              <a:effectLst/>
+              <a:uLnTx/>
+              <a:uFillTx/>
+              <a:latin typeface="Calibri"/>
+              <a:ea typeface="微软雅黑" panose="020B0503020204020204" pitchFamily="34" charset="-122"/>
+              <a:cs typeface="+mn-cs"/>
+            </a:endParaRPr>
+          </a:p>
+        </p:txBody>
+      </p:sp>
+      <p:pic>
+        <p:nvPicPr>
+          <p:cNvPr id="4" name="图片 3">
+            <a:extLst>
+              <a:ext uri="{FF2B5EF4-FFF2-40B4-BE49-F238E27FC236}">
+                <a16:creationId xmlns:a16="http://schemas.microsoft.com/office/drawing/2014/main" id="{D68BD983-7CE4-09FC-96A5-2722A8D55230}"/>
+              </a:ext>
+            </a:extLst>
+          </p:cNvPr>
+          <p:cNvPicPr>
+            <a:picLocks noChangeAspect="1"/>
+          </p:cNvPicPr>
+          <p:nvPr/>
+        </p:nvPicPr>
+        <p:blipFill>
+          <a:blip r:embed="rId2"/>
+          <a:stretch>
+            <a:fillRect/>
+          </a:stretch>
+        </p:blipFill>
+        <p:spPr>
+          <a:xfrm>
+            <a:off x="11265327" y="-2"/>
+            <a:ext cx="926672" cy="926672"/>
+          </a:xfrm>
+          <a:prstGeom prst="rect">
+            <a:avLst/>
+          </a:prstGeom>
+        </p:spPr>
+      </p:pic>
+      <p:pic>
+        <p:nvPicPr>
+          <p:cNvPr id="7" name="图片 6">
+            <a:extLst>
+              <a:ext uri="{FF2B5EF4-FFF2-40B4-BE49-F238E27FC236}">
+                <a16:creationId xmlns:a16="http://schemas.microsoft.com/office/drawing/2014/main" id="{2F857F1D-A1C2-609B-9CEF-F4E9A024AC41}"/>
+              </a:ext>
+            </a:extLst>
+          </p:cNvPr>
+          <p:cNvPicPr>
+            <a:picLocks noChangeAspect="1"/>
+          </p:cNvPicPr>
+          <p:nvPr/>
+        </p:nvPicPr>
+        <p:blipFill>
+          <a:blip r:embed="rId3"/>
+          <a:stretch>
+            <a:fillRect/>
+          </a:stretch>
+        </p:blipFill>
+        <p:spPr>
+          <a:xfrm>
+            <a:off x="899803" y="1856285"/>
+            <a:ext cx="10453997" cy="790584"/>
+          </a:xfrm>
+          <a:prstGeom prst="rect">
+            <a:avLst/>
+          </a:prstGeom>
+        </p:spPr>
+      </p:pic>
+      <p:pic>
+        <p:nvPicPr>
+          <p:cNvPr id="8" name="图片 7">
+            <a:extLst>
+              <a:ext uri="{FF2B5EF4-FFF2-40B4-BE49-F238E27FC236}">
+                <a16:creationId xmlns:a16="http://schemas.microsoft.com/office/drawing/2014/main" id="{903E3713-1D70-D8E7-7EAB-CEC3F7223D35}"/>
+              </a:ext>
+            </a:extLst>
+          </p:cNvPr>
+          <p:cNvPicPr>
+            <a:picLocks noChangeAspect="1"/>
+          </p:cNvPicPr>
+          <p:nvPr/>
+        </p:nvPicPr>
+        <p:blipFill>
+          <a:blip r:embed="rId4"/>
+          <a:stretch>
+            <a:fillRect/>
+          </a:stretch>
+        </p:blipFill>
+        <p:spPr>
+          <a:xfrm>
+            <a:off x="858157" y="3138489"/>
+            <a:ext cx="1189304" cy="797299"/>
+          </a:xfrm>
+          <a:prstGeom prst="rect">
+            <a:avLst/>
+          </a:prstGeom>
+        </p:spPr>
+      </p:pic>
+      <p:sp>
+        <p:nvSpPr>
+          <p:cNvPr id="11" name="文本框 10">
+            <a:extLst>
+              <a:ext uri="{FF2B5EF4-FFF2-40B4-BE49-F238E27FC236}">
+                <a16:creationId xmlns:a16="http://schemas.microsoft.com/office/drawing/2014/main" id="{B098BF00-19F1-3B92-BCC3-9CDBBF7F0A5C}"/>
+              </a:ext>
+            </a:extLst>
+          </p:cNvPr>
+          <p:cNvSpPr txBox="1"/>
+          <p:nvPr/>
+        </p:nvSpPr>
+        <p:spPr>
+          <a:xfrm>
+            <a:off x="899803" y="610779"/>
+            <a:ext cx="8607288" cy="873572"/>
+          </a:xfrm>
+          <a:prstGeom prst="rect">
+            <a:avLst/>
+          </a:prstGeom>
+          <a:noFill/>
+        </p:spPr>
+        <p:txBody>
+          <a:bodyPr wrap="square">
+            <a:spAutoFit/>
+          </a:bodyPr>
+          <a:lstStyle/>
+          <a:p>
+            <a:pPr marL="285750" indent="-285750">
+              <a:lnSpc>
+                <a:spcPct val="150000"/>
+              </a:lnSpc>
+              <a:buFont typeface="Wingdings" panose="05000000000000000000" pitchFamily="2" charset="2"/>
+              <a:buChar char="Ø"/>
+            </a:pPr>
+            <a:r>
+              <a:rPr lang="en-US" altLang="zh-CN" dirty="0">
+                <a:latin typeface="Times New Roman" panose="02020603050405020304" pitchFamily="18" charset="0"/>
+                <a:cs typeface="Times New Roman" panose="02020603050405020304" pitchFamily="18" charset="0"/>
+              </a:rPr>
+              <a:t>This function relates the vehicle's current state—its position and orientation—to the range and bearing measurements obtained from LIDAR for a specific landmark.</a:t>
+            </a:r>
+            <a:endParaRPr lang="zh-CN" altLang="en-US" dirty="0">
+              <a:latin typeface="Times New Roman" panose="02020603050405020304" pitchFamily="18" charset="0"/>
+              <a:cs typeface="Times New Roman" panose="02020603050405020304" pitchFamily="18" charset="0"/>
+            </a:endParaRPr>
+          </a:p>
+        </p:txBody>
+      </p:sp>
+      <p:pic>
+        <p:nvPicPr>
+          <p:cNvPr id="15" name="图片 14">
+            <a:extLst>
+              <a:ext uri="{FF2B5EF4-FFF2-40B4-BE49-F238E27FC236}">
+                <a16:creationId xmlns:a16="http://schemas.microsoft.com/office/drawing/2014/main" id="{567A39C3-0227-0EF1-BD9A-851A24CEC05C}"/>
+              </a:ext>
+            </a:extLst>
+          </p:cNvPr>
+          <p:cNvPicPr>
+            <a:picLocks noChangeAspect="1"/>
+          </p:cNvPicPr>
+          <p:nvPr/>
+        </p:nvPicPr>
+        <p:blipFill>
+          <a:blip r:embed="rId5"/>
+          <a:stretch>
+            <a:fillRect/>
+          </a:stretch>
+        </p:blipFill>
+        <p:spPr>
+          <a:xfrm>
+            <a:off x="777895" y="4301007"/>
+            <a:ext cx="6578938" cy="1822544"/>
+          </a:xfrm>
+          <a:prstGeom prst="rect">
+            <a:avLst/>
+          </a:prstGeom>
+        </p:spPr>
+      </p:pic>
+      <p:sp>
+        <p:nvSpPr>
+          <p:cNvPr id="17" name="文本框 16">
+            <a:extLst>
+              <a:ext uri="{FF2B5EF4-FFF2-40B4-BE49-F238E27FC236}">
+                <a16:creationId xmlns:a16="http://schemas.microsoft.com/office/drawing/2014/main" id="{44FD4A9B-744A-0766-BD56-20C53E8AFB96}"/>
+              </a:ext>
+            </a:extLst>
+          </p:cNvPr>
+          <p:cNvSpPr txBox="1"/>
+          <p:nvPr/>
+        </p:nvSpPr>
+        <p:spPr>
+          <a:xfrm>
+            <a:off x="2170439" y="3584213"/>
+            <a:ext cx="1189304" cy="369332"/>
+          </a:xfrm>
+          <a:prstGeom prst="rect">
+            <a:avLst/>
+          </a:prstGeom>
+          <a:noFill/>
+        </p:spPr>
+        <p:txBody>
+          <a:bodyPr wrap="square">
+            <a:spAutoFit/>
+          </a:bodyPr>
+          <a:lstStyle/>
+          <a:p>
+            <a:r>
+              <a:rPr lang="en-US" altLang="zh-CN" dirty="0"/>
+              <a:t>Azimuth</a:t>
+            </a:r>
+            <a:endParaRPr lang="zh-CN" altLang="en-US" dirty="0"/>
+          </a:p>
+        </p:txBody>
+      </p:sp>
+      <p:sp>
+        <p:nvSpPr>
+          <p:cNvPr id="19" name="文本框 18">
+            <a:extLst>
+              <a:ext uri="{FF2B5EF4-FFF2-40B4-BE49-F238E27FC236}">
+                <a16:creationId xmlns:a16="http://schemas.microsoft.com/office/drawing/2014/main" id="{10375880-EA7F-D2B5-C93D-919797BFD36A}"/>
+              </a:ext>
+            </a:extLst>
+          </p:cNvPr>
+          <p:cNvSpPr txBox="1"/>
+          <p:nvPr/>
+        </p:nvSpPr>
+        <p:spPr>
+          <a:xfrm>
+            <a:off x="2155952" y="3167806"/>
+            <a:ext cx="1059587" cy="369332"/>
+          </a:xfrm>
+          <a:prstGeom prst="rect">
+            <a:avLst/>
+          </a:prstGeom>
+          <a:noFill/>
+        </p:spPr>
+        <p:txBody>
+          <a:bodyPr wrap="square">
+            <a:spAutoFit/>
+          </a:bodyPr>
+          <a:lstStyle/>
+          <a:p>
+            <a:r>
+              <a:rPr lang="en-US" altLang="zh-CN" dirty="0"/>
+              <a:t>Distance</a:t>
+            </a:r>
+            <a:endParaRPr lang="zh-CN" altLang="en-US" dirty="0"/>
+          </a:p>
+        </p:txBody>
+      </p:sp>
+      <p:sp>
+        <p:nvSpPr>
+          <p:cNvPr id="21" name="文本框 20">
+            <a:extLst>
+              <a:ext uri="{FF2B5EF4-FFF2-40B4-BE49-F238E27FC236}">
+                <a16:creationId xmlns:a16="http://schemas.microsoft.com/office/drawing/2014/main" id="{9FEA1E31-0E08-7470-3289-03E755CEB55B}"/>
+              </a:ext>
+            </a:extLst>
+          </p:cNvPr>
+          <p:cNvSpPr txBox="1"/>
+          <p:nvPr/>
+        </p:nvSpPr>
+        <p:spPr>
+          <a:xfrm>
+            <a:off x="7587938" y="3352472"/>
+            <a:ext cx="4160749" cy="2638992"/>
+          </a:xfrm>
+          <a:prstGeom prst="rect">
+            <a:avLst/>
+          </a:prstGeom>
+          <a:noFill/>
+        </p:spPr>
+        <p:txBody>
+          <a:bodyPr wrap="square">
+            <a:spAutoFit/>
+          </a:bodyPr>
+          <a:lstStyle/>
+          <a:p>
+            <a:pPr marL="285750" indent="-285750" algn="just">
+              <a:lnSpc>
+                <a:spcPct val="150000"/>
+              </a:lnSpc>
+              <a:buFont typeface="Arial" panose="020B0604020202020204" pitchFamily="34" charset="0"/>
+              <a:buChar char="•"/>
+            </a:pPr>
+            <a:r>
+              <a:rPr lang="en-US" altLang="zh-CN" sz="1400" dirty="0">
+                <a:latin typeface="Times New Roman" panose="02020603050405020304" pitchFamily="18" charset="0"/>
+                <a:cs typeface="Times New Roman" panose="02020603050405020304" pitchFamily="18" charset="0"/>
+              </a:rPr>
+              <a:t>“Landmark" refers to any distinct physical object or feature in the environment that can be easily identified and has a known location that doesn't change over time. Landmarks are crucial for localization because they serve as reference points; robots or vehicles can determine their own location and orientation by measuring their distance and angle relative to these landmarks.</a:t>
+            </a:r>
+            <a:endParaRPr lang="zh-CN" altLang="en-US" sz="1400" dirty="0">
+              <a:latin typeface="Times New Roman" panose="02020603050405020304" pitchFamily="18" charset="0"/>
+              <a:cs typeface="Times New Roman" panose="02020603050405020304" pitchFamily="18" charset="0"/>
+            </a:endParaRPr>
+          </a:p>
+        </p:txBody>
+      </p:sp>
+    </p:spTree>
+    <p:extLst>
+      <p:ext uri="{BB962C8B-B14F-4D97-AF65-F5344CB8AC3E}">
+        <p14:creationId xmlns:p14="http://schemas.microsoft.com/office/powerpoint/2010/main" val="87375120"/>
+      </p:ext>
+    </p:extLst>
+  </p:cSld>
+  <p:clrMapOvr>
+    <a:masterClrMapping/>
+  </p:clrMapOvr>
+</p:sld>
+</file>
+
+<file path=ppt/slides/slide33.xml><?xml version="1.0" encoding="utf-8"?>
+<p:sld xmlns:a="http://schemas.openxmlformats.org/drawingml/2006/main" xmlns:r="http://schemas.openxmlformats.org/officeDocument/2006/relationships" xmlns:p="http://schemas.openxmlformats.org/presentationml/2006/main">
+  <p:cSld>
+    <p:spTree>
+      <p:nvGrpSpPr>
+        <p:cNvPr id="1" name=""/>
+        <p:cNvGrpSpPr/>
+        <p:nvPr/>
+      </p:nvGrpSpPr>
+      <p:grpSpPr>
+        <a:xfrm>
+          <a:off x="0" y="0"/>
+          <a:ext cx="0" cy="0"/>
+          <a:chOff x="0" y="0"/>
+          <a:chExt cx="0" cy="0"/>
+        </a:xfrm>
+      </p:grpSpPr>
+      <p:sp>
+        <p:nvSpPr>
+          <p:cNvPr id="2" name="灯片编号占位符 1">
+            <a:extLst>
+              <a:ext uri="{FF2B5EF4-FFF2-40B4-BE49-F238E27FC236}">
+                <a16:creationId xmlns:a16="http://schemas.microsoft.com/office/drawing/2014/main" id="{4945A284-91E4-11AF-F7A8-ED4A6907BE10}"/>
+              </a:ext>
+            </a:extLst>
+          </p:cNvPr>
+          <p:cNvSpPr>
+            <a:spLocks noGrp="1"/>
+          </p:cNvSpPr>
+          <p:nvPr>
+            <p:ph type="sldNum" sz="quarter" idx="12"/>
+          </p:nvPr>
+        </p:nvSpPr>
+        <p:spPr/>
+        <p:txBody>
+          <a:bodyPr/>
+          <a:lstStyle/>
+          <a:p>
+            <a:fld id="{565CE74E-AB26-4998-AD42-012C4C1AD076}" type="slidenum">
+              <a:rPr lang="zh-CN" altLang="en-US" smtClean="0"/>
+              <a:t>33</a:t>
+            </a:fld>
+            <a:endParaRPr lang="zh-CN" altLang="en-US"/>
+          </a:p>
+        </p:txBody>
+      </p:sp>
+      <p:sp>
+        <p:nvSpPr>
+          <p:cNvPr id="3" name="矩形 2">
+            <a:extLst>
+              <a:ext uri="{FF2B5EF4-FFF2-40B4-BE49-F238E27FC236}">
+                <a16:creationId xmlns:a16="http://schemas.microsoft.com/office/drawing/2014/main" id="{880020DD-B6E5-A998-7839-FF822E78D3AA}"/>
+              </a:ext>
+            </a:extLst>
+          </p:cNvPr>
+          <p:cNvSpPr/>
+          <p:nvPr/>
+        </p:nvSpPr>
+        <p:spPr>
+          <a:xfrm>
+            <a:off x="1" y="-2"/>
+            <a:ext cx="220551" cy="6858002"/>
+          </a:xfrm>
+          <a:prstGeom prst="rect">
+            <a:avLst/>
+          </a:prstGeom>
+          <a:gradFill>
+            <a:gsLst>
+              <a:gs pos="100000">
+                <a:srgbClr val="1C2F43"/>
+              </a:gs>
+              <a:gs pos="0">
+                <a:srgbClr val="46706E"/>
+              </a:gs>
+            </a:gsLst>
+            <a:lin ang="5400000" scaled="1"/>
+          </a:gradFill>
+          <a:ln>
+            <a:noFill/>
+          </a:ln>
+        </p:spPr>
+        <p:style>
+          <a:lnRef idx="2">
+            <a:schemeClr val="accent1">
+              <a:shade val="50000"/>
+            </a:schemeClr>
+          </a:lnRef>
+          <a:fillRef idx="1">
+            <a:schemeClr val="accent1"/>
+          </a:fillRef>
+          <a:effectRef idx="0">
+            <a:schemeClr val="accent1"/>
+          </a:effectRef>
+          <a:fontRef idx="minor">
+            <a:schemeClr val="lt1"/>
+          </a:fontRef>
+        </p:style>
+        <p:txBody>
+          <a:bodyPr rtlCol="0" anchor="ctr"/>
+          <a:lstStyle/>
+          <a:p>
+            <a:pPr marL="0" marR="0" lvl="0" indent="0" algn="ctr" defTabSz="914400" rtl="0" eaLnBrk="1" fontAlgn="auto" latinLnBrk="0" hangingPunct="1">
+              <a:lnSpc>
+                <a:spcPct val="100000"/>
+              </a:lnSpc>
+              <a:spcBef>
+                <a:spcPts val="0"/>
+              </a:spcBef>
+              <a:spcAft>
+                <a:spcPts val="0"/>
+              </a:spcAft>
+              <a:buClrTx/>
+              <a:buSzTx/>
+              <a:buFontTx/>
+              <a:buNone/>
+              <a:tabLst/>
+              <a:defRPr/>
+            </a:pPr>
+            <a:endParaRPr kumimoji="0" lang="zh-CN" altLang="en-US" sz="1800" b="0" i="0" u="none" strike="noStrike" kern="1200" cap="none" spc="0" normalizeH="0" baseline="0" noProof="0">
+              <a:ln>
+                <a:noFill/>
+              </a:ln>
+              <a:solidFill>
+                <a:prstClr val="white"/>
+              </a:solidFill>
+              <a:effectLst/>
+              <a:uLnTx/>
+              <a:uFillTx/>
+              <a:latin typeface="Calibri"/>
+              <a:ea typeface="微软雅黑" panose="020B0503020204020204" pitchFamily="34" charset="-122"/>
+              <a:cs typeface="+mn-cs"/>
+            </a:endParaRPr>
+          </a:p>
+        </p:txBody>
+      </p:sp>
+      <p:pic>
+        <p:nvPicPr>
+          <p:cNvPr id="4" name="图片 3">
+            <a:extLst>
+              <a:ext uri="{FF2B5EF4-FFF2-40B4-BE49-F238E27FC236}">
+                <a16:creationId xmlns:a16="http://schemas.microsoft.com/office/drawing/2014/main" id="{D68BD983-7CE4-09FC-96A5-2722A8D55230}"/>
+              </a:ext>
+            </a:extLst>
+          </p:cNvPr>
+          <p:cNvPicPr>
+            <a:picLocks noChangeAspect="1"/>
+          </p:cNvPicPr>
+          <p:nvPr/>
+        </p:nvPicPr>
+        <p:blipFill>
+          <a:blip r:embed="rId2"/>
+          <a:stretch>
+            <a:fillRect/>
+          </a:stretch>
+        </p:blipFill>
+        <p:spPr>
+          <a:xfrm>
+            <a:off x="11265327" y="-2"/>
+            <a:ext cx="926672" cy="926672"/>
+          </a:xfrm>
+          <a:prstGeom prst="rect">
+            <a:avLst/>
+          </a:prstGeom>
+        </p:spPr>
+      </p:pic>
+      <p:pic>
+        <p:nvPicPr>
+          <p:cNvPr id="5" name="图片 4">
+            <a:extLst>
+              <a:ext uri="{FF2B5EF4-FFF2-40B4-BE49-F238E27FC236}">
+                <a16:creationId xmlns:a16="http://schemas.microsoft.com/office/drawing/2014/main" id="{ACF8F4F4-A5F1-201D-0E38-98FA646971E9}"/>
+              </a:ext>
+            </a:extLst>
+          </p:cNvPr>
+          <p:cNvPicPr>
+            <a:picLocks noChangeAspect="1"/>
+          </p:cNvPicPr>
+          <p:nvPr/>
+        </p:nvPicPr>
+        <p:blipFill>
+          <a:blip r:embed="rId3"/>
+          <a:stretch>
+            <a:fillRect/>
+          </a:stretch>
+        </p:blipFill>
+        <p:spPr>
+          <a:xfrm>
+            <a:off x="1037939" y="2915478"/>
+            <a:ext cx="3136667" cy="3021492"/>
+          </a:xfrm>
+          <a:prstGeom prst="rect">
+            <a:avLst/>
+          </a:prstGeom>
+        </p:spPr>
+      </p:pic>
+      <p:sp>
+        <p:nvSpPr>
+          <p:cNvPr id="10" name="文本框 9">
+            <a:extLst>
+              <a:ext uri="{FF2B5EF4-FFF2-40B4-BE49-F238E27FC236}">
+                <a16:creationId xmlns:a16="http://schemas.microsoft.com/office/drawing/2014/main" id="{E1B51D3B-7C96-3346-0657-EB3357B2DE86}"/>
+              </a:ext>
+            </a:extLst>
+          </p:cNvPr>
+          <p:cNvSpPr txBox="1"/>
+          <p:nvPr/>
+        </p:nvSpPr>
+        <p:spPr>
+          <a:xfrm>
+            <a:off x="697733" y="830419"/>
+            <a:ext cx="5550204" cy="1711366"/>
+          </a:xfrm>
+          <a:prstGeom prst="rect">
+            <a:avLst/>
+          </a:prstGeom>
+          <a:noFill/>
+        </p:spPr>
+        <p:txBody>
+          <a:bodyPr wrap="square" rtlCol="0">
+            <a:spAutoFit/>
+          </a:bodyPr>
+          <a:lstStyle/>
+          <a:p>
+            <a:pPr marL="285750" indent="-285750" algn="just">
+              <a:lnSpc>
+                <a:spcPct val="150000"/>
+              </a:lnSpc>
+              <a:buFont typeface="Wingdings" panose="05000000000000000000" pitchFamily="2" charset="2"/>
+              <a:buChar char="Ø"/>
+            </a:pPr>
+            <a:r>
+              <a:rPr lang="en-US" altLang="zh-CN" dirty="0">
+                <a:latin typeface="Times New Roman" panose="02020603050405020304" pitchFamily="18" charset="0"/>
+                <a:cs typeface="Times New Roman" panose="02020603050405020304" pitchFamily="18" charset="0"/>
+              </a:rPr>
+              <a:t>azimuth angle is the angular measurement in a spherical coordinate system that represents the horizontal angle from a cardinal direction, most commonly north.</a:t>
+            </a:r>
+            <a:endParaRPr lang="zh-CN" altLang="en-US" dirty="0">
+              <a:latin typeface="Times New Roman" panose="02020603050405020304" pitchFamily="18" charset="0"/>
+              <a:cs typeface="Times New Roman" panose="02020603050405020304" pitchFamily="18" charset="0"/>
+            </a:endParaRPr>
+          </a:p>
+        </p:txBody>
+      </p:sp>
+      <p:pic>
+        <p:nvPicPr>
+          <p:cNvPr id="11" name="图片 10">
+            <a:extLst>
+              <a:ext uri="{FF2B5EF4-FFF2-40B4-BE49-F238E27FC236}">
+                <a16:creationId xmlns:a16="http://schemas.microsoft.com/office/drawing/2014/main" id="{FCF6628B-DC26-35F8-B5D1-45EF84FD3A7F}"/>
+              </a:ext>
+            </a:extLst>
+          </p:cNvPr>
+          <p:cNvPicPr>
+            <a:picLocks noChangeAspect="1"/>
+          </p:cNvPicPr>
+          <p:nvPr/>
+        </p:nvPicPr>
+        <p:blipFill>
+          <a:blip r:embed="rId4"/>
+          <a:stretch>
+            <a:fillRect/>
+          </a:stretch>
+        </p:blipFill>
+        <p:spPr>
+          <a:xfrm>
+            <a:off x="6643112" y="4136992"/>
+            <a:ext cx="4523754" cy="371408"/>
+          </a:xfrm>
+          <a:prstGeom prst="rect">
+            <a:avLst/>
+          </a:prstGeom>
+        </p:spPr>
+      </p:pic>
+      <p:pic>
+        <p:nvPicPr>
+          <p:cNvPr id="12" name="图片 11">
+            <a:extLst>
+              <a:ext uri="{FF2B5EF4-FFF2-40B4-BE49-F238E27FC236}">
+                <a16:creationId xmlns:a16="http://schemas.microsoft.com/office/drawing/2014/main" id="{902425E3-1413-5AB4-E2A5-CF11C0285968}"/>
+              </a:ext>
+            </a:extLst>
+          </p:cNvPr>
+          <p:cNvPicPr>
+            <a:picLocks noChangeAspect="1"/>
+          </p:cNvPicPr>
+          <p:nvPr/>
+        </p:nvPicPr>
+        <p:blipFill>
+          <a:blip r:embed="rId5"/>
+          <a:stretch>
+            <a:fillRect/>
+          </a:stretch>
+        </p:blipFill>
+        <p:spPr>
+          <a:xfrm>
+            <a:off x="6689495" y="5323266"/>
+            <a:ext cx="3028848" cy="786113"/>
+          </a:xfrm>
+          <a:prstGeom prst="rect">
+            <a:avLst/>
+          </a:prstGeom>
+        </p:spPr>
+      </p:pic>
+      <p:pic>
+        <p:nvPicPr>
+          <p:cNvPr id="13" name="图片 12">
+            <a:extLst>
+              <a:ext uri="{FF2B5EF4-FFF2-40B4-BE49-F238E27FC236}">
+                <a16:creationId xmlns:a16="http://schemas.microsoft.com/office/drawing/2014/main" id="{1C7497DA-3F05-84A9-1B8E-926171FCDD15}"/>
+              </a:ext>
+            </a:extLst>
+          </p:cNvPr>
+          <p:cNvPicPr>
+            <a:picLocks noChangeAspect="1"/>
+          </p:cNvPicPr>
+          <p:nvPr/>
+        </p:nvPicPr>
+        <p:blipFill>
+          <a:blip r:embed="rId6"/>
+          <a:stretch>
+            <a:fillRect/>
+          </a:stretch>
+        </p:blipFill>
+        <p:spPr>
+          <a:xfrm>
+            <a:off x="7096176" y="1073657"/>
+            <a:ext cx="2160518" cy="2296034"/>
+          </a:xfrm>
+          <a:prstGeom prst="rect">
+            <a:avLst/>
+          </a:prstGeom>
+        </p:spPr>
+      </p:pic>
+      <p:sp>
+        <p:nvSpPr>
+          <p:cNvPr id="6" name="文本框 5">
+            <a:extLst>
+              <a:ext uri="{FF2B5EF4-FFF2-40B4-BE49-F238E27FC236}">
+                <a16:creationId xmlns:a16="http://schemas.microsoft.com/office/drawing/2014/main" id="{E46A9964-F02E-22E5-7C1E-7A4BADB81495}"/>
+              </a:ext>
+            </a:extLst>
+          </p:cNvPr>
+          <p:cNvSpPr txBox="1"/>
+          <p:nvPr/>
+        </p:nvSpPr>
+        <p:spPr>
+          <a:xfrm>
+            <a:off x="6456177" y="3616662"/>
+            <a:ext cx="4897623" cy="369332"/>
+          </a:xfrm>
+          <a:prstGeom prst="rect">
+            <a:avLst/>
+          </a:prstGeom>
+          <a:noFill/>
+        </p:spPr>
+        <p:txBody>
+          <a:bodyPr wrap="none" rtlCol="0">
+            <a:spAutoFit/>
+          </a:bodyPr>
+          <a:lstStyle/>
+          <a:p>
+            <a:pPr marL="285750" indent="-285750">
+              <a:buFont typeface="Wingdings" panose="05000000000000000000" pitchFamily="2" charset="2"/>
+              <a:buChar char="Ø"/>
+            </a:pPr>
+            <a:r>
+              <a:rPr lang="en-US" altLang="zh-CN" dirty="0">
+                <a:latin typeface="Times New Roman" panose="02020603050405020304" pitchFamily="18" charset="0"/>
+                <a:cs typeface="Times New Roman" panose="02020603050405020304" pitchFamily="18" charset="0"/>
+              </a:rPr>
+              <a:t>We know two points, we can get azimuth angle</a:t>
+            </a:r>
+            <a:endParaRPr lang="zh-CN" altLang="en-US" dirty="0">
+              <a:latin typeface="Times New Roman" panose="02020603050405020304" pitchFamily="18" charset="0"/>
+              <a:cs typeface="Times New Roman" panose="02020603050405020304" pitchFamily="18" charset="0"/>
+            </a:endParaRPr>
+          </a:p>
+        </p:txBody>
+      </p:sp>
+      <p:sp>
+        <p:nvSpPr>
+          <p:cNvPr id="8" name="文本框 7">
+            <a:extLst>
+              <a:ext uri="{FF2B5EF4-FFF2-40B4-BE49-F238E27FC236}">
+                <a16:creationId xmlns:a16="http://schemas.microsoft.com/office/drawing/2014/main" id="{49D59FFE-5480-7826-B47A-27F0BD1CE171}"/>
+              </a:ext>
+            </a:extLst>
+          </p:cNvPr>
+          <p:cNvSpPr txBox="1"/>
+          <p:nvPr/>
+        </p:nvSpPr>
+        <p:spPr>
+          <a:xfrm>
+            <a:off x="6424359" y="4778821"/>
+            <a:ext cx="5481757" cy="369332"/>
+          </a:xfrm>
+          <a:prstGeom prst="rect">
+            <a:avLst/>
+          </a:prstGeom>
+          <a:noFill/>
+        </p:spPr>
+        <p:txBody>
+          <a:bodyPr wrap="none" rtlCol="0">
+            <a:spAutoFit/>
+          </a:bodyPr>
+          <a:lstStyle/>
+          <a:p>
+            <a:pPr marL="285750" indent="-285750">
+              <a:buFont typeface="Wingdings" panose="05000000000000000000" pitchFamily="2" charset="2"/>
+              <a:buChar char="Ø"/>
+            </a:pPr>
+            <a:r>
+              <a:rPr lang="en-US" altLang="zh-CN" dirty="0">
+                <a:latin typeface="Times New Roman" panose="02020603050405020304" pitchFamily="18" charset="0"/>
+                <a:cs typeface="Times New Roman" panose="02020603050405020304" pitchFamily="18" charset="0"/>
+              </a:rPr>
+              <a:t>We know one azimuth angle, we can get another point</a:t>
+            </a:r>
+            <a:endParaRPr lang="zh-CN" altLang="en-US" dirty="0">
+              <a:latin typeface="Times New Roman" panose="02020603050405020304" pitchFamily="18" charset="0"/>
+              <a:cs typeface="Times New Roman" panose="02020603050405020304" pitchFamily="18" charset="0"/>
+            </a:endParaRPr>
+          </a:p>
+        </p:txBody>
+      </p:sp>
+    </p:spTree>
+    <p:extLst>
+      <p:ext uri="{BB962C8B-B14F-4D97-AF65-F5344CB8AC3E}">
+        <p14:creationId xmlns:p14="http://schemas.microsoft.com/office/powerpoint/2010/main" val="2697653999"/>
+      </p:ext>
+    </p:extLst>
+  </p:cSld>
+  <p:clrMapOvr>
+    <a:masterClrMapping/>
+  </p:clrMapOvr>
+</p:sld>
+</file>
+
+<file path=ppt/slides/slide34.xml><?xml version="1.0" encoding="utf-8"?>
+<p:sld xmlns:a="http://schemas.openxmlformats.org/drawingml/2006/main" xmlns:r="http://schemas.openxmlformats.org/officeDocument/2006/relationships" xmlns:p="http://schemas.openxmlformats.org/presentationml/2006/main">
+  <p:cSld>
+    <p:spTree>
+      <p:nvGrpSpPr>
+        <p:cNvPr id="1" name=""/>
+        <p:cNvGrpSpPr/>
+        <p:nvPr/>
+      </p:nvGrpSpPr>
+      <p:grpSpPr>
+        <a:xfrm>
+          <a:off x="0" y="0"/>
+          <a:ext cx="0" cy="0"/>
+          <a:chOff x="0" y="0"/>
+          <a:chExt cx="0" cy="0"/>
+        </a:xfrm>
+      </p:grpSpPr>
+      <p:sp>
+        <p:nvSpPr>
+          <p:cNvPr id="2" name="灯片编号占位符 1">
+            <a:extLst>
+              <a:ext uri="{FF2B5EF4-FFF2-40B4-BE49-F238E27FC236}">
+                <a16:creationId xmlns:a16="http://schemas.microsoft.com/office/drawing/2014/main" id="{1F3FF0AA-2B8B-9F79-2769-DF208973E468}"/>
+              </a:ext>
+            </a:extLst>
+          </p:cNvPr>
+          <p:cNvSpPr>
+            <a:spLocks noGrp="1"/>
+          </p:cNvSpPr>
+          <p:nvPr>
+            <p:ph type="sldNum" sz="quarter" idx="12"/>
+          </p:nvPr>
+        </p:nvSpPr>
+        <p:spPr/>
+        <p:txBody>
+          <a:bodyPr/>
+          <a:lstStyle/>
+          <a:p>
+            <a:fld id="{565CE74E-AB26-4998-AD42-012C4C1AD076}" type="slidenum">
+              <a:rPr lang="zh-CN" altLang="en-US" smtClean="0"/>
+              <a:t>34</a:t>
+            </a:fld>
+            <a:endParaRPr lang="zh-CN" altLang="en-US"/>
+          </a:p>
+        </p:txBody>
+      </p:sp>
+      <p:sp>
+        <p:nvSpPr>
+          <p:cNvPr id="4" name="文本框 3">
+            <a:extLst>
+              <a:ext uri="{FF2B5EF4-FFF2-40B4-BE49-F238E27FC236}">
+                <a16:creationId xmlns:a16="http://schemas.microsoft.com/office/drawing/2014/main" id="{BA36301C-F883-1A68-B8C8-9B43AA6BC6A2}"/>
+              </a:ext>
+            </a:extLst>
+          </p:cNvPr>
+          <p:cNvSpPr txBox="1"/>
+          <p:nvPr/>
+        </p:nvSpPr>
+        <p:spPr>
+          <a:xfrm>
+            <a:off x="488004" y="1205401"/>
+            <a:ext cx="4893596" cy="1704569"/>
+          </a:xfrm>
+          <a:prstGeom prst="rect">
+            <a:avLst/>
+          </a:prstGeom>
+          <a:noFill/>
+        </p:spPr>
+        <p:txBody>
+          <a:bodyPr wrap="square">
+            <a:spAutoFit/>
+          </a:bodyPr>
+          <a:lstStyle/>
+          <a:p>
+            <a:pPr marL="285750" indent="-285750" algn="just">
+              <a:lnSpc>
+                <a:spcPct val="150000"/>
+              </a:lnSpc>
+              <a:buFont typeface="Wingdings" panose="05000000000000000000" pitchFamily="2" charset="2"/>
+              <a:buChar char="Ø"/>
+            </a:pPr>
+            <a:r>
+              <a:rPr lang="en-US" altLang="zh-CN" dirty="0">
+                <a:latin typeface="Times New Roman" panose="02020603050405020304" pitchFamily="18" charset="0"/>
+                <a:cs typeface="Times New Roman" panose="02020603050405020304" pitchFamily="18" charset="0"/>
+              </a:rPr>
+              <a:t>When the lidar is not at the geometric center of the vehicle, you must correct the lidar readings to ensure that they are accurate relative to the geometric center of the vehicle</a:t>
+            </a:r>
+            <a:endParaRPr lang="zh-CN" altLang="en-US" dirty="0">
+              <a:latin typeface="Times New Roman" panose="02020603050405020304" pitchFamily="18" charset="0"/>
+              <a:cs typeface="Times New Roman" panose="02020603050405020304" pitchFamily="18" charset="0"/>
+            </a:endParaRPr>
+          </a:p>
+        </p:txBody>
+      </p:sp>
+      <p:pic>
+        <p:nvPicPr>
+          <p:cNvPr id="5" name="图片 4">
+            <a:extLst>
+              <a:ext uri="{FF2B5EF4-FFF2-40B4-BE49-F238E27FC236}">
+                <a16:creationId xmlns:a16="http://schemas.microsoft.com/office/drawing/2014/main" id="{1D11F844-1BBD-08FE-9163-1E4FCCF25762}"/>
+              </a:ext>
+            </a:extLst>
+          </p:cNvPr>
+          <p:cNvPicPr>
+            <a:picLocks noChangeAspect="1"/>
+          </p:cNvPicPr>
+          <p:nvPr/>
+        </p:nvPicPr>
+        <p:blipFill>
+          <a:blip r:embed="rId2"/>
+          <a:stretch>
+            <a:fillRect/>
+          </a:stretch>
+        </p:blipFill>
+        <p:spPr>
+          <a:xfrm>
+            <a:off x="906218" y="501650"/>
+            <a:ext cx="7621865" cy="384554"/>
+          </a:xfrm>
+          <a:prstGeom prst="rect">
+            <a:avLst/>
+          </a:prstGeom>
+        </p:spPr>
+      </p:pic>
+      <p:pic>
+        <p:nvPicPr>
+          <p:cNvPr id="18" name="图片 17">
+            <a:extLst>
+              <a:ext uri="{FF2B5EF4-FFF2-40B4-BE49-F238E27FC236}">
+                <a16:creationId xmlns:a16="http://schemas.microsoft.com/office/drawing/2014/main" id="{1415DF46-0DB7-8C16-4635-64F2091A315A}"/>
+              </a:ext>
+            </a:extLst>
+          </p:cNvPr>
+          <p:cNvPicPr>
+            <a:picLocks noChangeAspect="1"/>
+          </p:cNvPicPr>
+          <p:nvPr/>
+        </p:nvPicPr>
+        <p:blipFill>
+          <a:blip r:embed="rId3"/>
+          <a:stretch>
+            <a:fillRect/>
+          </a:stretch>
+        </p:blipFill>
+        <p:spPr>
+          <a:xfrm>
+            <a:off x="7436367" y="3827444"/>
+            <a:ext cx="3407888" cy="2604237"/>
+          </a:xfrm>
+          <a:prstGeom prst="rect">
+            <a:avLst/>
+          </a:prstGeom>
+        </p:spPr>
+      </p:pic>
+      <p:pic>
+        <p:nvPicPr>
+          <p:cNvPr id="21" name="图片 20">
+            <a:extLst>
+              <a:ext uri="{FF2B5EF4-FFF2-40B4-BE49-F238E27FC236}">
+                <a16:creationId xmlns:a16="http://schemas.microsoft.com/office/drawing/2014/main" id="{FD59CED2-BA88-B16C-5997-E5FE162CBA50}"/>
+              </a:ext>
+            </a:extLst>
+          </p:cNvPr>
+          <p:cNvPicPr>
+            <a:picLocks noChangeAspect="1"/>
+          </p:cNvPicPr>
+          <p:nvPr/>
+        </p:nvPicPr>
+        <p:blipFill>
+          <a:blip r:embed="rId4">
+            <a:extLst>
+              <a:ext uri="{28A0092B-C50C-407E-A947-70E740481C1C}">
+                <a14:useLocalDpi xmlns:a14="http://schemas.microsoft.com/office/drawing/2010/main" val="0"/>
+              </a:ext>
+            </a:extLst>
+          </a:blip>
+          <a:stretch>
+            <a:fillRect/>
+          </a:stretch>
+        </p:blipFill>
+        <p:spPr>
+          <a:xfrm>
+            <a:off x="1200608" y="3598089"/>
+            <a:ext cx="3190875" cy="2758261"/>
+          </a:xfrm>
+          <a:prstGeom prst="rect">
+            <a:avLst/>
+          </a:prstGeom>
+        </p:spPr>
+      </p:pic>
+      <p:sp>
+        <p:nvSpPr>
+          <p:cNvPr id="22" name="矩形 21">
+            <a:extLst>
+              <a:ext uri="{FF2B5EF4-FFF2-40B4-BE49-F238E27FC236}">
+                <a16:creationId xmlns:a16="http://schemas.microsoft.com/office/drawing/2014/main" id="{9FE9327D-031A-2EB9-307D-FFAA7F0F8575}"/>
+              </a:ext>
+            </a:extLst>
+          </p:cNvPr>
+          <p:cNvSpPr/>
+          <p:nvPr/>
+        </p:nvSpPr>
+        <p:spPr>
+          <a:xfrm>
+            <a:off x="3303181" y="328875"/>
+            <a:ext cx="1389321" cy="659219"/>
+          </a:xfrm>
+          <a:prstGeom prst="rect">
+            <a:avLst/>
+          </a:prstGeom>
+          <a:noFill/>
+          <a:ln>
+            <a:solidFill>
+              <a:srgbClr val="FF0000"/>
+            </a:solidFill>
+          </a:ln>
+        </p:spPr>
+        <p:style>
+          <a:lnRef idx="2">
+            <a:schemeClr val="accent1">
+              <a:shade val="15000"/>
+            </a:schemeClr>
+          </a:lnRef>
+          <a:fillRef idx="1">
+            <a:schemeClr val="accent1"/>
+          </a:fillRef>
+          <a:effectRef idx="0">
+            <a:schemeClr val="accent1"/>
+          </a:effectRef>
+          <a:fontRef idx="minor">
+            <a:schemeClr val="lt1"/>
+          </a:fontRef>
+        </p:style>
+        <p:txBody>
+          <a:bodyPr rtlCol="0" anchor="ctr"/>
+          <a:lstStyle/>
+          <a:p>
+            <a:pPr algn="ctr"/>
+            <a:endParaRPr lang="zh-CN" altLang="en-US"/>
+          </a:p>
+        </p:txBody>
+      </p:sp>
+      <p:pic>
+        <p:nvPicPr>
+          <p:cNvPr id="23" name="图片 22">
+            <a:extLst>
+              <a:ext uri="{FF2B5EF4-FFF2-40B4-BE49-F238E27FC236}">
+                <a16:creationId xmlns:a16="http://schemas.microsoft.com/office/drawing/2014/main" id="{FCA95C45-D8B1-424D-6C67-7717BB78B0AE}"/>
+              </a:ext>
+            </a:extLst>
+          </p:cNvPr>
+          <p:cNvPicPr>
+            <a:picLocks noChangeAspect="1"/>
+          </p:cNvPicPr>
+          <p:nvPr/>
+        </p:nvPicPr>
+        <p:blipFill>
+          <a:blip r:embed="rId5"/>
+          <a:stretch>
+            <a:fillRect/>
+          </a:stretch>
+        </p:blipFill>
+        <p:spPr>
+          <a:xfrm>
+            <a:off x="6174619" y="330264"/>
+            <a:ext cx="1402202" cy="670618"/>
+          </a:xfrm>
+          <a:prstGeom prst="rect">
+            <a:avLst/>
+          </a:prstGeom>
+        </p:spPr>
+      </p:pic>
+      <p:cxnSp>
+        <p:nvCxnSpPr>
+          <p:cNvPr id="25" name="直接箭头连接符 24">
+            <a:extLst>
+              <a:ext uri="{FF2B5EF4-FFF2-40B4-BE49-F238E27FC236}">
+                <a16:creationId xmlns:a16="http://schemas.microsoft.com/office/drawing/2014/main" id="{5569971D-5B2B-260F-CA5F-05C18C5B4009}"/>
+              </a:ext>
+            </a:extLst>
+          </p:cNvPr>
+          <p:cNvCxnSpPr>
+            <a:stCxn id="22" idx="2"/>
+          </p:cNvCxnSpPr>
+          <p:nvPr/>
+        </p:nvCxnSpPr>
+        <p:spPr>
+          <a:xfrm flipH="1">
+            <a:off x="2991293" y="988094"/>
+            <a:ext cx="1006549" cy="3116073"/>
+          </a:xfrm>
+          <a:prstGeom prst="straightConnector1">
+            <a:avLst/>
+          </a:prstGeom>
+          <a:ln w="19050">
+            <a:solidFill>
+              <a:srgbClr val="FF0000"/>
+            </a:solidFill>
+            <a:tailEnd type="triangle"/>
+          </a:ln>
+        </p:spPr>
+        <p:style>
+          <a:lnRef idx="1">
+            <a:schemeClr val="accent1"/>
+          </a:lnRef>
+          <a:fillRef idx="0">
+            <a:schemeClr val="accent1"/>
+          </a:fillRef>
+          <a:effectRef idx="0">
+            <a:schemeClr val="accent1"/>
+          </a:effectRef>
+          <a:fontRef idx="minor">
+            <a:schemeClr val="tx1"/>
+          </a:fontRef>
+        </p:style>
+      </p:cxnSp>
+      <p:cxnSp>
+        <p:nvCxnSpPr>
+          <p:cNvPr id="26" name="直接箭头连接符 25">
+            <a:extLst>
+              <a:ext uri="{FF2B5EF4-FFF2-40B4-BE49-F238E27FC236}">
+                <a16:creationId xmlns:a16="http://schemas.microsoft.com/office/drawing/2014/main" id="{CE10A615-7B63-84CA-38C4-FF7FB299F3D0}"/>
+              </a:ext>
+            </a:extLst>
+          </p:cNvPr>
+          <p:cNvCxnSpPr>
+            <a:cxnSpLocks/>
+          </p:cNvCxnSpPr>
+          <p:nvPr/>
+        </p:nvCxnSpPr>
+        <p:spPr>
+          <a:xfrm flipH="1">
+            <a:off x="3147237" y="1000882"/>
+            <a:ext cx="3419054" cy="3103285"/>
+          </a:xfrm>
+          <a:prstGeom prst="straightConnector1">
+            <a:avLst/>
+          </a:prstGeom>
+          <a:ln w="19050">
+            <a:solidFill>
+              <a:srgbClr val="FF0000"/>
+            </a:solidFill>
+            <a:tailEnd type="triangle"/>
+          </a:ln>
+        </p:spPr>
+        <p:style>
+          <a:lnRef idx="1">
+            <a:schemeClr val="accent1"/>
+          </a:lnRef>
+          <a:fillRef idx="0">
+            <a:schemeClr val="accent1"/>
+          </a:fillRef>
+          <a:effectRef idx="0">
+            <a:schemeClr val="accent1"/>
+          </a:effectRef>
+          <a:fontRef idx="minor">
+            <a:schemeClr val="tx1"/>
+          </a:fontRef>
+        </p:style>
+      </p:cxnSp>
+      <p:sp>
+        <p:nvSpPr>
+          <p:cNvPr id="29" name="文本框 28">
+            <a:extLst>
+              <a:ext uri="{FF2B5EF4-FFF2-40B4-BE49-F238E27FC236}">
+                <a16:creationId xmlns:a16="http://schemas.microsoft.com/office/drawing/2014/main" id="{ECC6A8EC-5894-6B82-9D93-746CCDF4CD63}"/>
+              </a:ext>
+            </a:extLst>
+          </p:cNvPr>
+          <p:cNvSpPr txBox="1"/>
+          <p:nvPr/>
+        </p:nvSpPr>
+        <p:spPr>
+          <a:xfrm>
+            <a:off x="6266121" y="1089041"/>
+            <a:ext cx="5564372" cy="2535566"/>
+          </a:xfrm>
+          <a:prstGeom prst="rect">
+            <a:avLst/>
+          </a:prstGeom>
+          <a:noFill/>
+        </p:spPr>
+        <p:txBody>
+          <a:bodyPr wrap="square">
+            <a:spAutoFit/>
+          </a:bodyPr>
+          <a:lstStyle/>
+          <a:p>
+            <a:pPr marL="285750" indent="-285750" algn="just">
+              <a:lnSpc>
+                <a:spcPct val="150000"/>
+              </a:lnSpc>
+              <a:buFont typeface="Wingdings" panose="05000000000000000000" pitchFamily="2" charset="2"/>
+              <a:buChar char="Ø"/>
+            </a:pPr>
+            <a:r>
+              <a:rPr lang="en-US" altLang="zh-CN" dirty="0">
+                <a:latin typeface="Times New Roman" panose="02020603050405020304" pitchFamily="18" charset="0"/>
+                <a:cs typeface="Times New Roman" panose="02020603050405020304" pitchFamily="18" charset="0"/>
+              </a:rPr>
+              <a:t>When you use the atan2 function, what you get is the angle of the vector pointing from the global coordinate system to the landmark. To convert this angle to an angle relative to the vehicle's current heading, you need to subtract the vehicle's heading angle </a:t>
+            </a:r>
+            <a:r>
+              <a:rPr lang="en-US" altLang="zh-CN" dirty="0" err="1">
+                <a:latin typeface="Times New Roman" panose="02020603050405020304" pitchFamily="18" charset="0"/>
+                <a:cs typeface="Times New Roman" panose="02020603050405020304" pitchFamily="18" charset="0"/>
+              </a:rPr>
+              <a:t>θk</a:t>
+            </a:r>
+            <a:r>
+              <a:rPr lang="en-US" altLang="zh-CN" dirty="0">
+                <a:latin typeface="Times New Roman" panose="02020603050405020304" pitchFamily="18" charset="0"/>
+                <a:cs typeface="Times New Roman" panose="02020603050405020304" pitchFamily="18" charset="0"/>
+              </a:rPr>
+              <a:t> from the result of atan2</a:t>
+            </a:r>
+            <a:endParaRPr lang="zh-CN" altLang="en-US" dirty="0">
+              <a:latin typeface="Times New Roman" panose="02020603050405020304" pitchFamily="18" charset="0"/>
+              <a:cs typeface="Times New Roman" panose="02020603050405020304" pitchFamily="18" charset="0"/>
+            </a:endParaRPr>
+          </a:p>
+        </p:txBody>
+      </p:sp>
+      <p:sp>
+        <p:nvSpPr>
+          <p:cNvPr id="31" name="矩形 30">
+            <a:extLst>
+              <a:ext uri="{FF2B5EF4-FFF2-40B4-BE49-F238E27FC236}">
+                <a16:creationId xmlns:a16="http://schemas.microsoft.com/office/drawing/2014/main" id="{72D3209A-56B7-B860-80D6-98DE2B64CC73}"/>
+              </a:ext>
+            </a:extLst>
+          </p:cNvPr>
+          <p:cNvSpPr/>
+          <p:nvPr/>
+        </p:nvSpPr>
+        <p:spPr>
+          <a:xfrm>
+            <a:off x="8052391" y="432391"/>
+            <a:ext cx="623776" cy="555703"/>
+          </a:xfrm>
+          <a:prstGeom prst="rect">
+            <a:avLst/>
+          </a:prstGeom>
+          <a:noFill/>
+          <a:ln>
+            <a:solidFill>
+              <a:schemeClr val="accent1">
+                <a:lumMod val="75000"/>
+              </a:schemeClr>
+            </a:solidFill>
+          </a:ln>
+        </p:spPr>
+        <p:style>
+          <a:lnRef idx="2">
+            <a:schemeClr val="accent1">
+              <a:shade val="15000"/>
+            </a:schemeClr>
+          </a:lnRef>
+          <a:fillRef idx="1">
+            <a:schemeClr val="accent1"/>
+          </a:fillRef>
+          <a:effectRef idx="0">
+            <a:schemeClr val="accent1"/>
+          </a:effectRef>
+          <a:fontRef idx="minor">
+            <a:schemeClr val="lt1"/>
+          </a:fontRef>
+        </p:style>
+        <p:txBody>
+          <a:bodyPr rtlCol="0" anchor="ctr"/>
+          <a:lstStyle/>
+          <a:p>
+            <a:pPr algn="ctr"/>
+            <a:endParaRPr lang="zh-CN" altLang="en-US"/>
+          </a:p>
+        </p:txBody>
+      </p:sp>
+      <p:cxnSp>
+        <p:nvCxnSpPr>
+          <p:cNvPr id="33" name="直接箭头连接符 32">
+            <a:extLst>
+              <a:ext uri="{FF2B5EF4-FFF2-40B4-BE49-F238E27FC236}">
+                <a16:creationId xmlns:a16="http://schemas.microsoft.com/office/drawing/2014/main" id="{A76D35E5-8851-236D-1589-A8FCFB224F7B}"/>
+              </a:ext>
+            </a:extLst>
+          </p:cNvPr>
+          <p:cNvCxnSpPr>
+            <a:cxnSpLocks/>
+            <a:stCxn id="31" idx="2"/>
+          </p:cNvCxnSpPr>
+          <p:nvPr/>
+        </p:nvCxnSpPr>
+        <p:spPr>
+          <a:xfrm>
+            <a:off x="8364279" y="988094"/>
+            <a:ext cx="311888" cy="3116073"/>
+          </a:xfrm>
+          <a:prstGeom prst="straightConnector1">
+            <a:avLst/>
+          </a:prstGeom>
+          <a:ln w="22225">
+            <a:tailEnd type="triangle"/>
+          </a:ln>
+        </p:spPr>
+        <p:style>
+          <a:lnRef idx="1">
+            <a:schemeClr val="accent1"/>
+          </a:lnRef>
+          <a:fillRef idx="0">
+            <a:schemeClr val="accent1"/>
+          </a:fillRef>
+          <a:effectRef idx="0">
+            <a:schemeClr val="accent1"/>
+          </a:effectRef>
+          <a:fontRef idx="minor">
+            <a:schemeClr val="tx1"/>
+          </a:fontRef>
+        </p:style>
+      </p:cxnSp>
+      <p:pic>
+        <p:nvPicPr>
+          <p:cNvPr id="35" name="图片 34">
+            <a:extLst>
+              <a:ext uri="{FF2B5EF4-FFF2-40B4-BE49-F238E27FC236}">
+                <a16:creationId xmlns:a16="http://schemas.microsoft.com/office/drawing/2014/main" id="{60897A46-03C0-1D0F-9010-070723D185D3}"/>
+              </a:ext>
+            </a:extLst>
+          </p:cNvPr>
+          <p:cNvPicPr>
+            <a:picLocks noChangeAspect="1"/>
+          </p:cNvPicPr>
+          <p:nvPr/>
+        </p:nvPicPr>
+        <p:blipFill>
+          <a:blip r:embed="rId6"/>
+          <a:stretch>
+            <a:fillRect/>
+          </a:stretch>
+        </p:blipFill>
+        <p:spPr>
+          <a:xfrm>
+            <a:off x="11265327" y="-2"/>
+            <a:ext cx="926672" cy="926672"/>
+          </a:xfrm>
+          <a:prstGeom prst="rect">
+            <a:avLst/>
+          </a:prstGeom>
+        </p:spPr>
+      </p:pic>
+      <p:sp>
+        <p:nvSpPr>
+          <p:cNvPr id="36" name="矩形 35">
+            <a:extLst>
+              <a:ext uri="{FF2B5EF4-FFF2-40B4-BE49-F238E27FC236}">
+                <a16:creationId xmlns:a16="http://schemas.microsoft.com/office/drawing/2014/main" id="{99A9C526-F8AB-DD28-53AB-C961F0C2A64E}"/>
+              </a:ext>
+            </a:extLst>
+          </p:cNvPr>
+          <p:cNvSpPr/>
+          <p:nvPr/>
+        </p:nvSpPr>
+        <p:spPr>
+          <a:xfrm>
+            <a:off x="1" y="-2"/>
+            <a:ext cx="220551" cy="6858002"/>
+          </a:xfrm>
+          <a:prstGeom prst="rect">
+            <a:avLst/>
+          </a:prstGeom>
+          <a:gradFill>
+            <a:gsLst>
+              <a:gs pos="100000">
+                <a:srgbClr val="1C2F43"/>
+              </a:gs>
+              <a:gs pos="0">
+                <a:srgbClr val="46706E"/>
+              </a:gs>
+            </a:gsLst>
+            <a:lin ang="5400000" scaled="1"/>
+          </a:gradFill>
+          <a:ln>
+            <a:noFill/>
+          </a:ln>
+        </p:spPr>
+        <p:style>
+          <a:lnRef idx="2">
+            <a:schemeClr val="accent1">
+              <a:shade val="50000"/>
+            </a:schemeClr>
+          </a:lnRef>
+          <a:fillRef idx="1">
+            <a:schemeClr val="accent1"/>
+          </a:fillRef>
+          <a:effectRef idx="0">
+            <a:schemeClr val="accent1"/>
+          </a:effectRef>
+          <a:fontRef idx="minor">
+            <a:schemeClr val="lt1"/>
+          </a:fontRef>
+        </p:style>
+        <p:txBody>
+          <a:bodyPr rtlCol="0" anchor="ctr"/>
+          <a:lstStyle/>
+          <a:p>
+            <a:pPr marL="0" marR="0" lvl="0" indent="0" algn="ctr" defTabSz="914400" rtl="0" eaLnBrk="1" fontAlgn="auto" latinLnBrk="0" hangingPunct="1">
+              <a:lnSpc>
+                <a:spcPct val="100000"/>
+              </a:lnSpc>
+              <a:spcBef>
+                <a:spcPts val="0"/>
+              </a:spcBef>
+              <a:spcAft>
+                <a:spcPts val="0"/>
+              </a:spcAft>
+              <a:buClrTx/>
+              <a:buSzTx/>
+              <a:buFontTx/>
+              <a:buNone/>
+              <a:tabLst/>
+              <a:defRPr/>
+            </a:pPr>
+            <a:endParaRPr kumimoji="0" lang="zh-CN" altLang="en-US" sz="1800" b="0" i="0" u="none" strike="noStrike" kern="1200" cap="none" spc="0" normalizeH="0" baseline="0" noProof="0">
+              <a:ln>
+                <a:noFill/>
+              </a:ln>
+              <a:solidFill>
+                <a:prstClr val="white"/>
+              </a:solidFill>
+              <a:effectLst/>
+              <a:uLnTx/>
+              <a:uFillTx/>
+              <a:latin typeface="Calibri"/>
+              <a:ea typeface="微软雅黑" panose="020B0503020204020204" pitchFamily="34" charset="-122"/>
+              <a:cs typeface="+mn-cs"/>
+            </a:endParaRPr>
+          </a:p>
+        </p:txBody>
+      </p:sp>
+    </p:spTree>
+    <p:extLst>
+      <p:ext uri="{BB962C8B-B14F-4D97-AF65-F5344CB8AC3E}">
+        <p14:creationId xmlns:p14="http://schemas.microsoft.com/office/powerpoint/2010/main" val="984537551"/>
+      </p:ext>
+    </p:extLst>
+  </p:cSld>
+  <p:clrMapOvr>
+    <a:masterClrMapping/>
+  </p:clrMapOvr>
+</p:sld>
+</file>
+
+<file path=ppt/slides/slide35.xml><?xml version="1.0" encoding="utf-8"?>
+<p:sld xmlns:a="http://schemas.openxmlformats.org/drawingml/2006/main" xmlns:r="http://schemas.openxmlformats.org/officeDocument/2006/relationships" xmlns:p="http://schemas.openxmlformats.org/presentationml/2006/main">
+  <p:cSld>
+    <p:spTree>
+      <p:nvGrpSpPr>
+        <p:cNvPr id="1" name=""/>
+        <p:cNvGrpSpPr/>
+        <p:nvPr/>
+      </p:nvGrpSpPr>
+      <p:grpSpPr>
+        <a:xfrm>
+          <a:off x="0" y="0"/>
+          <a:ext cx="0" cy="0"/>
+          <a:chOff x="0" y="0"/>
+          <a:chExt cx="0" cy="0"/>
+        </a:xfrm>
+      </p:grpSpPr>
+      <p:sp>
+        <p:nvSpPr>
+          <p:cNvPr id="2" name="灯片编号占位符 1">
+            <a:extLst>
+              <a:ext uri="{FF2B5EF4-FFF2-40B4-BE49-F238E27FC236}">
+                <a16:creationId xmlns:a16="http://schemas.microsoft.com/office/drawing/2014/main" id="{C32BBA5A-9D8E-3481-922A-CF2624FE6DB7}"/>
+              </a:ext>
+            </a:extLst>
+          </p:cNvPr>
+          <p:cNvSpPr>
+            <a:spLocks noGrp="1"/>
+          </p:cNvSpPr>
+          <p:nvPr>
+            <p:ph type="sldNum" sz="quarter" idx="12"/>
+          </p:nvPr>
+        </p:nvSpPr>
+        <p:spPr/>
+        <p:txBody>
+          <a:bodyPr/>
+          <a:lstStyle/>
+          <a:p>
+            <a:fld id="{565CE74E-AB26-4998-AD42-012C4C1AD076}" type="slidenum">
+              <a:rPr lang="zh-CN" altLang="en-US" smtClean="0"/>
+              <a:t>35</a:t>
+            </a:fld>
+            <a:endParaRPr lang="zh-CN" altLang="en-US" dirty="0"/>
+          </a:p>
+        </p:txBody>
+      </p:sp>
+      <p:sp>
+        <p:nvSpPr>
+          <p:cNvPr id="3" name="矩形 2">
+            <a:extLst>
+              <a:ext uri="{FF2B5EF4-FFF2-40B4-BE49-F238E27FC236}">
+                <a16:creationId xmlns:a16="http://schemas.microsoft.com/office/drawing/2014/main" id="{DB1E211B-2C5E-6E77-8756-A4962FE5C333}"/>
+              </a:ext>
+            </a:extLst>
+          </p:cNvPr>
+          <p:cNvSpPr/>
+          <p:nvPr/>
+        </p:nvSpPr>
+        <p:spPr>
+          <a:xfrm>
+            <a:off x="1" y="-2"/>
+            <a:ext cx="220551" cy="6858002"/>
+          </a:xfrm>
+          <a:prstGeom prst="rect">
+            <a:avLst/>
+          </a:prstGeom>
+          <a:gradFill>
+            <a:gsLst>
+              <a:gs pos="100000">
+                <a:srgbClr val="1C2F43"/>
+              </a:gs>
+              <a:gs pos="0">
+                <a:srgbClr val="46706E"/>
+              </a:gs>
+            </a:gsLst>
+            <a:lin ang="5400000" scaled="1"/>
+          </a:gradFill>
+          <a:ln>
+            <a:noFill/>
+          </a:ln>
+        </p:spPr>
+        <p:style>
+          <a:lnRef idx="2">
+            <a:schemeClr val="accent1">
+              <a:shade val="50000"/>
+            </a:schemeClr>
+          </a:lnRef>
+          <a:fillRef idx="1">
+            <a:schemeClr val="accent1"/>
+          </a:fillRef>
+          <a:effectRef idx="0">
+            <a:schemeClr val="accent1"/>
+          </a:effectRef>
+          <a:fontRef idx="minor">
+            <a:schemeClr val="lt1"/>
+          </a:fontRef>
+        </p:style>
+        <p:txBody>
+          <a:bodyPr rtlCol="0" anchor="ctr"/>
+          <a:lstStyle/>
+          <a:p>
+            <a:pPr marL="0" marR="0" lvl="0" indent="0" algn="ctr" defTabSz="914400" rtl="0" eaLnBrk="1" fontAlgn="auto" latinLnBrk="0" hangingPunct="1">
+              <a:lnSpc>
+                <a:spcPct val="100000"/>
+              </a:lnSpc>
+              <a:spcBef>
+                <a:spcPts val="0"/>
+              </a:spcBef>
+              <a:spcAft>
+                <a:spcPts val="0"/>
+              </a:spcAft>
+              <a:buClrTx/>
+              <a:buSzTx/>
+              <a:buFontTx/>
+              <a:buNone/>
+              <a:tabLst/>
+              <a:defRPr/>
+            </a:pPr>
+            <a:endParaRPr kumimoji="0" lang="zh-CN" altLang="en-US" sz="1800" b="0" i="0" u="none" strike="noStrike" kern="1200" cap="none" spc="0" normalizeH="0" baseline="0" noProof="0">
+              <a:ln>
+                <a:noFill/>
+              </a:ln>
+              <a:solidFill>
+                <a:prstClr val="white"/>
+              </a:solidFill>
+              <a:effectLst/>
+              <a:uLnTx/>
+              <a:uFillTx/>
+              <a:latin typeface="Calibri"/>
+              <a:ea typeface="微软雅黑" panose="020B0503020204020204" pitchFamily="34" charset="-122"/>
+              <a:cs typeface="+mn-cs"/>
+            </a:endParaRPr>
+          </a:p>
+        </p:txBody>
+      </p:sp>
+      <p:pic>
+        <p:nvPicPr>
+          <p:cNvPr id="4" name="图片 3">
+            <a:extLst>
+              <a:ext uri="{FF2B5EF4-FFF2-40B4-BE49-F238E27FC236}">
+                <a16:creationId xmlns:a16="http://schemas.microsoft.com/office/drawing/2014/main" id="{BD07F775-2607-6C5B-AF68-45D29DFF43AE}"/>
+              </a:ext>
+            </a:extLst>
+          </p:cNvPr>
+          <p:cNvPicPr>
+            <a:picLocks noChangeAspect="1"/>
+          </p:cNvPicPr>
+          <p:nvPr/>
+        </p:nvPicPr>
+        <p:blipFill>
+          <a:blip r:embed="rId2"/>
+          <a:stretch>
+            <a:fillRect/>
+          </a:stretch>
+        </p:blipFill>
+        <p:spPr>
+          <a:xfrm>
+            <a:off x="11265327" y="-2"/>
+            <a:ext cx="926672" cy="926672"/>
+          </a:xfrm>
+          <a:prstGeom prst="rect">
+            <a:avLst/>
+          </a:prstGeom>
+        </p:spPr>
+      </p:pic>
+      <p:pic>
+        <p:nvPicPr>
+          <p:cNvPr id="7" name="图片 6">
+            <a:extLst>
+              <a:ext uri="{FF2B5EF4-FFF2-40B4-BE49-F238E27FC236}">
+                <a16:creationId xmlns:a16="http://schemas.microsoft.com/office/drawing/2014/main" id="{21086EC1-19C0-9263-A164-B17DD82BD135}"/>
+              </a:ext>
+            </a:extLst>
+          </p:cNvPr>
+          <p:cNvPicPr>
+            <a:picLocks noChangeAspect="1"/>
+          </p:cNvPicPr>
+          <p:nvPr/>
+        </p:nvPicPr>
+        <p:blipFill>
+          <a:blip r:embed="rId3"/>
+          <a:stretch>
+            <a:fillRect/>
+          </a:stretch>
+        </p:blipFill>
+        <p:spPr>
+          <a:xfrm>
+            <a:off x="673677" y="4346881"/>
+            <a:ext cx="5283396" cy="1526535"/>
+          </a:xfrm>
+          <a:prstGeom prst="rect">
+            <a:avLst/>
+          </a:prstGeom>
+        </p:spPr>
+      </p:pic>
+      <p:pic>
+        <p:nvPicPr>
+          <p:cNvPr id="8" name="图片 7">
+            <a:extLst>
+              <a:ext uri="{FF2B5EF4-FFF2-40B4-BE49-F238E27FC236}">
+                <a16:creationId xmlns:a16="http://schemas.microsoft.com/office/drawing/2014/main" id="{BC84376C-BB11-D3A4-A2F9-14E3C07F3BAF}"/>
+              </a:ext>
+            </a:extLst>
+          </p:cNvPr>
+          <p:cNvPicPr>
+            <a:picLocks noChangeAspect="1"/>
+          </p:cNvPicPr>
+          <p:nvPr/>
+        </p:nvPicPr>
+        <p:blipFill>
+          <a:blip r:embed="rId4"/>
+          <a:stretch>
+            <a:fillRect/>
+          </a:stretch>
+        </p:blipFill>
+        <p:spPr>
+          <a:xfrm>
+            <a:off x="7114323" y="4108440"/>
+            <a:ext cx="2195412" cy="1001709"/>
+          </a:xfrm>
+          <a:prstGeom prst="rect">
+            <a:avLst/>
+          </a:prstGeom>
+        </p:spPr>
+      </p:pic>
+      <p:sp>
+        <p:nvSpPr>
+          <p:cNvPr id="11" name="文本框 10">
+            <a:extLst>
+              <a:ext uri="{FF2B5EF4-FFF2-40B4-BE49-F238E27FC236}">
+                <a16:creationId xmlns:a16="http://schemas.microsoft.com/office/drawing/2014/main" id="{3C20E055-6901-D5D5-0E2B-67D3363DD6B5}"/>
+              </a:ext>
+            </a:extLst>
+          </p:cNvPr>
+          <p:cNvSpPr txBox="1"/>
+          <p:nvPr/>
+        </p:nvSpPr>
+        <p:spPr>
+          <a:xfrm>
+            <a:off x="6939246" y="5280220"/>
+            <a:ext cx="3652049" cy="873572"/>
+          </a:xfrm>
+          <a:prstGeom prst="rect">
+            <a:avLst/>
+          </a:prstGeom>
+          <a:noFill/>
+        </p:spPr>
+        <p:txBody>
+          <a:bodyPr wrap="square" rtlCol="0">
+            <a:spAutoFit/>
+          </a:bodyPr>
+          <a:lstStyle/>
+          <a:p>
+            <a:pPr algn="just">
+              <a:lnSpc>
+                <a:spcPct val="150000"/>
+              </a:lnSpc>
+            </a:pPr>
+            <a:r>
+              <a:rPr lang="en-US" altLang="zh-CN" dirty="0">
+                <a:latin typeface="Times New Roman" panose="02020603050405020304" pitchFamily="18" charset="0"/>
+                <a:cs typeface="Times New Roman" panose="02020603050405020304" pitchFamily="18" charset="0"/>
+              </a:rPr>
+              <a:t>Mk is an Identity Matrix. It is an Additive and independent Noise</a:t>
+            </a:r>
+            <a:endParaRPr lang="zh-CN" altLang="en-US" dirty="0">
+              <a:latin typeface="Times New Roman" panose="02020603050405020304" pitchFamily="18" charset="0"/>
+              <a:cs typeface="Times New Roman" panose="02020603050405020304" pitchFamily="18" charset="0"/>
+            </a:endParaRPr>
+          </a:p>
+        </p:txBody>
+      </p:sp>
+      <p:pic>
+        <p:nvPicPr>
+          <p:cNvPr id="13" name="图片 12">
+            <a:extLst>
+              <a:ext uri="{FF2B5EF4-FFF2-40B4-BE49-F238E27FC236}">
+                <a16:creationId xmlns:a16="http://schemas.microsoft.com/office/drawing/2014/main" id="{687F1318-28B1-D894-7472-0B89A6C8FC17}"/>
+              </a:ext>
+            </a:extLst>
+          </p:cNvPr>
+          <p:cNvPicPr>
+            <a:picLocks noChangeAspect="1"/>
+          </p:cNvPicPr>
+          <p:nvPr/>
+        </p:nvPicPr>
+        <p:blipFill>
+          <a:blip r:embed="rId5"/>
+          <a:stretch>
+            <a:fillRect/>
+          </a:stretch>
+        </p:blipFill>
+        <p:spPr>
+          <a:xfrm>
+            <a:off x="1456344" y="70425"/>
+            <a:ext cx="7853391" cy="3920234"/>
+          </a:xfrm>
+          <a:prstGeom prst="rect">
+            <a:avLst/>
+          </a:prstGeom>
+        </p:spPr>
+      </p:pic>
+      <p:cxnSp>
+        <p:nvCxnSpPr>
+          <p:cNvPr id="15" name="直接箭头连接符 14">
+            <a:extLst>
+              <a:ext uri="{FF2B5EF4-FFF2-40B4-BE49-F238E27FC236}">
+                <a16:creationId xmlns:a16="http://schemas.microsoft.com/office/drawing/2014/main" id="{60C6F800-3A75-E821-D053-2656017CB512}"/>
+              </a:ext>
+            </a:extLst>
+          </p:cNvPr>
+          <p:cNvCxnSpPr/>
+          <p:nvPr/>
+        </p:nvCxnSpPr>
+        <p:spPr>
+          <a:xfrm>
+            <a:off x="5559068" y="3039926"/>
+            <a:ext cx="1380178" cy="0"/>
+          </a:xfrm>
+          <a:prstGeom prst="straightConnector1">
+            <a:avLst/>
+          </a:prstGeom>
+          <a:ln>
+            <a:tailEnd type="triangle"/>
+          </a:ln>
+        </p:spPr>
+        <p:style>
+          <a:lnRef idx="1">
+            <a:schemeClr val="accent1"/>
+          </a:lnRef>
+          <a:fillRef idx="0">
+            <a:schemeClr val="accent1"/>
+          </a:fillRef>
+          <a:effectRef idx="0">
+            <a:schemeClr val="accent1"/>
+          </a:effectRef>
+          <a:fontRef idx="minor">
+            <a:schemeClr val="tx1"/>
+          </a:fontRef>
+        </p:style>
+      </p:cxnSp>
+      <p:sp>
+        <p:nvSpPr>
+          <p:cNvPr id="16" name="文本框 15">
+            <a:extLst>
+              <a:ext uri="{FF2B5EF4-FFF2-40B4-BE49-F238E27FC236}">
+                <a16:creationId xmlns:a16="http://schemas.microsoft.com/office/drawing/2014/main" id="{C1D6383C-072F-1CD4-FD08-CB7C2FF4D016}"/>
+              </a:ext>
+            </a:extLst>
+          </p:cNvPr>
+          <p:cNvSpPr txBox="1"/>
+          <p:nvPr/>
+        </p:nvSpPr>
+        <p:spPr>
+          <a:xfrm>
+            <a:off x="7315200" y="2855260"/>
+            <a:ext cx="3276095" cy="369332"/>
+          </a:xfrm>
+          <a:prstGeom prst="rect">
+            <a:avLst/>
+          </a:prstGeom>
+          <a:noFill/>
+        </p:spPr>
+        <p:txBody>
+          <a:bodyPr wrap="square" rtlCol="0">
+            <a:spAutoFit/>
+          </a:bodyPr>
+          <a:lstStyle/>
+          <a:p>
+            <a:r>
+              <a:rPr lang="en-US" altLang="zh-CN" dirty="0">
+                <a:solidFill>
+                  <a:schemeClr val="accent6">
+                    <a:lumMod val="75000"/>
+                  </a:schemeClr>
+                </a:solidFill>
+              </a:rPr>
+              <a:t>Suppose there is no noise</a:t>
+            </a:r>
+            <a:endParaRPr lang="zh-CN" altLang="en-US" dirty="0">
+              <a:solidFill>
+                <a:schemeClr val="accent6">
+                  <a:lumMod val="75000"/>
+                </a:schemeClr>
+              </a:solidFill>
+            </a:endParaRPr>
+          </a:p>
+        </p:txBody>
+      </p:sp>
+    </p:spTree>
+    <p:extLst>
+      <p:ext uri="{BB962C8B-B14F-4D97-AF65-F5344CB8AC3E}">
+        <p14:creationId xmlns:p14="http://schemas.microsoft.com/office/powerpoint/2010/main" val="2620699347"/>
+      </p:ext>
+    </p:extLst>
+  </p:cSld>
+  <p:clrMapOvr>
+    <a:masterClrMapping/>
+  </p:clrMapOvr>
+</p:sld>
+</file>
+
+<file path=ppt/slides/slide36.xml><?xml version="1.0" encoding="utf-8"?>
+<p:sld xmlns:a="http://schemas.openxmlformats.org/drawingml/2006/main" xmlns:r="http://schemas.openxmlformats.org/officeDocument/2006/relationships" xmlns:p="http://schemas.openxmlformats.org/presentationml/2006/main">
+  <p:cSld>
+    <p:spTree>
+      <p:nvGrpSpPr>
+        <p:cNvPr id="1" name=""/>
+        <p:cNvGrpSpPr/>
+        <p:nvPr/>
+      </p:nvGrpSpPr>
+      <p:grpSpPr>
+        <a:xfrm>
+          <a:off x="0" y="0"/>
+          <a:ext cx="0" cy="0"/>
+          <a:chOff x="0" y="0"/>
+          <a:chExt cx="0" cy="0"/>
+        </a:xfrm>
+      </p:grpSpPr>
+      <p:sp>
+        <p:nvSpPr>
+          <p:cNvPr id="2" name="灯片编号占位符 1">
+            <a:extLst>
+              <a:ext uri="{FF2B5EF4-FFF2-40B4-BE49-F238E27FC236}">
+                <a16:creationId xmlns:a16="http://schemas.microsoft.com/office/drawing/2014/main" id="{3E6305A8-3D5F-F698-B25B-43B2D864E416}"/>
+              </a:ext>
+            </a:extLst>
+          </p:cNvPr>
+          <p:cNvSpPr>
+            <a:spLocks noGrp="1"/>
+          </p:cNvSpPr>
+          <p:nvPr>
+            <p:ph type="sldNum" sz="quarter" idx="12"/>
+          </p:nvPr>
+        </p:nvSpPr>
+        <p:spPr/>
+        <p:txBody>
+          <a:bodyPr/>
+          <a:lstStyle/>
+          <a:p>
+            <a:fld id="{565CE74E-AB26-4998-AD42-012C4C1AD076}" type="slidenum">
+              <a:rPr lang="zh-CN" altLang="en-US" smtClean="0"/>
+              <a:t>36</a:t>
+            </a:fld>
+            <a:endParaRPr lang="zh-CN" altLang="en-US"/>
+          </a:p>
+        </p:txBody>
+      </p:sp>
+      <p:sp>
+        <p:nvSpPr>
+          <p:cNvPr id="3" name="矩形 2">
+            <a:extLst>
+              <a:ext uri="{FF2B5EF4-FFF2-40B4-BE49-F238E27FC236}">
+                <a16:creationId xmlns:a16="http://schemas.microsoft.com/office/drawing/2014/main" id="{DBE76A14-D5A7-F2FC-C090-FCC76BCC8B26}"/>
+              </a:ext>
+            </a:extLst>
+          </p:cNvPr>
+          <p:cNvSpPr/>
+          <p:nvPr/>
+        </p:nvSpPr>
+        <p:spPr>
+          <a:xfrm>
+            <a:off x="1" y="-2"/>
+            <a:ext cx="220551" cy="6858002"/>
+          </a:xfrm>
+          <a:prstGeom prst="rect">
+            <a:avLst/>
+          </a:prstGeom>
+          <a:gradFill>
+            <a:gsLst>
+              <a:gs pos="100000">
+                <a:srgbClr val="1C2F43"/>
+              </a:gs>
+              <a:gs pos="0">
+                <a:srgbClr val="46706E"/>
+              </a:gs>
+            </a:gsLst>
+            <a:lin ang="5400000" scaled="1"/>
+          </a:gradFill>
+          <a:ln>
+            <a:noFill/>
+          </a:ln>
+        </p:spPr>
+        <p:style>
+          <a:lnRef idx="2">
+            <a:schemeClr val="accent1">
+              <a:shade val="50000"/>
+            </a:schemeClr>
+          </a:lnRef>
+          <a:fillRef idx="1">
+            <a:schemeClr val="accent1"/>
+          </a:fillRef>
+          <a:effectRef idx="0">
+            <a:schemeClr val="accent1"/>
+          </a:effectRef>
+          <a:fontRef idx="minor">
+            <a:schemeClr val="lt1"/>
+          </a:fontRef>
+        </p:style>
+        <p:txBody>
+          <a:bodyPr rtlCol="0" anchor="ctr"/>
+          <a:lstStyle/>
+          <a:p>
+            <a:pPr marL="0" marR="0" lvl="0" indent="0" algn="ctr" defTabSz="914400" rtl="0" eaLnBrk="1" fontAlgn="auto" latinLnBrk="0" hangingPunct="1">
+              <a:lnSpc>
+                <a:spcPct val="100000"/>
+              </a:lnSpc>
+              <a:spcBef>
+                <a:spcPts val="0"/>
+              </a:spcBef>
+              <a:spcAft>
+                <a:spcPts val="0"/>
+              </a:spcAft>
+              <a:buClrTx/>
+              <a:buSzTx/>
+              <a:buFontTx/>
+              <a:buNone/>
+              <a:tabLst/>
+              <a:defRPr/>
+            </a:pPr>
+            <a:endParaRPr kumimoji="0" lang="zh-CN" altLang="en-US" sz="1800" b="0" i="0" u="none" strike="noStrike" kern="1200" cap="none" spc="0" normalizeH="0" baseline="0" noProof="0">
+              <a:ln>
+                <a:noFill/>
+              </a:ln>
+              <a:solidFill>
+                <a:prstClr val="white"/>
+              </a:solidFill>
+              <a:effectLst/>
+              <a:uLnTx/>
+              <a:uFillTx/>
+              <a:latin typeface="Calibri"/>
+              <a:ea typeface="微软雅黑" panose="020B0503020204020204" pitchFamily="34" charset="-122"/>
+              <a:cs typeface="+mn-cs"/>
+            </a:endParaRPr>
+          </a:p>
+        </p:txBody>
+      </p:sp>
+      <p:pic>
+        <p:nvPicPr>
+          <p:cNvPr id="4" name="图片 3">
+            <a:extLst>
+              <a:ext uri="{FF2B5EF4-FFF2-40B4-BE49-F238E27FC236}">
+                <a16:creationId xmlns:a16="http://schemas.microsoft.com/office/drawing/2014/main" id="{C2119169-4835-21D0-6787-356F253D7595}"/>
+              </a:ext>
+            </a:extLst>
+          </p:cNvPr>
+          <p:cNvPicPr>
+            <a:picLocks noChangeAspect="1"/>
+          </p:cNvPicPr>
+          <p:nvPr/>
+        </p:nvPicPr>
+        <p:blipFill>
+          <a:blip r:embed="rId2"/>
+          <a:stretch>
+            <a:fillRect/>
+          </a:stretch>
+        </p:blipFill>
+        <p:spPr>
+          <a:xfrm>
+            <a:off x="11265327" y="-2"/>
+            <a:ext cx="926672" cy="926672"/>
+          </a:xfrm>
+          <a:prstGeom prst="rect">
+            <a:avLst/>
+          </a:prstGeom>
+        </p:spPr>
+      </p:pic>
+      <p:pic>
+        <p:nvPicPr>
+          <p:cNvPr id="6" name="图片 5">
+            <a:extLst>
+              <a:ext uri="{FF2B5EF4-FFF2-40B4-BE49-F238E27FC236}">
+                <a16:creationId xmlns:a16="http://schemas.microsoft.com/office/drawing/2014/main" id="{FA01AFDD-C942-ADA2-43CF-82BB7FD52D2F}"/>
+              </a:ext>
+            </a:extLst>
+          </p:cNvPr>
+          <p:cNvPicPr>
+            <a:picLocks noChangeAspect="1"/>
+          </p:cNvPicPr>
+          <p:nvPr/>
+        </p:nvPicPr>
+        <p:blipFill>
+          <a:blip r:embed="rId3"/>
+          <a:stretch>
+            <a:fillRect/>
+          </a:stretch>
+        </p:blipFill>
+        <p:spPr>
+          <a:xfrm>
+            <a:off x="1071779" y="365156"/>
+            <a:ext cx="9186456" cy="2634739"/>
+          </a:xfrm>
+          <a:prstGeom prst="rect">
+            <a:avLst/>
+          </a:prstGeom>
+        </p:spPr>
+      </p:pic>
+      <p:pic>
+        <p:nvPicPr>
+          <p:cNvPr id="7" name="图片 6">
+            <a:extLst>
+              <a:ext uri="{FF2B5EF4-FFF2-40B4-BE49-F238E27FC236}">
+                <a16:creationId xmlns:a16="http://schemas.microsoft.com/office/drawing/2014/main" id="{8B06102F-3A12-C820-79CD-427B2E60C202}"/>
+              </a:ext>
+            </a:extLst>
+          </p:cNvPr>
+          <p:cNvPicPr>
+            <a:picLocks noChangeAspect="1"/>
+          </p:cNvPicPr>
+          <p:nvPr/>
+        </p:nvPicPr>
+        <p:blipFill>
+          <a:blip r:embed="rId4"/>
+          <a:stretch>
+            <a:fillRect/>
+          </a:stretch>
+        </p:blipFill>
+        <p:spPr>
+          <a:xfrm>
+            <a:off x="8320896" y="1244289"/>
+            <a:ext cx="3322608" cy="493819"/>
+          </a:xfrm>
+          <a:prstGeom prst="rect">
+            <a:avLst/>
+          </a:prstGeom>
+        </p:spPr>
+      </p:pic>
+      <p:cxnSp>
+        <p:nvCxnSpPr>
+          <p:cNvPr id="8" name="直接箭头连接符 7">
+            <a:extLst>
+              <a:ext uri="{FF2B5EF4-FFF2-40B4-BE49-F238E27FC236}">
+                <a16:creationId xmlns:a16="http://schemas.microsoft.com/office/drawing/2014/main" id="{84F40C0C-3215-F1CC-D362-DF3421741582}"/>
+              </a:ext>
+            </a:extLst>
+          </p:cNvPr>
+          <p:cNvCxnSpPr/>
+          <p:nvPr/>
+        </p:nvCxnSpPr>
+        <p:spPr>
+          <a:xfrm>
+            <a:off x="6655137" y="1477573"/>
+            <a:ext cx="1380178" cy="0"/>
+          </a:xfrm>
+          <a:prstGeom prst="straightConnector1">
+            <a:avLst/>
+          </a:prstGeom>
+          <a:ln>
+            <a:tailEnd type="triangle"/>
+          </a:ln>
+        </p:spPr>
+        <p:style>
+          <a:lnRef idx="1">
+            <a:schemeClr val="accent1"/>
+          </a:lnRef>
+          <a:fillRef idx="0">
+            <a:schemeClr val="accent1"/>
+          </a:fillRef>
+          <a:effectRef idx="0">
+            <a:schemeClr val="accent1"/>
+          </a:effectRef>
+          <a:fontRef idx="minor">
+            <a:schemeClr val="tx1"/>
+          </a:fontRef>
+        </p:style>
+      </p:cxnSp>
+      <p:pic>
+        <p:nvPicPr>
+          <p:cNvPr id="10" name="图片 9">
+            <a:extLst>
+              <a:ext uri="{FF2B5EF4-FFF2-40B4-BE49-F238E27FC236}">
+                <a16:creationId xmlns:a16="http://schemas.microsoft.com/office/drawing/2014/main" id="{B7810783-6288-C934-051B-E7CFB59E4BBA}"/>
+              </a:ext>
+            </a:extLst>
+          </p:cNvPr>
+          <p:cNvPicPr>
+            <a:picLocks noChangeAspect="1"/>
+          </p:cNvPicPr>
+          <p:nvPr/>
+        </p:nvPicPr>
+        <p:blipFill>
+          <a:blip r:embed="rId5"/>
+          <a:stretch>
+            <a:fillRect/>
+          </a:stretch>
+        </p:blipFill>
+        <p:spPr>
+          <a:xfrm>
+            <a:off x="853777" y="3526517"/>
+            <a:ext cx="3428937" cy="922960"/>
+          </a:xfrm>
+          <a:prstGeom prst="rect">
+            <a:avLst/>
+          </a:prstGeom>
+        </p:spPr>
+      </p:pic>
+      <p:pic>
+        <p:nvPicPr>
+          <p:cNvPr id="11" name="图片 10">
+            <a:extLst>
+              <a:ext uri="{FF2B5EF4-FFF2-40B4-BE49-F238E27FC236}">
+                <a16:creationId xmlns:a16="http://schemas.microsoft.com/office/drawing/2014/main" id="{A12E1D33-1E67-4B6B-09D0-CEDDA39D219E}"/>
+              </a:ext>
+            </a:extLst>
+          </p:cNvPr>
+          <p:cNvPicPr>
+            <a:picLocks noChangeAspect="1"/>
+          </p:cNvPicPr>
+          <p:nvPr/>
+        </p:nvPicPr>
+        <p:blipFill>
+          <a:blip r:embed="rId6"/>
+          <a:stretch>
+            <a:fillRect/>
+          </a:stretch>
+        </p:blipFill>
+        <p:spPr>
+          <a:xfrm>
+            <a:off x="4728465" y="3317514"/>
+            <a:ext cx="6536862" cy="1219222"/>
+          </a:xfrm>
+          <a:prstGeom prst="rect">
+            <a:avLst/>
+          </a:prstGeom>
+        </p:spPr>
+      </p:pic>
+      <p:pic>
+        <p:nvPicPr>
+          <p:cNvPr id="12" name="图片 11">
+            <a:extLst>
+              <a:ext uri="{FF2B5EF4-FFF2-40B4-BE49-F238E27FC236}">
+                <a16:creationId xmlns:a16="http://schemas.microsoft.com/office/drawing/2014/main" id="{A99C1888-3A17-65BC-374C-6FEFA9673CAC}"/>
+              </a:ext>
+            </a:extLst>
+          </p:cNvPr>
+          <p:cNvPicPr>
+            <a:picLocks noChangeAspect="1"/>
+          </p:cNvPicPr>
+          <p:nvPr/>
+        </p:nvPicPr>
+        <p:blipFill>
+          <a:blip r:embed="rId7"/>
+          <a:stretch>
+            <a:fillRect/>
+          </a:stretch>
+        </p:blipFill>
+        <p:spPr>
+          <a:xfrm>
+            <a:off x="4833762" y="5232816"/>
+            <a:ext cx="5798551" cy="1197157"/>
+          </a:xfrm>
+          <a:prstGeom prst="rect">
+            <a:avLst/>
+          </a:prstGeom>
+        </p:spPr>
+      </p:pic>
+    </p:spTree>
+    <p:extLst>
+      <p:ext uri="{BB962C8B-B14F-4D97-AF65-F5344CB8AC3E}">
+        <p14:creationId xmlns:p14="http://schemas.microsoft.com/office/powerpoint/2010/main" val="3278701591"/>
+      </p:ext>
+    </p:extLst>
+  </p:cSld>
+  <p:clrMapOvr>
+    <a:masterClrMapping/>
+  </p:clrMapOvr>
+</p:sld>
+</file>
+
+<file path=ppt/slides/slide37.xml><?xml version="1.0" encoding="utf-8"?>
+<p:sld xmlns:a="http://schemas.openxmlformats.org/drawingml/2006/main" xmlns:r="http://schemas.openxmlformats.org/officeDocument/2006/relationships" xmlns:p="http://schemas.openxmlformats.org/presentationml/2006/main">
+  <p:cSld>
+    <p:spTree>
+      <p:nvGrpSpPr>
+        <p:cNvPr id="1" name=""/>
+        <p:cNvGrpSpPr/>
+        <p:nvPr/>
+      </p:nvGrpSpPr>
+      <p:grpSpPr>
+        <a:xfrm>
+          <a:off x="0" y="0"/>
+          <a:ext cx="0" cy="0"/>
+          <a:chOff x="0" y="0"/>
+          <a:chExt cx="0" cy="0"/>
+        </a:xfrm>
+      </p:grpSpPr>
+      <p:sp>
+        <p:nvSpPr>
+          <p:cNvPr id="2" name="灯片编号占位符 1">
+            <a:extLst>
+              <a:ext uri="{FF2B5EF4-FFF2-40B4-BE49-F238E27FC236}">
+                <a16:creationId xmlns:a16="http://schemas.microsoft.com/office/drawing/2014/main" id="{DA2BF8FB-6B2C-560B-C4A0-144BF053CB9D}"/>
+              </a:ext>
+            </a:extLst>
+          </p:cNvPr>
+          <p:cNvSpPr>
+            <a:spLocks noGrp="1"/>
+          </p:cNvSpPr>
+          <p:nvPr>
+            <p:ph type="sldNum" sz="quarter" idx="12"/>
+          </p:nvPr>
+        </p:nvSpPr>
+        <p:spPr/>
+        <p:txBody>
+          <a:bodyPr/>
+          <a:lstStyle/>
+          <a:p>
+            <a:fld id="{565CE74E-AB26-4998-AD42-012C4C1AD076}" type="slidenum">
+              <a:rPr lang="zh-CN" altLang="en-US" smtClean="0"/>
+              <a:t>37</a:t>
             </a:fld>
             <a:endParaRPr lang="zh-CN" altLang="en-US"/>
           </a:p>

--- a/Kalman Filter/Kalman Filters_Slide.pptx
+++ b/Kalman Filter/Kalman Filters_Slide.pptx
@@ -262,7 +262,7 @@
           <a:p>
             <a:fld id="{9231DB76-5993-4784-9EAB-D9A89B457C93}" type="datetimeFigureOut">
               <a:rPr lang="zh-CN" altLang="en-US" smtClean="0"/>
-              <a:t>2024-04-01</a:t>
+              <a:t>2024-04-13</a:t>
             </a:fld>
             <a:endParaRPr lang="zh-CN" altLang="en-US"/>
           </a:p>
@@ -509,7 +509,7 @@
           <a:p>
             <a:fld id="{F45E9ACB-C599-466B-BA40-E77CAABA49E4}" type="datetimeFigureOut">
               <a:rPr lang="zh-CN" altLang="en-US" smtClean="0"/>
-              <a:t>2024-04-01</a:t>
+              <a:t>2024-04-13</a:t>
             </a:fld>
             <a:endParaRPr lang="zh-CN" altLang="en-US"/>
           </a:p>
@@ -989,7 +989,7 @@
           <a:p>
             <a:fld id="{D997B5FA-0921-464F-AAE1-844C04324D75}" type="datetimeFigureOut">
               <a:rPr lang="zh-CN" altLang="en-US" smtClean="0"/>
-              <a:t>2024-04-01</a:t>
+              <a:t>2024-04-13</a:t>
             </a:fld>
             <a:endParaRPr lang="zh-CN" altLang="en-US"/>
           </a:p>
@@ -1158,7 +1158,7 @@
           <a:p>
             <a:fld id="{D997B5FA-0921-464F-AAE1-844C04324D75}" type="datetimeFigureOut">
               <a:rPr lang="zh-CN" altLang="en-US" smtClean="0"/>
-              <a:t>2024-04-01</a:t>
+              <a:t>2024-04-13</a:t>
             </a:fld>
             <a:endParaRPr lang="zh-CN" altLang="en-US"/>
           </a:p>
@@ -1337,7 +1337,7 @@
           <a:p>
             <a:fld id="{D997B5FA-0921-464F-AAE1-844C04324D75}" type="datetimeFigureOut">
               <a:rPr lang="zh-CN" altLang="en-US" smtClean="0"/>
-              <a:t>2024-04-01</a:t>
+              <a:t>2024-04-13</a:t>
             </a:fld>
             <a:endParaRPr lang="zh-CN" altLang="en-US"/>
           </a:p>
@@ -1563,7 +1563,7 @@
           <a:p>
             <a:fld id="{D997B5FA-0921-464F-AAE1-844C04324D75}" type="datetimeFigureOut">
               <a:rPr lang="zh-CN" altLang="en-US" smtClean="0"/>
-              <a:t>2024-04-01</a:t>
+              <a:t>2024-04-13</a:t>
             </a:fld>
             <a:endParaRPr lang="zh-CN" altLang="en-US"/>
           </a:p>
@@ -1809,7 +1809,7 @@
           <a:p>
             <a:fld id="{D997B5FA-0921-464F-AAE1-844C04324D75}" type="datetimeFigureOut">
               <a:rPr lang="zh-CN" altLang="en-US" smtClean="0"/>
-              <a:t>2024-04-01</a:t>
+              <a:t>2024-04-13</a:t>
             </a:fld>
             <a:endParaRPr lang="zh-CN" altLang="en-US"/>
           </a:p>
@@ -2039,7 +2039,7 @@
           <a:p>
             <a:fld id="{D997B5FA-0921-464F-AAE1-844C04324D75}" type="datetimeFigureOut">
               <a:rPr lang="zh-CN" altLang="en-US" smtClean="0"/>
-              <a:t>2024-04-01</a:t>
+              <a:t>2024-04-13</a:t>
             </a:fld>
             <a:endParaRPr lang="zh-CN" altLang="en-US"/>
           </a:p>
@@ -2404,7 +2404,7 @@
           <a:p>
             <a:fld id="{D997B5FA-0921-464F-AAE1-844C04324D75}" type="datetimeFigureOut">
               <a:rPr lang="zh-CN" altLang="en-US" smtClean="0"/>
-              <a:t>2024-04-01</a:t>
+              <a:t>2024-04-13</a:t>
             </a:fld>
             <a:endParaRPr lang="zh-CN" altLang="en-US"/>
           </a:p>
@@ -2522,7 +2522,7 @@
           <a:p>
             <a:fld id="{D997B5FA-0921-464F-AAE1-844C04324D75}" type="datetimeFigureOut">
               <a:rPr lang="zh-CN" altLang="en-US" smtClean="0"/>
-              <a:t>2024-04-01</a:t>
+              <a:t>2024-04-13</a:t>
             </a:fld>
             <a:endParaRPr lang="zh-CN" altLang="en-US"/>
           </a:p>
@@ -2618,7 +2618,7 @@
           <a:p>
             <a:fld id="{D997B5FA-0921-464F-AAE1-844C04324D75}" type="datetimeFigureOut">
               <a:rPr lang="zh-CN" altLang="en-US" smtClean="0"/>
-              <a:t>2024-04-01</a:t>
+              <a:t>2024-04-13</a:t>
             </a:fld>
             <a:endParaRPr lang="zh-CN" altLang="en-US"/>
           </a:p>
@@ -2894,7 +2894,7 @@
           <a:p>
             <a:fld id="{D997B5FA-0921-464F-AAE1-844C04324D75}" type="datetimeFigureOut">
               <a:rPr lang="zh-CN" altLang="en-US" smtClean="0"/>
-              <a:t>2024-04-01</a:t>
+              <a:t>2024-04-13</a:t>
             </a:fld>
             <a:endParaRPr lang="zh-CN" altLang="en-US"/>
           </a:p>
@@ -3147,7 +3147,7 @@
           <a:p>
             <a:fld id="{D997B5FA-0921-464F-AAE1-844C04324D75}" type="datetimeFigureOut">
               <a:rPr lang="zh-CN" altLang="en-US" smtClean="0"/>
-              <a:t>2024-04-01</a:t>
+              <a:t>2024-04-13</a:t>
             </a:fld>
             <a:endParaRPr lang="zh-CN" altLang="en-US"/>
           </a:p>
@@ -3370,7 +3370,7 @@
           <a:p>
             <a:fld id="{D997B5FA-0921-464F-AAE1-844C04324D75}" type="datetimeFigureOut">
               <a:rPr lang="zh-CN" altLang="en-US" smtClean="0"/>
-              <a:t>2024-04-01</a:t>
+              <a:t>2024-04-13</a:t>
             </a:fld>
             <a:endParaRPr lang="zh-CN" altLang="en-US"/>
           </a:p>
@@ -17695,7 +17695,7 @@
         </p:blipFill>
         <p:spPr>
           <a:xfrm>
-            <a:off x="777895" y="4301007"/>
+            <a:off x="777895" y="4334138"/>
             <a:ext cx="6578938" cy="1822544"/>
           </a:xfrm>
           <a:prstGeom prst="rect">
